--- a/Presentations/Othello.pptx
+++ b/Presentations/Othello.pptx
@@ -7,6 +7,7 @@
   <p:sldIdLst>
     <p:sldId id="256" r:id="rId2"/>
     <p:sldId id="257" r:id="rId3"/>
+    <p:sldId id="258" r:id="rId4"/>
   </p:sldIdLst>
   <p:sldSz cx="12192000" cy="6858000"/>
   <p:notesSz cx="6858000" cy="9144000"/>
@@ -4067,7 +4068,7 @@
             <a:spLocks noGrp="1"/>
           </p:cNvSpPr>
           <p:nvPr>
-            <p:ph idx="1"/>
+            <p:ph sz="half" idx="1"/>
           </p:nvPr>
         </p:nvSpPr>
         <p:spPr/>
@@ -4084,6 +4085,51 @@
               <a:t>Reversi</a:t>
             </a:r>
             <a:endParaRPr lang="en-US" dirty="0"/>
+          </a:p>
+          <a:p>
+            <a:r>
+              <a:rPr lang="en-US" dirty="0"/>
+              <a:t>Two player game</a:t>
+            </a:r>
+          </a:p>
+          <a:p>
+            <a:r>
+              <a:rPr lang="en-US" dirty="0"/>
+              <a:t>Black goes first</a:t>
+            </a:r>
+          </a:p>
+        </p:txBody>
+      </p:sp>
+      <p:sp>
+        <p:nvSpPr>
+          <p:cNvPr id="4" name="Content Placeholder 3">
+            <a:extLst>
+              <a:ext uri="{FF2B5EF4-FFF2-40B4-BE49-F238E27FC236}">
+                <a16:creationId xmlns:a16="http://schemas.microsoft.com/office/drawing/2014/main" id="{1915F922-FFDC-4FBD-9F1C-02B1AC8368EA}"/>
+              </a:ext>
+            </a:extLst>
+          </p:cNvPr>
+          <p:cNvSpPr>
+            <a:spLocks noGrp="1"/>
+          </p:cNvSpPr>
+          <p:nvPr>
+            <p:ph sz="half" idx="2"/>
+          </p:nvPr>
+        </p:nvSpPr>
+        <p:spPr/>
+        <p:txBody>
+          <a:bodyPr>
+            <a:normAutofit/>
+          </a:bodyPr>
+          <a:lstStyle/>
+          <a:p>
+            <a:pPr marL="0" indent="0">
+              <a:buNone/>
+            </a:pPr>
+            <a:r>
+              <a:rPr lang="en-US" sz="1050" dirty="0"/>
+              <a:t>[Picture of the board]</a:t>
+            </a:r>
           </a:p>
         </p:txBody>
       </p:sp>
@@ -4091,6 +4137,89 @@
     <p:extLst>
       <p:ext uri="{BB962C8B-B14F-4D97-AF65-F5344CB8AC3E}">
         <p14:creationId xmlns:p14="http://schemas.microsoft.com/office/powerpoint/2010/main" val="2947059287"/>
+      </p:ext>
+    </p:extLst>
+  </p:cSld>
+  <p:clrMapOvr>
+    <a:masterClrMapping/>
+  </p:clrMapOvr>
+</p:sld>
+</file>
+
+<file path=ppt/slides/slide3.xml><?xml version="1.0" encoding="utf-8"?>
+<p:sld xmlns:a="http://schemas.openxmlformats.org/drawingml/2006/main" xmlns:r="http://schemas.openxmlformats.org/officeDocument/2006/relationships" xmlns:p="http://schemas.openxmlformats.org/presentationml/2006/main">
+  <p:cSld>
+    <p:spTree>
+      <p:nvGrpSpPr>
+        <p:cNvPr id="1" name=""/>
+        <p:cNvGrpSpPr/>
+        <p:nvPr/>
+      </p:nvGrpSpPr>
+      <p:grpSpPr>
+        <a:xfrm>
+          <a:off x="0" y="0"/>
+          <a:ext cx="0" cy="0"/>
+          <a:chOff x="0" y="0"/>
+          <a:chExt cx="0" cy="0"/>
+        </a:xfrm>
+      </p:grpSpPr>
+      <p:sp>
+        <p:nvSpPr>
+          <p:cNvPr id="2" name="Title 1">
+            <a:extLst>
+              <a:ext uri="{FF2B5EF4-FFF2-40B4-BE49-F238E27FC236}">
+                <a16:creationId xmlns:a16="http://schemas.microsoft.com/office/drawing/2014/main" id="{E6693D53-EB2A-4B85-A63B-2303AB000F37}"/>
+              </a:ext>
+            </a:extLst>
+          </p:cNvPr>
+          <p:cNvSpPr>
+            <a:spLocks noGrp="1"/>
+          </p:cNvSpPr>
+          <p:nvPr>
+            <p:ph type="title"/>
+          </p:nvPr>
+        </p:nvSpPr>
+        <p:spPr/>
+        <p:txBody>
+          <a:bodyPr/>
+          <a:lstStyle/>
+          <a:p>
+            <a:r>
+              <a:rPr lang="en-US"/>
+              <a:t>Moves</a:t>
+            </a:r>
+          </a:p>
+        </p:txBody>
+      </p:sp>
+      <p:sp>
+        <p:nvSpPr>
+          <p:cNvPr id="3" name="Content Placeholder 2">
+            <a:extLst>
+              <a:ext uri="{FF2B5EF4-FFF2-40B4-BE49-F238E27FC236}">
+                <a16:creationId xmlns:a16="http://schemas.microsoft.com/office/drawing/2014/main" id="{C20D8CE2-C2FD-4DB1-8B01-394E9F8FB369}"/>
+              </a:ext>
+            </a:extLst>
+          </p:cNvPr>
+          <p:cNvSpPr>
+            <a:spLocks noGrp="1"/>
+          </p:cNvSpPr>
+          <p:nvPr>
+            <p:ph idx="1"/>
+          </p:nvPr>
+        </p:nvSpPr>
+        <p:spPr/>
+        <p:txBody>
+          <a:bodyPr/>
+          <a:lstStyle/>
+          <a:p>
+            <a:endParaRPr lang="en-US"/>
+          </a:p>
+        </p:txBody>
+      </p:sp>
+    </p:spTree>
+    <p:extLst>
+      <p:ext uri="{BB962C8B-B14F-4D97-AF65-F5344CB8AC3E}">
+        <p14:creationId xmlns:p14="http://schemas.microsoft.com/office/powerpoint/2010/main" val="3717845250"/>
       </p:ext>
     </p:extLst>
   </p:cSld>

--- a/Presentations/Othello.pptx
+++ b/Presentations/Othello.pptx
@@ -7,7 +7,8 @@
   <p:sldIdLst>
     <p:sldId id="256" r:id="rId2"/>
     <p:sldId id="257" r:id="rId3"/>
-    <p:sldId id="258" r:id="rId4"/>
+    <p:sldId id="260" r:id="rId4"/>
+    <p:sldId id="258" r:id="rId5"/>
   </p:sldIdLst>
   <p:sldSz cx="12192000" cy="6858000"/>
   <p:notesSz cx="6858000" cy="9144000"/>
@@ -4098,41 +4099,143 @@
               <a:t>Black goes first</a:t>
             </a:r>
           </a:p>
-        </p:txBody>
-      </p:sp>
-      <p:sp>
-        <p:nvSpPr>
-          <p:cNvPr id="4" name="Content Placeholder 3">
-            <a:extLst>
-              <a:ext uri="{FF2B5EF4-FFF2-40B4-BE49-F238E27FC236}">
-                <a16:creationId xmlns:a16="http://schemas.microsoft.com/office/drawing/2014/main" id="{1915F922-FFDC-4FBD-9F1C-02B1AC8368EA}"/>
-              </a:ext>
-            </a:extLst>
-          </p:cNvPr>
-          <p:cNvSpPr>
-            <a:spLocks noGrp="1"/>
-          </p:cNvSpPr>
-          <p:nvPr>
-            <p:ph sz="half" idx="2"/>
-          </p:nvPr>
-        </p:nvSpPr>
-        <p:spPr/>
-        <p:txBody>
-          <a:bodyPr>
-            <a:normAutofit/>
-          </a:bodyPr>
-          <a:lstStyle/>
-          <a:p>
-            <a:pPr marL="0" indent="0">
-              <a:buNone/>
-            </a:pPr>
-            <a:r>
-              <a:rPr lang="en-US" sz="1050" dirty="0"/>
-              <a:t>[Picture of the board]</a:t>
-            </a:r>
-          </a:p>
-        </p:txBody>
-      </p:sp>
+          <a:p>
+            <a:r>
+              <a:rPr lang="en-US" dirty="0"/>
+              <a:t>Terminating condition</a:t>
+            </a:r>
+          </a:p>
+          <a:p>
+            <a:r>
+              <a:rPr lang="en-US" dirty="0"/>
+              <a:t>Special case</a:t>
+            </a:r>
+          </a:p>
+          <a:p>
+            <a:endParaRPr lang="en-US" dirty="0"/>
+          </a:p>
+        </p:txBody>
+      </p:sp>
+      <p:pic>
+        <p:nvPicPr>
+          <p:cNvPr id="5" name="Picture 4">
+            <a:extLst>
+              <a:ext uri="{FF2B5EF4-FFF2-40B4-BE49-F238E27FC236}">
+                <a16:creationId xmlns:a16="http://schemas.microsoft.com/office/drawing/2014/main" id="{4BB69DBF-027E-408C-91D0-47C803D18192}"/>
+              </a:ext>
+            </a:extLst>
+          </p:cNvPr>
+          <p:cNvPicPr>
+            <a:picLocks noChangeAspect="1"/>
+          </p:cNvPicPr>
+          <p:nvPr/>
+        </p:nvPicPr>
+        <p:blipFill>
+          <a:blip r:embed="rId2"/>
+          <a:stretch>
+            <a:fillRect/>
+          </a:stretch>
+        </p:blipFill>
+        <p:spPr>
+          <a:xfrm>
+            <a:off x="6644081" y="1519936"/>
+            <a:ext cx="4051881" cy="3874477"/>
+          </a:xfrm>
+          <a:prstGeom prst="rect">
+            <a:avLst/>
+          </a:prstGeom>
+        </p:spPr>
+      </p:pic>
+      <p:pic>
+        <p:nvPicPr>
+          <p:cNvPr id="6" name="Picture 5">
+            <a:extLst>
+              <a:ext uri="{FF2B5EF4-FFF2-40B4-BE49-F238E27FC236}">
+                <a16:creationId xmlns:a16="http://schemas.microsoft.com/office/drawing/2014/main" id="{CDC08DD0-2A27-4057-9B6C-89D87021C7D8}"/>
+              </a:ext>
+            </a:extLst>
+          </p:cNvPr>
+          <p:cNvPicPr>
+            <a:picLocks noChangeAspect="1"/>
+          </p:cNvPicPr>
+          <p:nvPr/>
+        </p:nvPicPr>
+        <p:blipFill>
+          <a:blip r:embed="rId3"/>
+          <a:stretch>
+            <a:fillRect/>
+          </a:stretch>
+        </p:blipFill>
+        <p:spPr>
+          <a:xfrm>
+            <a:off x="6605451" y="1519936"/>
+            <a:ext cx="4090511" cy="3884565"/>
+          </a:xfrm>
+          <a:prstGeom prst="rect">
+            <a:avLst/>
+          </a:prstGeom>
+        </p:spPr>
+      </p:pic>
+      <p:pic>
+        <p:nvPicPr>
+          <p:cNvPr id="7" name="Picture 6">
+            <a:extLst>
+              <a:ext uri="{FF2B5EF4-FFF2-40B4-BE49-F238E27FC236}">
+                <a16:creationId xmlns:a16="http://schemas.microsoft.com/office/drawing/2014/main" id="{1303C51E-DC89-4DC9-A577-C53D61B8DEA1}"/>
+              </a:ext>
+            </a:extLst>
+          </p:cNvPr>
+          <p:cNvPicPr>
+            <a:picLocks noChangeAspect="1"/>
+          </p:cNvPicPr>
+          <p:nvPr/>
+        </p:nvPicPr>
+        <p:blipFill>
+          <a:blip r:embed="rId4"/>
+          <a:stretch>
+            <a:fillRect/>
+          </a:stretch>
+        </p:blipFill>
+        <p:spPr>
+          <a:xfrm>
+            <a:off x="6297371" y="1405889"/>
+            <a:ext cx="5421260" cy="4046221"/>
+          </a:xfrm>
+          <a:prstGeom prst="rect">
+            <a:avLst/>
+          </a:prstGeom>
+        </p:spPr>
+      </p:pic>
+      <p:pic>
+        <p:nvPicPr>
+          <p:cNvPr id="8" name="Picture 7">
+            <a:extLst>
+              <a:ext uri="{FF2B5EF4-FFF2-40B4-BE49-F238E27FC236}">
+                <a16:creationId xmlns:a16="http://schemas.microsoft.com/office/drawing/2014/main" id="{1C07B2AF-0FD2-4B09-87D1-9002D4AFF978}"/>
+              </a:ext>
+            </a:extLst>
+          </p:cNvPr>
+          <p:cNvPicPr>
+            <a:picLocks noChangeAspect="1"/>
+          </p:cNvPicPr>
+          <p:nvPr/>
+        </p:nvPicPr>
+        <p:blipFill>
+          <a:blip r:embed="rId5"/>
+          <a:stretch>
+            <a:fillRect/>
+          </a:stretch>
+        </p:blipFill>
+        <p:spPr>
+          <a:xfrm>
+            <a:off x="6297372" y="1405889"/>
+            <a:ext cx="5421259" cy="4046221"/>
+          </a:xfrm>
+          <a:prstGeom prst="rect">
+            <a:avLst/>
+          </a:prstGeom>
+        </p:spPr>
+      </p:pic>
     </p:spTree>
     <p:extLst>
       <p:ext uri="{BB962C8B-B14F-4D97-AF65-F5344CB8AC3E}">
@@ -4147,6 +4250,89 @@
 </file>
 
 <file path=ppt/slides/slide3.xml><?xml version="1.0" encoding="utf-8"?>
+<p:sld xmlns:a="http://schemas.openxmlformats.org/drawingml/2006/main" xmlns:r="http://schemas.openxmlformats.org/officeDocument/2006/relationships" xmlns:p="http://schemas.openxmlformats.org/presentationml/2006/main">
+  <p:cSld>
+    <p:spTree>
+      <p:nvGrpSpPr>
+        <p:cNvPr id="1" name=""/>
+        <p:cNvGrpSpPr/>
+        <p:nvPr/>
+      </p:nvGrpSpPr>
+      <p:grpSpPr>
+        <a:xfrm>
+          <a:off x="0" y="0"/>
+          <a:ext cx="0" cy="0"/>
+          <a:chOff x="0" y="0"/>
+          <a:chExt cx="0" cy="0"/>
+        </a:xfrm>
+      </p:grpSpPr>
+      <p:sp>
+        <p:nvSpPr>
+          <p:cNvPr id="2" name="Title 1">
+            <a:extLst>
+              <a:ext uri="{FF2B5EF4-FFF2-40B4-BE49-F238E27FC236}">
+                <a16:creationId xmlns:a16="http://schemas.microsoft.com/office/drawing/2014/main" id="{A4777D3C-F073-453D-A485-A5120B00CDE2}"/>
+              </a:ext>
+            </a:extLst>
+          </p:cNvPr>
+          <p:cNvSpPr>
+            <a:spLocks noGrp="1"/>
+          </p:cNvSpPr>
+          <p:nvPr>
+            <p:ph type="title"/>
+          </p:nvPr>
+        </p:nvSpPr>
+        <p:spPr/>
+        <p:txBody>
+          <a:bodyPr/>
+          <a:lstStyle/>
+          <a:p>
+            <a:r>
+              <a:rPr lang="en-US" dirty="0"/>
+              <a:t>Our Computer Player</a:t>
+            </a:r>
+          </a:p>
+        </p:txBody>
+      </p:sp>
+      <p:sp>
+        <p:nvSpPr>
+          <p:cNvPr id="6" name="Content Placeholder 5">
+            <a:extLst>
+              <a:ext uri="{FF2B5EF4-FFF2-40B4-BE49-F238E27FC236}">
+                <a16:creationId xmlns:a16="http://schemas.microsoft.com/office/drawing/2014/main" id="{51104E9A-E52C-414D-B1F3-83D813A22E7A}"/>
+              </a:ext>
+            </a:extLst>
+          </p:cNvPr>
+          <p:cNvSpPr>
+            <a:spLocks noGrp="1"/>
+          </p:cNvSpPr>
+          <p:nvPr>
+            <p:ph idx="1"/>
+          </p:nvPr>
+        </p:nvSpPr>
+        <p:spPr/>
+        <p:txBody>
+          <a:bodyPr/>
+          <a:lstStyle/>
+          <a:p>
+            <a:endParaRPr lang="en-US" dirty="0"/>
+          </a:p>
+        </p:txBody>
+      </p:sp>
+    </p:spTree>
+    <p:extLst>
+      <p:ext uri="{BB962C8B-B14F-4D97-AF65-F5344CB8AC3E}">
+        <p14:creationId xmlns:p14="http://schemas.microsoft.com/office/powerpoint/2010/main" val="357299091"/>
+      </p:ext>
+    </p:extLst>
+  </p:cSld>
+  <p:clrMapOvr>
+    <a:masterClrMapping/>
+  </p:clrMapOvr>
+</p:sld>
+</file>
+
+<file path=ppt/slides/slide4.xml><?xml version="1.0" encoding="utf-8"?>
 <p:sld xmlns:a="http://schemas.openxmlformats.org/drawingml/2006/main" xmlns:r="http://schemas.openxmlformats.org/officeDocument/2006/relationships" xmlns:p="http://schemas.openxmlformats.org/presentationml/2006/main">
   <p:cSld>
     <p:spTree>

--- a/Presentations/Othello.pptx
+++ b/Presentations/Othello.pptx
@@ -7,8 +7,15 @@
   <p:sldIdLst>
     <p:sldId id="256" r:id="rId2"/>
     <p:sldId id="257" r:id="rId3"/>
-    <p:sldId id="260" r:id="rId4"/>
-    <p:sldId id="258" r:id="rId5"/>
+    <p:sldId id="266" r:id="rId4"/>
+    <p:sldId id="267" r:id="rId5"/>
+    <p:sldId id="260" r:id="rId6"/>
+    <p:sldId id="258" r:id="rId7"/>
+    <p:sldId id="262" r:id="rId8"/>
+    <p:sldId id="263" r:id="rId9"/>
+    <p:sldId id="261" r:id="rId10"/>
+    <p:sldId id="265" r:id="rId11"/>
+    <p:sldId id="264" r:id="rId12"/>
   </p:sldIdLst>
   <p:sldSz cx="12192000" cy="6858000"/>
   <p:notesSz cx="6858000" cy="9144000"/>
@@ -262,7 +269,7 @@
           <a:p>
             <a:fld id="{4522071F-7BC7-46B1-9447-09599AA99CA7}" type="datetimeFigureOut">
               <a:rPr lang="en-US" smtClean="0"/>
-              <a:t>3/25/2019</a:t>
+              <a:t>3/26/2019</a:t>
             </a:fld>
             <a:endParaRPr lang="en-US"/>
           </a:p>
@@ -460,7 +467,7 @@
           <a:p>
             <a:fld id="{4522071F-7BC7-46B1-9447-09599AA99CA7}" type="datetimeFigureOut">
               <a:rPr lang="en-US" smtClean="0"/>
-              <a:t>3/25/2019</a:t>
+              <a:t>3/26/2019</a:t>
             </a:fld>
             <a:endParaRPr lang="en-US"/>
           </a:p>
@@ -668,7 +675,7 @@
           <a:p>
             <a:fld id="{4522071F-7BC7-46B1-9447-09599AA99CA7}" type="datetimeFigureOut">
               <a:rPr lang="en-US" smtClean="0"/>
-              <a:t>3/25/2019</a:t>
+              <a:t>3/26/2019</a:t>
             </a:fld>
             <a:endParaRPr lang="en-US"/>
           </a:p>
@@ -866,7 +873,7 @@
           <a:p>
             <a:fld id="{4522071F-7BC7-46B1-9447-09599AA99CA7}" type="datetimeFigureOut">
               <a:rPr lang="en-US" smtClean="0"/>
-              <a:t>3/25/2019</a:t>
+              <a:t>3/26/2019</a:t>
             </a:fld>
             <a:endParaRPr lang="en-US"/>
           </a:p>
@@ -1141,7 +1148,7 @@
           <a:p>
             <a:fld id="{4522071F-7BC7-46B1-9447-09599AA99CA7}" type="datetimeFigureOut">
               <a:rPr lang="en-US" smtClean="0"/>
-              <a:t>3/25/2019</a:t>
+              <a:t>3/26/2019</a:t>
             </a:fld>
             <a:endParaRPr lang="en-US"/>
           </a:p>
@@ -1406,7 +1413,7 @@
           <a:p>
             <a:fld id="{4522071F-7BC7-46B1-9447-09599AA99CA7}" type="datetimeFigureOut">
               <a:rPr lang="en-US" smtClean="0"/>
-              <a:t>3/25/2019</a:t>
+              <a:t>3/26/2019</a:t>
             </a:fld>
             <a:endParaRPr lang="en-US"/>
           </a:p>
@@ -1818,7 +1825,7 @@
           <a:p>
             <a:fld id="{4522071F-7BC7-46B1-9447-09599AA99CA7}" type="datetimeFigureOut">
               <a:rPr lang="en-US" smtClean="0"/>
-              <a:t>3/25/2019</a:t>
+              <a:t>3/26/2019</a:t>
             </a:fld>
             <a:endParaRPr lang="en-US"/>
           </a:p>
@@ -1959,7 +1966,7 @@
           <a:p>
             <a:fld id="{4522071F-7BC7-46B1-9447-09599AA99CA7}" type="datetimeFigureOut">
               <a:rPr lang="en-US" smtClean="0"/>
-              <a:t>3/25/2019</a:t>
+              <a:t>3/26/2019</a:t>
             </a:fld>
             <a:endParaRPr lang="en-US"/>
           </a:p>
@@ -2072,7 +2079,7 @@
           <a:p>
             <a:fld id="{4522071F-7BC7-46B1-9447-09599AA99CA7}" type="datetimeFigureOut">
               <a:rPr lang="en-US" smtClean="0"/>
-              <a:t>3/25/2019</a:t>
+              <a:t>3/26/2019</a:t>
             </a:fld>
             <a:endParaRPr lang="en-US"/>
           </a:p>
@@ -2383,7 +2390,7 @@
           <a:p>
             <a:fld id="{4522071F-7BC7-46B1-9447-09599AA99CA7}" type="datetimeFigureOut">
               <a:rPr lang="en-US" smtClean="0"/>
-              <a:t>3/25/2019</a:t>
+              <a:t>3/26/2019</a:t>
             </a:fld>
             <a:endParaRPr lang="en-US"/>
           </a:p>
@@ -2671,7 +2678,7 @@
           <a:p>
             <a:fld id="{4522071F-7BC7-46B1-9447-09599AA99CA7}" type="datetimeFigureOut">
               <a:rPr lang="en-US" smtClean="0"/>
-              <a:t>3/25/2019</a:t>
+              <a:t>3/26/2019</a:t>
             </a:fld>
             <a:endParaRPr lang="en-US"/>
           </a:p>
@@ -2912,7 +2919,7 @@
           <a:p>
             <a:fld id="{4522071F-7BC7-46B1-9447-09599AA99CA7}" type="datetimeFigureOut">
               <a:rPr lang="en-US" smtClean="0"/>
-              <a:t>3/25/2019</a:t>
+              <a:t>3/26/2019</a:t>
             </a:fld>
             <a:endParaRPr lang="en-US"/>
           </a:p>
@@ -4011,6 +4018,1117 @@
 </p:sld>
 </file>
 
+<file path=ppt/slides/slide10.xml><?xml version="1.0" encoding="utf-8"?>
+<p:sld xmlns:a="http://schemas.openxmlformats.org/drawingml/2006/main" xmlns:r="http://schemas.openxmlformats.org/officeDocument/2006/relationships" xmlns:p="http://schemas.openxmlformats.org/presentationml/2006/main">
+  <p:cSld>
+    <p:bg>
+      <p:bgPr>
+        <a:solidFill>
+          <a:schemeClr val="bg1"/>
+        </a:solidFill>
+        <a:effectLst/>
+      </p:bgPr>
+    </p:bg>
+    <p:spTree>
+      <p:nvGrpSpPr>
+        <p:cNvPr id="1" name=""/>
+        <p:cNvGrpSpPr/>
+        <p:nvPr/>
+      </p:nvGrpSpPr>
+      <p:grpSpPr>
+        <a:xfrm>
+          <a:off x="0" y="0"/>
+          <a:ext cx="0" cy="0"/>
+          <a:chOff x="0" y="0"/>
+          <a:chExt cx="0" cy="0"/>
+        </a:xfrm>
+      </p:grpSpPr>
+      <p:sp>
+        <p:nvSpPr>
+          <p:cNvPr id="14" name="Rectangle 13">
+            <a:extLst>
+              <a:ext uri="{FF2B5EF4-FFF2-40B4-BE49-F238E27FC236}">
+                <a16:creationId xmlns:a16="http://schemas.microsoft.com/office/drawing/2014/main" id="{4351DFE5-F63D-4BE0-BDA9-E3EB88F01AA5}"/>
+              </a:ext>
+              <a:ext uri="{C183D7F6-B498-43B3-948B-1728B52AA6E4}">
+                <adec:decorative xmlns:adec="http://schemas.microsoft.com/office/drawing/2017/decorative" val="1"/>
+              </a:ext>
+            </a:extLst>
+          </p:cNvPr>
+          <p:cNvSpPr>
+            <a:spLocks noGrp="1" noRot="1" noChangeAspect="1" noMove="1" noResize="1" noEditPoints="1" noAdjustHandles="1" noChangeArrowheads="1" noChangeShapeType="1" noTextEdit="1"/>
+          </p:cNvSpPr>
+          <p:nvPr>
+            <p:extLst>
+              <p:ext uri="{386F3935-93C4-4BCD-93E2-E3B085C9AB24}">
+                <p16:designElem xmlns:p16="http://schemas.microsoft.com/office/powerpoint/2015/main" val="1"/>
+              </p:ext>
+            </p:extLst>
+          </p:nvPr>
+        </p:nvSpPr>
+        <p:spPr>
+          <a:xfrm>
+            <a:off x="355601" y="0"/>
+            <a:ext cx="11480494" cy="2753936"/>
+          </a:xfrm>
+          <a:prstGeom prst="rect">
+            <a:avLst/>
+          </a:prstGeom>
+          <a:gradFill>
+            <a:gsLst>
+              <a:gs pos="0">
+                <a:schemeClr val="accent1">
+                  <a:lumMod val="90000"/>
+                </a:schemeClr>
+              </a:gs>
+              <a:gs pos="25000">
+                <a:schemeClr val="accent1">
+                  <a:lumMod val="90000"/>
+                </a:schemeClr>
+              </a:gs>
+              <a:gs pos="94000">
+                <a:schemeClr val="bg2">
+                  <a:lumMod val="25000"/>
+                </a:schemeClr>
+              </a:gs>
+              <a:gs pos="100000">
+                <a:schemeClr val="bg2">
+                  <a:lumMod val="25000"/>
+                </a:schemeClr>
+              </a:gs>
+            </a:gsLst>
+            <a:lin ang="4200000" scaled="0"/>
+          </a:gradFill>
+          <a:ln>
+            <a:noFill/>
+          </a:ln>
+        </p:spPr>
+        <p:style>
+          <a:lnRef idx="2">
+            <a:schemeClr val="accent1">
+              <a:shade val="50000"/>
+            </a:schemeClr>
+          </a:lnRef>
+          <a:fillRef idx="1">
+            <a:schemeClr val="accent1"/>
+          </a:fillRef>
+          <a:effectRef idx="0">
+            <a:schemeClr val="accent1"/>
+          </a:effectRef>
+          <a:fontRef idx="minor">
+            <a:schemeClr val="lt1"/>
+          </a:fontRef>
+        </p:style>
+        <p:txBody>
+          <a:bodyPr rtlCol="0" anchor="ctr"/>
+          <a:lstStyle/>
+          <a:p>
+            <a:pPr algn="ctr"/>
+            <a:endParaRPr lang="en-US"/>
+          </a:p>
+        </p:txBody>
+      </p:sp>
+      <p:pic>
+        <p:nvPicPr>
+          <p:cNvPr id="16" name="Picture 15">
+            <a:extLst>
+              <a:ext uri="{FF2B5EF4-FFF2-40B4-BE49-F238E27FC236}">
+                <a16:creationId xmlns:a16="http://schemas.microsoft.com/office/drawing/2014/main" id="{3AA16612-ACD2-4A16-8F2B-4514FD6BF28F}"/>
+              </a:ext>
+              <a:ext uri="{C183D7F6-B498-43B3-948B-1728B52AA6E4}">
+                <adec:decorative xmlns:adec="http://schemas.microsoft.com/office/drawing/2017/decorative" val="1"/>
+              </a:ext>
+            </a:extLst>
+          </p:cNvPr>
+          <p:cNvPicPr>
+            <a:picLocks noGrp="1" noRot="1" noChangeAspect="1" noMove="1" noResize="1" noEditPoints="1" noAdjustHandles="1" noChangeArrowheads="1" noChangeShapeType="1" noCrop="1"/>
+          </p:cNvPicPr>
+          <p:nvPr>
+            <p:extLst>
+              <p:ext uri="{386F3935-93C4-4BCD-93E2-E3B085C9AB24}">
+                <p16:designElem xmlns:p16="http://schemas.microsoft.com/office/powerpoint/2015/main" val="1"/>
+              </p:ext>
+            </p:extLst>
+          </p:nvPr>
+        </p:nvPicPr>
+        <p:blipFill>
+          <a:blip r:embed="rId2">
+            <a:extLst>
+              <a:ext uri="{28A0092B-C50C-407E-A947-70E740481C1C}">
+                <a14:useLocalDpi xmlns:a14="http://schemas.microsoft.com/office/drawing/2010/main" val="0"/>
+              </a:ext>
+            </a:extLst>
+          </a:blip>
+          <a:stretch>
+            <a:fillRect/>
+          </a:stretch>
+        </p:blipFill>
+        <p:spPr>
+          <a:xfrm>
+            <a:off x="0" y="0"/>
+            <a:ext cx="12192000" cy="6858000"/>
+          </a:xfrm>
+          <a:prstGeom prst="rect">
+            <a:avLst/>
+          </a:prstGeom>
+        </p:spPr>
+      </p:pic>
+      <p:sp>
+        <p:nvSpPr>
+          <p:cNvPr id="2" name="Title 1">
+            <a:extLst>
+              <a:ext uri="{FF2B5EF4-FFF2-40B4-BE49-F238E27FC236}">
+                <a16:creationId xmlns:a16="http://schemas.microsoft.com/office/drawing/2014/main" id="{4C0638DB-A0BA-4AC8-A1EA-47F2465741C1}"/>
+              </a:ext>
+            </a:extLst>
+          </p:cNvPr>
+          <p:cNvSpPr>
+            <a:spLocks noGrp="1"/>
+          </p:cNvSpPr>
+          <p:nvPr>
+            <p:ph type="title"/>
+          </p:nvPr>
+        </p:nvSpPr>
+        <p:spPr>
+          <a:xfrm>
+            <a:off x="1179226" y="826680"/>
+            <a:ext cx="9833548" cy="1325563"/>
+          </a:xfrm>
+        </p:spPr>
+        <p:txBody>
+          <a:bodyPr>
+            <a:normAutofit/>
+          </a:bodyPr>
+          <a:lstStyle/>
+          <a:p>
+            <a:pPr algn="ctr"/>
+            <a:r>
+              <a:rPr lang="en-US" sz="4000">
+                <a:solidFill>
+                  <a:srgbClr val="FFFFFF"/>
+                </a:solidFill>
+              </a:rPr>
+              <a:t>Heuristics - Corners</a:t>
+            </a:r>
+          </a:p>
+        </p:txBody>
+      </p:sp>
+      <mc:AlternateContent xmlns:mc="http://schemas.openxmlformats.org/markup-compatibility/2006" xmlns:a14="http://schemas.microsoft.com/office/drawing/2010/main">
+        <mc:Choice Requires="a14">
+          <p:sp>
+            <p:nvSpPr>
+              <p:cNvPr id="44" name="Content Placeholder 2">
+                <a:extLst>
+                  <a:ext uri="{FF2B5EF4-FFF2-40B4-BE49-F238E27FC236}">
+                    <a16:creationId xmlns:a16="http://schemas.microsoft.com/office/drawing/2014/main" id="{9B33B66B-3D39-4BC0-858C-485939EED7C8}"/>
+                  </a:ext>
+                </a:extLst>
+              </p:cNvPr>
+              <p:cNvSpPr txBox="1">
+                <a:spLocks/>
+              </p:cNvSpPr>
+              <p:nvPr/>
+            </p:nvSpPr>
+            <p:spPr>
+              <a:xfrm>
+                <a:off x="2585431" y="3505891"/>
+                <a:ext cx="7020833" cy="1546551"/>
+              </a:xfrm>
+              <a:prstGeom prst="rect">
+                <a:avLst/>
+              </a:prstGeom>
+            </p:spPr>
+            <p:txBody>
+              <a:bodyPr vert="horz" lIns="91440" tIns="45720" rIns="91440" bIns="45720" rtlCol="0">
+                <a:normAutofit/>
+              </a:bodyPr>
+              <a:lstStyle>
+                <a:lvl1pPr marL="228600" indent="-228600" algn="l" defTabSz="914400" rtl="0" eaLnBrk="1" latinLnBrk="0" hangingPunct="1">
+                  <a:lnSpc>
+                    <a:spcPct val="90000"/>
+                  </a:lnSpc>
+                  <a:spcBef>
+                    <a:spcPts val="1000"/>
+                  </a:spcBef>
+                  <a:buFont typeface="Arial" panose="020B0604020202020204" pitchFamily="34" charset="0"/>
+                  <a:buChar char="•"/>
+                  <a:defRPr sz="2800" kern="1200">
+                    <a:solidFill>
+                      <a:schemeClr val="tx1"/>
+                    </a:solidFill>
+                    <a:latin typeface="+mn-lt"/>
+                    <a:ea typeface="+mn-ea"/>
+                    <a:cs typeface="+mn-cs"/>
+                  </a:defRPr>
+                </a:lvl1pPr>
+                <a:lvl2pPr marL="685800" indent="-228600" algn="l" defTabSz="914400" rtl="0" eaLnBrk="1" latinLnBrk="0" hangingPunct="1">
+                  <a:lnSpc>
+                    <a:spcPct val="90000"/>
+                  </a:lnSpc>
+                  <a:spcBef>
+                    <a:spcPts val="500"/>
+                  </a:spcBef>
+                  <a:buFont typeface="Arial" panose="020B0604020202020204" pitchFamily="34" charset="0"/>
+                  <a:buChar char="•"/>
+                  <a:defRPr sz="2400" kern="1200">
+                    <a:solidFill>
+                      <a:schemeClr val="tx1"/>
+                    </a:solidFill>
+                    <a:latin typeface="+mn-lt"/>
+                    <a:ea typeface="+mn-ea"/>
+                    <a:cs typeface="+mn-cs"/>
+                  </a:defRPr>
+                </a:lvl2pPr>
+                <a:lvl3pPr marL="1143000" indent="-228600" algn="l" defTabSz="914400" rtl="0" eaLnBrk="1" latinLnBrk="0" hangingPunct="1">
+                  <a:lnSpc>
+                    <a:spcPct val="90000"/>
+                  </a:lnSpc>
+                  <a:spcBef>
+                    <a:spcPts val="500"/>
+                  </a:spcBef>
+                  <a:buFont typeface="Arial" panose="020B0604020202020204" pitchFamily="34" charset="0"/>
+                  <a:buChar char="•"/>
+                  <a:defRPr sz="2000" kern="1200">
+                    <a:solidFill>
+                      <a:schemeClr val="tx1"/>
+                    </a:solidFill>
+                    <a:latin typeface="+mn-lt"/>
+                    <a:ea typeface="+mn-ea"/>
+                    <a:cs typeface="+mn-cs"/>
+                  </a:defRPr>
+                </a:lvl3pPr>
+                <a:lvl4pPr marL="1600200" indent="-228600" algn="l" defTabSz="914400" rtl="0" eaLnBrk="1" latinLnBrk="0" hangingPunct="1">
+                  <a:lnSpc>
+                    <a:spcPct val="90000"/>
+                  </a:lnSpc>
+                  <a:spcBef>
+                    <a:spcPts val="500"/>
+                  </a:spcBef>
+                  <a:buFont typeface="Arial" panose="020B0604020202020204" pitchFamily="34" charset="0"/>
+                  <a:buChar char="•"/>
+                  <a:defRPr sz="1800" kern="1200">
+                    <a:solidFill>
+                      <a:schemeClr val="tx1"/>
+                    </a:solidFill>
+                    <a:latin typeface="+mn-lt"/>
+                    <a:ea typeface="+mn-ea"/>
+                    <a:cs typeface="+mn-cs"/>
+                  </a:defRPr>
+                </a:lvl4pPr>
+                <a:lvl5pPr marL="2057400" indent="-228600" algn="l" defTabSz="914400" rtl="0" eaLnBrk="1" latinLnBrk="0" hangingPunct="1">
+                  <a:lnSpc>
+                    <a:spcPct val="90000"/>
+                  </a:lnSpc>
+                  <a:spcBef>
+                    <a:spcPts val="500"/>
+                  </a:spcBef>
+                  <a:buFont typeface="Arial" panose="020B0604020202020204" pitchFamily="34" charset="0"/>
+                  <a:buChar char="•"/>
+                  <a:defRPr sz="1800" kern="1200">
+                    <a:solidFill>
+                      <a:schemeClr val="tx1"/>
+                    </a:solidFill>
+                    <a:latin typeface="+mn-lt"/>
+                    <a:ea typeface="+mn-ea"/>
+                    <a:cs typeface="+mn-cs"/>
+                  </a:defRPr>
+                </a:lvl5pPr>
+                <a:lvl6pPr marL="2514600" indent="-228600" algn="l" defTabSz="914400" rtl="0" eaLnBrk="1" latinLnBrk="0" hangingPunct="1">
+                  <a:lnSpc>
+                    <a:spcPct val="90000"/>
+                  </a:lnSpc>
+                  <a:spcBef>
+                    <a:spcPts val="500"/>
+                  </a:spcBef>
+                  <a:buFont typeface="Arial" panose="020B0604020202020204" pitchFamily="34" charset="0"/>
+                  <a:buChar char="•"/>
+                  <a:defRPr sz="1800" kern="1200">
+                    <a:solidFill>
+                      <a:schemeClr val="tx1"/>
+                    </a:solidFill>
+                    <a:latin typeface="+mn-lt"/>
+                    <a:ea typeface="+mn-ea"/>
+                    <a:cs typeface="+mn-cs"/>
+                  </a:defRPr>
+                </a:lvl6pPr>
+                <a:lvl7pPr marL="2971800" indent="-228600" algn="l" defTabSz="914400" rtl="0" eaLnBrk="1" latinLnBrk="0" hangingPunct="1">
+                  <a:lnSpc>
+                    <a:spcPct val="90000"/>
+                  </a:lnSpc>
+                  <a:spcBef>
+                    <a:spcPts val="500"/>
+                  </a:spcBef>
+                  <a:buFont typeface="Arial" panose="020B0604020202020204" pitchFamily="34" charset="0"/>
+                  <a:buChar char="•"/>
+                  <a:defRPr sz="1800" kern="1200">
+                    <a:solidFill>
+                      <a:schemeClr val="tx1"/>
+                    </a:solidFill>
+                    <a:latin typeface="+mn-lt"/>
+                    <a:ea typeface="+mn-ea"/>
+                    <a:cs typeface="+mn-cs"/>
+                  </a:defRPr>
+                </a:lvl7pPr>
+                <a:lvl8pPr marL="3429000" indent="-228600" algn="l" defTabSz="914400" rtl="0" eaLnBrk="1" latinLnBrk="0" hangingPunct="1">
+                  <a:lnSpc>
+                    <a:spcPct val="90000"/>
+                  </a:lnSpc>
+                  <a:spcBef>
+                    <a:spcPts val="500"/>
+                  </a:spcBef>
+                  <a:buFont typeface="Arial" panose="020B0604020202020204" pitchFamily="34" charset="0"/>
+                  <a:buChar char="•"/>
+                  <a:defRPr sz="1800" kern="1200">
+                    <a:solidFill>
+                      <a:schemeClr val="tx1"/>
+                    </a:solidFill>
+                    <a:latin typeface="+mn-lt"/>
+                    <a:ea typeface="+mn-ea"/>
+                    <a:cs typeface="+mn-cs"/>
+                  </a:defRPr>
+                </a:lvl8pPr>
+                <a:lvl9pPr marL="3886200" indent="-228600" algn="l" defTabSz="914400" rtl="0" eaLnBrk="1" latinLnBrk="0" hangingPunct="1">
+                  <a:lnSpc>
+                    <a:spcPct val="90000"/>
+                  </a:lnSpc>
+                  <a:spcBef>
+                    <a:spcPts val="500"/>
+                  </a:spcBef>
+                  <a:buFont typeface="Arial" panose="020B0604020202020204" pitchFamily="34" charset="0"/>
+                  <a:buChar char="•"/>
+                  <a:defRPr sz="1800" kern="1200">
+                    <a:solidFill>
+                      <a:schemeClr val="tx1"/>
+                    </a:solidFill>
+                    <a:latin typeface="+mn-lt"/>
+                    <a:ea typeface="+mn-ea"/>
+                    <a:cs typeface="+mn-cs"/>
+                  </a:defRPr>
+                </a:lvl9pPr>
+              </a:lstStyle>
+              <a:p>
+                <a:pPr marL="0" indent="0">
+                  <a:buFont typeface="Arial" panose="020B0604020202020204" pitchFamily="34" charset="0"/>
+                  <a:buNone/>
+                </a:pPr>
+                <a:r>
+                  <a:rPr lang="en-US" sz="1400" dirty="0">
+                    <a:solidFill>
+                      <a:srgbClr val="7030A0"/>
+                    </a:solidFill>
+                    <a:latin typeface="Courier New" panose="02070309020205020404" pitchFamily="49" charset="0"/>
+                    <a:cs typeface="Courier New" panose="02070309020205020404" pitchFamily="49" charset="0"/>
+                  </a:rPr>
+                  <a:t>if</a:t>
+                </a:r>
+                <a:r>
+                  <a:rPr lang="en-US" sz="1400" dirty="0">
+                    <a:latin typeface="Courier New" panose="02070309020205020404" pitchFamily="49" charset="0"/>
+                    <a:cs typeface="Courier New" panose="02070309020205020404" pitchFamily="49" charset="0"/>
+                  </a:rPr>
+                  <a:t> (Max Player Corner Value + Min Player Corner Value) </a:t>
+                </a:r>
+                <a14:m>
+                  <m:oMath xmlns:m="http://schemas.openxmlformats.org/officeDocument/2006/math">
+                    <m:box>
+                      <m:boxPr>
+                        <m:ctrlPr>
+                          <a:rPr lang="en-US" sz="1400" i="1" dirty="0" smtClean="0">
+                            <a:latin typeface="Cambria Math" panose="02040503050406030204" pitchFamily="18" charset="0"/>
+                            <a:cs typeface="Courier New" panose="02070309020205020404" pitchFamily="49" charset="0"/>
+                          </a:rPr>
+                        </m:ctrlPr>
+                      </m:boxPr>
+                      <m:e>
+                        <m:r>
+                          <a:rPr lang="en-US" sz="1400" i="1" dirty="0" smtClean="0">
+                            <a:latin typeface="Cambria Math" panose="02040503050406030204" pitchFamily="18" charset="0"/>
+                            <a:cs typeface="Courier New" panose="02070309020205020404" pitchFamily="49" charset="0"/>
+                          </a:rPr>
+                          <m:t>!=</m:t>
+                        </m:r>
+                      </m:e>
+                    </m:box>
+                  </m:oMath>
+                </a14:m>
+                <a:r>
+                  <a:rPr lang="en-US" sz="1400" dirty="0">
+                    <a:latin typeface="Courier New" panose="02070309020205020404" pitchFamily="49" charset="0"/>
+                    <a:cs typeface="Courier New" panose="02070309020205020404" pitchFamily="49" charset="0"/>
+                  </a:rPr>
+                  <a:t>0:</a:t>
+                </a:r>
+              </a:p>
+              <a:p>
+                <a:pPr marL="0" indent="0">
+                  <a:buNone/>
+                </a:pPr>
+                <a:r>
+                  <a:rPr lang="en-US" sz="1400" dirty="0">
+                    <a:latin typeface="Courier New" panose="02070309020205020404" pitchFamily="49" charset="0"/>
+                    <a:cs typeface="Courier New" panose="02070309020205020404" pitchFamily="49" charset="0"/>
+                  </a:rPr>
+                  <a:t>	Corner Heuristic Value = </a:t>
+                </a:r>
+                <a14:m>
+                  <m:oMath xmlns:m="http://schemas.openxmlformats.org/officeDocument/2006/math">
+                    <m:r>
+                      <a:rPr lang="en-US" sz="1400" i="1">
+                        <a:latin typeface="Cambria Math" panose="02040503050406030204" pitchFamily="18" charset="0"/>
+                        <a:cs typeface="Courier New" panose="02070309020205020404" pitchFamily="49" charset="0"/>
+                      </a:rPr>
+                      <m:t>100 </m:t>
+                    </m:r>
+                    <m:r>
+                      <a:rPr lang="en-US" sz="1400" i="1" smtClean="0">
+                        <a:latin typeface="Cambria Math" panose="02040503050406030204" pitchFamily="18" charset="0"/>
+                        <a:cs typeface="Courier New" panose="02070309020205020404" pitchFamily="49" charset="0"/>
+                      </a:rPr>
+                      <m:t>∗</m:t>
+                    </m:r>
+                    <m:f>
+                      <m:fPr>
+                        <m:ctrlPr>
+                          <a:rPr lang="en-US" sz="1400" i="1" smtClean="0">
+                            <a:latin typeface="Cambria Math" panose="02040503050406030204" pitchFamily="18" charset="0"/>
+                            <a:cs typeface="Courier New" panose="02070309020205020404" pitchFamily="49" charset="0"/>
+                          </a:rPr>
+                        </m:ctrlPr>
+                      </m:fPr>
+                      <m:num>
+                        <m:r>
+                          <a:rPr lang="en-US" sz="1400" i="1">
+                            <a:latin typeface="Cambria Math" panose="02040503050406030204" pitchFamily="18" charset="0"/>
+                            <a:cs typeface="Courier New" panose="02070309020205020404" pitchFamily="49" charset="0"/>
+                          </a:rPr>
+                          <m:t>𝑀𝑎𝑥</m:t>
+                        </m:r>
+                        <m:r>
+                          <a:rPr lang="en-US" sz="1400" i="1">
+                            <a:latin typeface="Cambria Math" panose="02040503050406030204" pitchFamily="18" charset="0"/>
+                            <a:cs typeface="Courier New" panose="02070309020205020404" pitchFamily="49" charset="0"/>
+                          </a:rPr>
+                          <m:t> </m:t>
+                        </m:r>
+                        <m:r>
+                          <a:rPr lang="en-US" sz="1400" i="1">
+                            <a:latin typeface="Cambria Math" panose="02040503050406030204" pitchFamily="18" charset="0"/>
+                            <a:cs typeface="Courier New" panose="02070309020205020404" pitchFamily="49" charset="0"/>
+                          </a:rPr>
+                          <m:t>𝑃𝑙𝑎𝑦𝑒𝑟</m:t>
+                        </m:r>
+                        <m:r>
+                          <a:rPr lang="en-US" sz="1400" i="1">
+                            <a:latin typeface="Cambria Math" panose="02040503050406030204" pitchFamily="18" charset="0"/>
+                            <a:cs typeface="Courier New" panose="02070309020205020404" pitchFamily="49" charset="0"/>
+                          </a:rPr>
+                          <m:t> </m:t>
+                        </m:r>
+                        <m:r>
+                          <a:rPr lang="en-US" sz="1400" b="0" i="1" smtClean="0">
+                            <a:latin typeface="Cambria Math" panose="02040503050406030204" pitchFamily="18" charset="0"/>
+                            <a:cs typeface="Courier New" panose="02070309020205020404" pitchFamily="49" charset="0"/>
+                          </a:rPr>
+                          <m:t>𝐶𝑜𝑟𝑛𝑒𝑟</m:t>
+                        </m:r>
+                        <m:r>
+                          <a:rPr lang="en-US" sz="1400" b="0" i="1" smtClean="0">
+                            <a:latin typeface="Cambria Math" panose="02040503050406030204" pitchFamily="18" charset="0"/>
+                            <a:cs typeface="Courier New" panose="02070309020205020404" pitchFamily="49" charset="0"/>
+                          </a:rPr>
+                          <m:t> −</m:t>
+                        </m:r>
+                        <m:r>
+                          <a:rPr lang="en-US" sz="1400" i="1">
+                            <a:latin typeface="Cambria Math" panose="02040503050406030204" pitchFamily="18" charset="0"/>
+                            <a:cs typeface="Courier New" panose="02070309020205020404" pitchFamily="49" charset="0"/>
+                          </a:rPr>
+                          <m:t>𝑀𝑖𝑛</m:t>
+                        </m:r>
+                        <m:r>
+                          <a:rPr lang="en-US" sz="1400" i="1">
+                            <a:latin typeface="Cambria Math" panose="02040503050406030204" pitchFamily="18" charset="0"/>
+                            <a:cs typeface="Courier New" panose="02070309020205020404" pitchFamily="49" charset="0"/>
+                          </a:rPr>
+                          <m:t> </m:t>
+                        </m:r>
+                        <m:r>
+                          <a:rPr lang="en-US" sz="1400" i="1">
+                            <a:latin typeface="Cambria Math" panose="02040503050406030204" pitchFamily="18" charset="0"/>
+                            <a:cs typeface="Courier New" panose="02070309020205020404" pitchFamily="49" charset="0"/>
+                          </a:rPr>
+                          <m:t>𝑃𝑙𝑎𝑦𝑒𝑟</m:t>
+                        </m:r>
+                        <m:r>
+                          <a:rPr lang="en-US" sz="1400" b="0" i="1" smtClean="0">
+                            <a:latin typeface="Cambria Math" panose="02040503050406030204" pitchFamily="18" charset="0"/>
+                            <a:cs typeface="Courier New" panose="02070309020205020404" pitchFamily="49" charset="0"/>
+                          </a:rPr>
+                          <m:t> </m:t>
+                        </m:r>
+                        <m:r>
+                          <a:rPr lang="en-US" sz="1400" i="1">
+                            <a:latin typeface="Cambria Math" panose="02040503050406030204" pitchFamily="18" charset="0"/>
+                            <a:cs typeface="Courier New" panose="02070309020205020404" pitchFamily="49" charset="0"/>
+                          </a:rPr>
+                          <m:t>𝐶𝑜𝑟𝑛𝑒𝑟</m:t>
+                        </m:r>
+                      </m:num>
+                      <m:den>
+                        <m:r>
+                          <a:rPr lang="en-US" sz="1400" i="1">
+                            <a:latin typeface="Cambria Math" panose="02040503050406030204" pitchFamily="18" charset="0"/>
+                            <a:cs typeface="Courier New" panose="02070309020205020404" pitchFamily="49" charset="0"/>
+                          </a:rPr>
+                          <m:t>𝑀𝑎𝑥</m:t>
+                        </m:r>
+                        <m:r>
+                          <a:rPr lang="en-US" sz="1400" i="1">
+                            <a:latin typeface="Cambria Math" panose="02040503050406030204" pitchFamily="18" charset="0"/>
+                            <a:cs typeface="Courier New" panose="02070309020205020404" pitchFamily="49" charset="0"/>
+                          </a:rPr>
+                          <m:t> </m:t>
+                        </m:r>
+                        <m:r>
+                          <a:rPr lang="en-US" sz="1400" i="1">
+                            <a:latin typeface="Cambria Math" panose="02040503050406030204" pitchFamily="18" charset="0"/>
+                            <a:cs typeface="Courier New" panose="02070309020205020404" pitchFamily="49" charset="0"/>
+                          </a:rPr>
+                          <m:t>𝑃𝑙𝑎𝑦𝑒𝑟</m:t>
+                        </m:r>
+                        <m:r>
+                          <a:rPr lang="en-US" sz="1400" b="0" i="1" smtClean="0">
+                            <a:latin typeface="Cambria Math" panose="02040503050406030204" pitchFamily="18" charset="0"/>
+                            <a:cs typeface="Courier New" panose="02070309020205020404" pitchFamily="49" charset="0"/>
+                          </a:rPr>
+                          <m:t> </m:t>
+                        </m:r>
+                        <m:r>
+                          <a:rPr lang="en-US" sz="1400" i="1">
+                            <a:latin typeface="Cambria Math" panose="02040503050406030204" pitchFamily="18" charset="0"/>
+                            <a:cs typeface="Courier New" panose="02070309020205020404" pitchFamily="49" charset="0"/>
+                          </a:rPr>
+                          <m:t>𝐶𝑜𝑟𝑛𝑒𝑟</m:t>
+                        </m:r>
+                        <m:r>
+                          <a:rPr lang="en-US" sz="1400" i="1">
+                            <a:latin typeface="Cambria Math" panose="02040503050406030204" pitchFamily="18" charset="0"/>
+                            <a:cs typeface="Courier New" panose="02070309020205020404" pitchFamily="49" charset="0"/>
+                          </a:rPr>
+                          <m:t>−</m:t>
+                        </m:r>
+                        <m:r>
+                          <a:rPr lang="en-US" sz="1400" i="1">
+                            <a:latin typeface="Cambria Math" panose="02040503050406030204" pitchFamily="18" charset="0"/>
+                            <a:cs typeface="Courier New" panose="02070309020205020404" pitchFamily="49" charset="0"/>
+                          </a:rPr>
+                          <m:t>𝑀𝑖𝑛</m:t>
+                        </m:r>
+                        <m:r>
+                          <a:rPr lang="en-US" sz="1400" i="1">
+                            <a:latin typeface="Cambria Math" panose="02040503050406030204" pitchFamily="18" charset="0"/>
+                            <a:cs typeface="Courier New" panose="02070309020205020404" pitchFamily="49" charset="0"/>
+                          </a:rPr>
+                          <m:t> </m:t>
+                        </m:r>
+                        <m:r>
+                          <a:rPr lang="en-US" sz="1400" i="1">
+                            <a:latin typeface="Cambria Math" panose="02040503050406030204" pitchFamily="18" charset="0"/>
+                            <a:cs typeface="Courier New" panose="02070309020205020404" pitchFamily="49" charset="0"/>
+                          </a:rPr>
+                          <m:t>𝑃𝑙𝑎𝑦𝑒𝑟</m:t>
+                        </m:r>
+                        <m:r>
+                          <a:rPr lang="en-US" sz="1400" b="0" i="1" smtClean="0">
+                            <a:latin typeface="Cambria Math" panose="02040503050406030204" pitchFamily="18" charset="0"/>
+                            <a:cs typeface="Courier New" panose="02070309020205020404" pitchFamily="49" charset="0"/>
+                          </a:rPr>
+                          <m:t> </m:t>
+                        </m:r>
+                        <m:r>
+                          <a:rPr lang="en-US" sz="1400" i="1">
+                            <a:latin typeface="Cambria Math" panose="02040503050406030204" pitchFamily="18" charset="0"/>
+                            <a:cs typeface="Courier New" panose="02070309020205020404" pitchFamily="49" charset="0"/>
+                          </a:rPr>
+                          <m:t>𝐶𝑜𝑟𝑛𝑒𝑟</m:t>
+                        </m:r>
+                      </m:den>
+                    </m:f>
+                  </m:oMath>
+                </a14:m>
+                <a:endParaRPr lang="en-US" sz="1400" dirty="0">
+                  <a:latin typeface="Courier New" panose="02070309020205020404" pitchFamily="49" charset="0"/>
+                  <a:cs typeface="Courier New" panose="02070309020205020404" pitchFamily="49" charset="0"/>
+                </a:endParaRPr>
+              </a:p>
+              <a:p>
+                <a:pPr marL="0" indent="0">
+                  <a:buFont typeface="Arial" panose="020B0604020202020204" pitchFamily="34" charset="0"/>
+                  <a:buNone/>
+                </a:pPr>
+                <a:r>
+                  <a:rPr lang="en-US" sz="1400" dirty="0">
+                    <a:solidFill>
+                      <a:srgbClr val="7030A0"/>
+                    </a:solidFill>
+                    <a:latin typeface="Courier New" panose="02070309020205020404" pitchFamily="49" charset="0"/>
+                    <a:cs typeface="Courier New" panose="02070309020205020404" pitchFamily="49" charset="0"/>
+                  </a:rPr>
+                  <a:t>else</a:t>
+                </a:r>
+                <a:r>
+                  <a:rPr lang="en-US" sz="1400" dirty="0">
+                    <a:latin typeface="Courier New" panose="02070309020205020404" pitchFamily="49" charset="0"/>
+                    <a:cs typeface="Courier New" panose="02070309020205020404" pitchFamily="49" charset="0"/>
+                  </a:rPr>
+                  <a:t>: </a:t>
+                </a:r>
+              </a:p>
+              <a:p>
+                <a:pPr marL="0" indent="0">
+                  <a:buNone/>
+                </a:pPr>
+                <a:r>
+                  <a:rPr lang="en-US" sz="1400" dirty="0">
+                    <a:latin typeface="Courier New" panose="02070309020205020404" pitchFamily="49" charset="0"/>
+                    <a:cs typeface="Courier New" panose="02070309020205020404" pitchFamily="49" charset="0"/>
+                  </a:rPr>
+                  <a:t>	 Corner Heuristic Value = 0</a:t>
+                </a:r>
+              </a:p>
+            </p:txBody>
+          </p:sp>
+        </mc:Choice>
+        <mc:Fallback xmlns="">
+          <p:sp>
+            <p:nvSpPr>
+              <p:cNvPr id="44" name="Content Placeholder 2">
+                <a:extLst>
+                  <a:ext uri="{FF2B5EF4-FFF2-40B4-BE49-F238E27FC236}">
+                    <a16:creationId xmlns:a16="http://schemas.microsoft.com/office/drawing/2014/main" id="{9B33B66B-3D39-4BC0-858C-485939EED7C8}"/>
+                  </a:ext>
+                </a:extLst>
+              </p:cNvPr>
+              <p:cNvSpPr txBox="1">
+                <a:spLocks noRot="1" noChangeAspect="1" noMove="1" noResize="1" noEditPoints="1" noAdjustHandles="1" noChangeArrowheads="1" noChangeShapeType="1" noTextEdit="1"/>
+              </p:cNvSpPr>
+              <p:nvPr/>
+            </p:nvSpPr>
+            <p:spPr>
+              <a:xfrm>
+                <a:off x="2585431" y="3505891"/>
+                <a:ext cx="7020833" cy="1546551"/>
+              </a:xfrm>
+              <a:prstGeom prst="rect">
+                <a:avLst/>
+              </a:prstGeom>
+              <a:blipFill>
+                <a:blip r:embed="rId3"/>
+                <a:stretch>
+                  <a:fillRect l="-260" t="-1181"/>
+                </a:stretch>
+              </a:blipFill>
+            </p:spPr>
+            <p:txBody>
+              <a:bodyPr/>
+              <a:lstStyle/>
+              <a:p>
+                <a:r>
+                  <a:rPr lang="en-US">
+                    <a:noFill/>
+                  </a:rPr>
+                  <a:t> </a:t>
+                </a:r>
+              </a:p>
+            </p:txBody>
+          </p:sp>
+        </mc:Fallback>
+      </mc:AlternateContent>
+    </p:spTree>
+    <p:extLst>
+      <p:ext uri="{BB962C8B-B14F-4D97-AF65-F5344CB8AC3E}">
+        <p14:creationId xmlns:p14="http://schemas.microsoft.com/office/powerpoint/2010/main" val="2554336934"/>
+      </p:ext>
+    </p:extLst>
+  </p:cSld>
+  <p:clrMapOvr>
+    <a:masterClrMapping/>
+  </p:clrMapOvr>
+</p:sld>
+</file>
+
+<file path=ppt/slides/slide11.xml><?xml version="1.0" encoding="utf-8"?>
+<p:sld xmlns:a="http://schemas.openxmlformats.org/drawingml/2006/main" xmlns:r="http://schemas.openxmlformats.org/officeDocument/2006/relationships" xmlns:p="http://schemas.openxmlformats.org/presentationml/2006/main">
+  <p:cSld>
+    <p:spTree>
+      <p:nvGrpSpPr>
+        <p:cNvPr id="1" name=""/>
+        <p:cNvGrpSpPr/>
+        <p:nvPr/>
+      </p:nvGrpSpPr>
+      <p:grpSpPr>
+        <a:xfrm>
+          <a:off x="0" y="0"/>
+          <a:ext cx="0" cy="0"/>
+          <a:chOff x="0" y="0"/>
+          <a:chExt cx="0" cy="0"/>
+        </a:xfrm>
+      </p:grpSpPr>
+      <p:sp>
+        <p:nvSpPr>
+          <p:cNvPr id="2" name="Title 1">
+            <a:extLst>
+              <a:ext uri="{FF2B5EF4-FFF2-40B4-BE49-F238E27FC236}">
+                <a16:creationId xmlns:a16="http://schemas.microsoft.com/office/drawing/2014/main" id="{E6693D53-EB2A-4B85-A63B-2303AB000F37}"/>
+              </a:ext>
+            </a:extLst>
+          </p:cNvPr>
+          <p:cNvSpPr>
+            <a:spLocks noGrp="1"/>
+          </p:cNvSpPr>
+          <p:nvPr>
+            <p:ph type="title"/>
+          </p:nvPr>
+        </p:nvSpPr>
+        <p:spPr/>
+        <p:txBody>
+          <a:bodyPr/>
+          <a:lstStyle/>
+          <a:p>
+            <a:r>
+              <a:rPr lang="en-US" dirty="0"/>
+              <a:t>Heuristics - Stability</a:t>
+            </a:r>
+          </a:p>
+        </p:txBody>
+      </p:sp>
+      <mc:AlternateContent xmlns:mc="http://schemas.openxmlformats.org/markup-compatibility/2006" xmlns:a14="http://schemas.microsoft.com/office/drawing/2010/main">
+        <mc:Choice Requires="a14">
+          <p:sp>
+            <p:nvSpPr>
+              <p:cNvPr id="3" name="Content Placeholder 2">
+                <a:extLst>
+                  <a:ext uri="{FF2B5EF4-FFF2-40B4-BE49-F238E27FC236}">
+                    <a16:creationId xmlns:a16="http://schemas.microsoft.com/office/drawing/2014/main" id="{C20D8CE2-C2FD-4DB1-8B01-394E9F8FB369}"/>
+                  </a:ext>
+                </a:extLst>
+              </p:cNvPr>
+              <p:cNvSpPr>
+                <a:spLocks noGrp="1"/>
+              </p:cNvSpPr>
+              <p:nvPr>
+                <p:ph idx="1"/>
+              </p:nvPr>
+            </p:nvSpPr>
+            <p:spPr/>
+            <p:txBody>
+              <a:bodyPr/>
+              <a:lstStyle/>
+              <a:p>
+                <a:r>
+                  <a:rPr lang="en-US" dirty="0"/>
+                  <a:t>In simple terms, the score of the board</a:t>
+                </a:r>
+              </a:p>
+              <a:p>
+                <a:pPr marL="0" indent="0">
+                  <a:buNone/>
+                </a:pPr>
+                <a:endParaRPr lang="en-US" dirty="0"/>
+              </a:p>
+              <a:p>
+                <a:pPr marL="0" indent="0">
+                  <a:buNone/>
+                </a:pPr>
+                <a:endParaRPr lang="en-US" dirty="0"/>
+              </a:p>
+              <a:p>
+                <a:pPr marL="0" indent="0">
+                  <a:buNone/>
+                </a:pPr>
+                <a14:m>
+                  <m:oMathPara xmlns:m="http://schemas.openxmlformats.org/officeDocument/2006/math">
+                    <m:oMathParaPr>
+                      <m:jc m:val="centerGroup"/>
+                    </m:oMathParaPr>
+                    <m:oMath xmlns:m="http://schemas.openxmlformats.org/officeDocument/2006/math">
+                      <m:r>
+                        <a:rPr lang="en-US" b="0" i="1" smtClean="0">
+                          <a:latin typeface="Cambria Math" panose="02040503050406030204" pitchFamily="18" charset="0"/>
+                        </a:rPr>
+                        <m:t>𝐶𝑜𝑖𝑛</m:t>
+                      </m:r>
+                      <m:r>
+                        <a:rPr lang="en-US" b="0" i="1" smtClean="0">
+                          <a:latin typeface="Cambria Math" panose="02040503050406030204" pitchFamily="18" charset="0"/>
+                        </a:rPr>
+                        <m:t> </m:t>
+                      </m:r>
+                      <m:r>
+                        <a:rPr lang="en-US" b="0" i="1" smtClean="0">
+                          <a:latin typeface="Cambria Math" panose="02040503050406030204" pitchFamily="18" charset="0"/>
+                        </a:rPr>
+                        <m:t>𝑃𝑎𝑟𝑖𝑡𝑦</m:t>
+                      </m:r>
+                      <m:r>
+                        <a:rPr lang="en-US" b="0" i="1" smtClean="0">
+                          <a:latin typeface="Cambria Math" panose="02040503050406030204" pitchFamily="18" charset="0"/>
+                        </a:rPr>
+                        <m:t> </m:t>
+                      </m:r>
+                      <m:r>
+                        <a:rPr lang="en-US" b="0" i="1" smtClean="0">
+                          <a:latin typeface="Cambria Math" panose="02040503050406030204" pitchFamily="18" charset="0"/>
+                        </a:rPr>
+                        <m:t>𝐻𝑒𝑢𝑟𝑖𝑠𝑡𝑖𝑐</m:t>
+                      </m:r>
+                      <m:r>
+                        <a:rPr lang="en-US" b="0" i="1" smtClean="0">
+                          <a:latin typeface="Cambria Math" panose="02040503050406030204" pitchFamily="18" charset="0"/>
+                        </a:rPr>
+                        <m:t> </m:t>
+                      </m:r>
+                      <m:r>
+                        <a:rPr lang="en-US" b="0" i="1" smtClean="0">
+                          <a:latin typeface="Cambria Math" panose="02040503050406030204" pitchFamily="18" charset="0"/>
+                        </a:rPr>
+                        <m:t>𝑉𝑎𝑙𝑢𝑒</m:t>
+                      </m:r>
+                      <m:r>
+                        <a:rPr lang="en-US" b="0" i="1" smtClean="0">
+                          <a:latin typeface="Cambria Math" panose="02040503050406030204" pitchFamily="18" charset="0"/>
+                        </a:rPr>
+                        <m:t>=100 ∗</m:t>
+                      </m:r>
+                      <m:f>
+                        <m:fPr>
+                          <m:ctrlPr>
+                            <a:rPr lang="en-US" b="0" i="1" smtClean="0">
+                              <a:latin typeface="Cambria Math" panose="02040503050406030204" pitchFamily="18" charset="0"/>
+                            </a:rPr>
+                          </m:ctrlPr>
+                        </m:fPr>
+                        <m:num>
+                          <m:d>
+                            <m:dPr>
+                              <m:ctrlPr>
+                                <a:rPr lang="en-US" b="0" i="1" smtClean="0">
+                                  <a:latin typeface="Cambria Math" panose="02040503050406030204" pitchFamily="18" charset="0"/>
+                                </a:rPr>
+                              </m:ctrlPr>
+                            </m:dPr>
+                            <m:e>
+                              <m:r>
+                                <a:rPr lang="en-US" b="0" i="1" smtClean="0">
+                                  <a:latin typeface="Cambria Math" panose="02040503050406030204" pitchFamily="18" charset="0"/>
+                                </a:rPr>
+                                <m:t>𝑀𝑎𝑥</m:t>
+                              </m:r>
+                              <m:r>
+                                <a:rPr lang="en-US" b="0" i="1" smtClean="0">
+                                  <a:latin typeface="Cambria Math" panose="02040503050406030204" pitchFamily="18" charset="0"/>
+                                </a:rPr>
+                                <m:t> </m:t>
+                              </m:r>
+                              <m:r>
+                                <a:rPr lang="en-US" b="0" i="1" smtClean="0">
+                                  <a:latin typeface="Cambria Math" panose="02040503050406030204" pitchFamily="18" charset="0"/>
+                                </a:rPr>
+                                <m:t>𝑃𝑙𝑎𝑦𝑒𝑟</m:t>
+                              </m:r>
+                              <m:r>
+                                <a:rPr lang="en-US" b="0" i="1" smtClean="0">
+                                  <a:latin typeface="Cambria Math" panose="02040503050406030204" pitchFamily="18" charset="0"/>
+                                </a:rPr>
+                                <m:t> </m:t>
+                              </m:r>
+                              <m:r>
+                                <a:rPr lang="en-US" b="0" i="1" smtClean="0">
+                                  <a:latin typeface="Cambria Math" panose="02040503050406030204" pitchFamily="18" charset="0"/>
+                                </a:rPr>
+                                <m:t>𝐶𝑜𝑖𝑛𝑠</m:t>
+                              </m:r>
+                              <m:r>
+                                <a:rPr lang="en-US" b="0" i="1" smtClean="0">
+                                  <a:latin typeface="Cambria Math" panose="02040503050406030204" pitchFamily="18" charset="0"/>
+                                </a:rPr>
+                                <m:t>−</m:t>
+                              </m:r>
+                              <m:r>
+                                <a:rPr lang="en-US" b="0" i="1" smtClean="0">
+                                  <a:latin typeface="Cambria Math" panose="02040503050406030204" pitchFamily="18" charset="0"/>
+                                </a:rPr>
+                                <m:t>𝑀𝑖𝑛</m:t>
+                              </m:r>
+                              <m:r>
+                                <a:rPr lang="en-US" b="0" i="1" smtClean="0">
+                                  <a:latin typeface="Cambria Math" panose="02040503050406030204" pitchFamily="18" charset="0"/>
+                                </a:rPr>
+                                <m:t> </m:t>
+                              </m:r>
+                              <m:r>
+                                <a:rPr lang="en-US" b="0" i="1" smtClean="0">
+                                  <a:latin typeface="Cambria Math" panose="02040503050406030204" pitchFamily="18" charset="0"/>
+                                </a:rPr>
+                                <m:t>𝑃𝑙𝑎𝑦𝑒𝑟</m:t>
+                              </m:r>
+                              <m:r>
+                                <a:rPr lang="en-US" b="0" i="1" smtClean="0">
+                                  <a:latin typeface="Cambria Math" panose="02040503050406030204" pitchFamily="18" charset="0"/>
+                                </a:rPr>
+                                <m:t> </m:t>
+                              </m:r>
+                              <m:r>
+                                <a:rPr lang="en-US" b="0" i="1" smtClean="0">
+                                  <a:latin typeface="Cambria Math" panose="02040503050406030204" pitchFamily="18" charset="0"/>
+                                </a:rPr>
+                                <m:t>𝐶𝑜𝑖𝑛𝑠</m:t>
+                              </m:r>
+                            </m:e>
+                          </m:d>
+                        </m:num>
+                        <m:den>
+                          <m:r>
+                            <a:rPr lang="en-US" b="0" i="1" smtClean="0">
+                              <a:latin typeface="Cambria Math" panose="02040503050406030204" pitchFamily="18" charset="0"/>
+                            </a:rPr>
+                            <m:t>(</m:t>
+                          </m:r>
+                          <m:r>
+                            <a:rPr lang="en-US" b="0" i="1" smtClean="0">
+                              <a:latin typeface="Cambria Math" panose="02040503050406030204" pitchFamily="18" charset="0"/>
+                            </a:rPr>
+                            <m:t>𝑀𝑎𝑥</m:t>
+                          </m:r>
+                          <m:r>
+                            <a:rPr lang="en-US" b="0" i="1" smtClean="0">
+                              <a:latin typeface="Cambria Math" panose="02040503050406030204" pitchFamily="18" charset="0"/>
+                            </a:rPr>
+                            <m:t> </m:t>
+                          </m:r>
+                          <m:r>
+                            <a:rPr lang="en-US" b="0" i="1" smtClean="0">
+                              <a:latin typeface="Cambria Math" panose="02040503050406030204" pitchFamily="18" charset="0"/>
+                            </a:rPr>
+                            <m:t>𝑃𝑙𝑎𝑦𝑒𝑟</m:t>
+                          </m:r>
+                          <m:r>
+                            <a:rPr lang="en-US" b="0" i="1" smtClean="0">
+                              <a:latin typeface="Cambria Math" panose="02040503050406030204" pitchFamily="18" charset="0"/>
+                            </a:rPr>
+                            <m:t> </m:t>
+                          </m:r>
+                          <m:r>
+                            <a:rPr lang="en-US" b="0" i="1" smtClean="0">
+                              <a:latin typeface="Cambria Math" panose="02040503050406030204" pitchFamily="18" charset="0"/>
+                            </a:rPr>
+                            <m:t>𝐶𝑜𝑖𝑛𝑠</m:t>
+                          </m:r>
+                          <m:r>
+                            <a:rPr lang="en-US" b="0" i="1" smtClean="0">
+                              <a:latin typeface="Cambria Math" panose="02040503050406030204" pitchFamily="18" charset="0"/>
+                            </a:rPr>
+                            <m:t>+</m:t>
+                          </m:r>
+                          <m:r>
+                            <a:rPr lang="en-US" b="0" i="1" smtClean="0">
+                              <a:latin typeface="Cambria Math" panose="02040503050406030204" pitchFamily="18" charset="0"/>
+                            </a:rPr>
+                            <m:t>𝑀𝑖𝑛</m:t>
+                          </m:r>
+                          <m:r>
+                            <a:rPr lang="en-US" b="0" i="1" smtClean="0">
+                              <a:latin typeface="Cambria Math" panose="02040503050406030204" pitchFamily="18" charset="0"/>
+                            </a:rPr>
+                            <m:t> </m:t>
+                          </m:r>
+                          <m:r>
+                            <a:rPr lang="en-US" b="0" i="1" smtClean="0">
+                              <a:latin typeface="Cambria Math" panose="02040503050406030204" pitchFamily="18" charset="0"/>
+                            </a:rPr>
+                            <m:t>𝑃𝑙𝑎𝑦𝑒𝑟</m:t>
+                          </m:r>
+                          <m:r>
+                            <a:rPr lang="en-US" b="0" i="1" smtClean="0">
+                              <a:latin typeface="Cambria Math" panose="02040503050406030204" pitchFamily="18" charset="0"/>
+                            </a:rPr>
+                            <m:t> </m:t>
+                          </m:r>
+                          <m:r>
+                            <a:rPr lang="en-US" b="0" i="1" smtClean="0">
+                              <a:latin typeface="Cambria Math" panose="02040503050406030204" pitchFamily="18" charset="0"/>
+                            </a:rPr>
+                            <m:t>𝐶𝑜𝑖𝑛𝑠</m:t>
+                          </m:r>
+                          <m:r>
+                            <a:rPr lang="en-US" b="0" i="1" smtClean="0">
+                              <a:latin typeface="Cambria Math" panose="02040503050406030204" pitchFamily="18" charset="0"/>
+                            </a:rPr>
+                            <m:t>)</m:t>
+                          </m:r>
+                        </m:den>
+                      </m:f>
+                    </m:oMath>
+                  </m:oMathPara>
+                </a14:m>
+                <a:endParaRPr lang="en-US" dirty="0"/>
+              </a:p>
+            </p:txBody>
+          </p:sp>
+        </mc:Choice>
+        <mc:Fallback xmlns="">
+          <p:sp>
+            <p:nvSpPr>
+              <p:cNvPr id="3" name="Content Placeholder 2">
+                <a:extLst>
+                  <a:ext uri="{FF2B5EF4-FFF2-40B4-BE49-F238E27FC236}">
+                    <a16:creationId xmlns:a16="http://schemas.microsoft.com/office/drawing/2014/main" id="{C20D8CE2-C2FD-4DB1-8B01-394E9F8FB369}"/>
+                  </a:ext>
+                </a:extLst>
+              </p:cNvPr>
+              <p:cNvSpPr>
+                <a:spLocks noGrp="1" noRot="1" noChangeAspect="1" noMove="1" noResize="1" noEditPoints="1" noAdjustHandles="1" noChangeArrowheads="1" noChangeShapeType="1" noTextEdit="1"/>
+              </p:cNvSpPr>
+              <p:nvPr>
+                <p:ph idx="1"/>
+              </p:nvPr>
+            </p:nvSpPr>
+            <p:spPr>
+              <a:blipFill>
+                <a:blip r:embed="rId2"/>
+                <a:stretch>
+                  <a:fillRect l="-1043" t="-2241"/>
+                </a:stretch>
+              </a:blipFill>
+            </p:spPr>
+            <p:txBody>
+              <a:bodyPr/>
+              <a:lstStyle/>
+              <a:p>
+                <a:r>
+                  <a:rPr lang="en-US">
+                    <a:noFill/>
+                  </a:rPr>
+                  <a:t> </a:t>
+                </a:r>
+              </a:p>
+            </p:txBody>
+          </p:sp>
+        </mc:Fallback>
+      </mc:AlternateContent>
+    </p:spTree>
+    <p:extLst>
+      <p:ext uri="{BB962C8B-B14F-4D97-AF65-F5344CB8AC3E}">
+        <p14:creationId xmlns:p14="http://schemas.microsoft.com/office/powerpoint/2010/main" val="1837789124"/>
+      </p:ext>
+    </p:extLst>
+  </p:cSld>
+  <p:clrMapOvr>
+    <a:masterClrMapping/>
+  </p:clrMapOvr>
+</p:sld>
+</file>
+
 <file path=ppt/slides/slide2.xml><?xml version="1.0" encoding="utf-8"?>
 <p:sld xmlns:a="http://schemas.openxmlformats.org/drawingml/2006/main" xmlns:r="http://schemas.openxmlformats.org/officeDocument/2006/relationships" xmlns:p="http://schemas.openxmlformats.org/presentationml/2006/main">
   <p:cSld>
@@ -4176,66 +5294,6 @@
           </a:prstGeom>
         </p:spPr>
       </p:pic>
-      <p:pic>
-        <p:nvPicPr>
-          <p:cNvPr id="7" name="Picture 6">
-            <a:extLst>
-              <a:ext uri="{FF2B5EF4-FFF2-40B4-BE49-F238E27FC236}">
-                <a16:creationId xmlns:a16="http://schemas.microsoft.com/office/drawing/2014/main" id="{1303C51E-DC89-4DC9-A577-C53D61B8DEA1}"/>
-              </a:ext>
-            </a:extLst>
-          </p:cNvPr>
-          <p:cNvPicPr>
-            <a:picLocks noChangeAspect="1"/>
-          </p:cNvPicPr>
-          <p:nvPr/>
-        </p:nvPicPr>
-        <p:blipFill>
-          <a:blip r:embed="rId4"/>
-          <a:stretch>
-            <a:fillRect/>
-          </a:stretch>
-        </p:blipFill>
-        <p:spPr>
-          <a:xfrm>
-            <a:off x="6297371" y="1405889"/>
-            <a:ext cx="5421260" cy="4046221"/>
-          </a:xfrm>
-          <a:prstGeom prst="rect">
-            <a:avLst/>
-          </a:prstGeom>
-        </p:spPr>
-      </p:pic>
-      <p:pic>
-        <p:nvPicPr>
-          <p:cNvPr id="8" name="Picture 7">
-            <a:extLst>
-              <a:ext uri="{FF2B5EF4-FFF2-40B4-BE49-F238E27FC236}">
-                <a16:creationId xmlns:a16="http://schemas.microsoft.com/office/drawing/2014/main" id="{1C07B2AF-0FD2-4B09-87D1-9002D4AFF978}"/>
-              </a:ext>
-            </a:extLst>
-          </p:cNvPr>
-          <p:cNvPicPr>
-            <a:picLocks noChangeAspect="1"/>
-          </p:cNvPicPr>
-          <p:nvPr/>
-        </p:nvPicPr>
-        <p:blipFill>
-          <a:blip r:embed="rId5"/>
-          <a:stretch>
-            <a:fillRect/>
-          </a:stretch>
-        </p:blipFill>
-        <p:spPr>
-          <a:xfrm>
-            <a:off x="6297372" y="1405889"/>
-            <a:ext cx="5421259" cy="4046221"/>
-          </a:xfrm>
-          <a:prstGeom prst="rect">
-            <a:avLst/>
-          </a:prstGeom>
-        </p:spPr>
-      </p:pic>
     </p:spTree>
     <p:extLst>
       <p:ext uri="{BB962C8B-B14F-4D97-AF65-F5344CB8AC3E}">
@@ -4246,6 +5304,186 @@
   <p:clrMapOvr>
     <a:masterClrMapping/>
   </p:clrMapOvr>
+  <p:timing>
+    <p:tnLst>
+      <p:par>
+        <p:cTn id="1" dur="indefinite" restart="never" nodeType="tmRoot">
+          <p:childTnLst>
+            <p:seq concurrent="1" nextAc="seek">
+              <p:cTn id="2" dur="indefinite" nodeType="mainSeq">
+                <p:childTnLst>
+                  <p:par>
+                    <p:cTn id="3" fill="hold">
+                      <p:stCondLst>
+                        <p:cond delay="indefinite"/>
+                      </p:stCondLst>
+                      <p:childTnLst>
+                        <p:par>
+                          <p:cTn id="4" fill="hold">
+                            <p:stCondLst>
+                              <p:cond delay="0"/>
+                            </p:stCondLst>
+                            <p:childTnLst>
+                              <p:par>
+                                <p:cTn id="5" presetID="10" presetClass="exit" presetSubtype="0" fill="hold" nodeType="clickEffect">
+                                  <p:stCondLst>
+                                    <p:cond delay="0"/>
+                                  </p:stCondLst>
+                                  <p:childTnLst>
+                                    <p:animEffect transition="out" filter="fade">
+                                      <p:cBhvr>
+                                        <p:cTn id="6" dur="500"/>
+                                        <p:tgtEl>
+                                          <p:spTgt spid="5"/>
+                                        </p:tgtEl>
+                                      </p:cBhvr>
+                                    </p:animEffect>
+                                    <p:set>
+                                      <p:cBhvr>
+                                        <p:cTn id="7" dur="1" fill="hold">
+                                          <p:stCondLst>
+                                            <p:cond delay="499"/>
+                                          </p:stCondLst>
+                                        </p:cTn>
+                                        <p:tgtEl>
+                                          <p:spTgt spid="5"/>
+                                        </p:tgtEl>
+                                        <p:attrNameLst>
+                                          <p:attrName>style.visibility</p:attrName>
+                                        </p:attrNameLst>
+                                      </p:cBhvr>
+                                      <p:to>
+                                        <p:strVal val="hidden"/>
+                                      </p:to>
+                                    </p:set>
+                                  </p:childTnLst>
+                                </p:cTn>
+                              </p:par>
+                            </p:childTnLst>
+                          </p:cTn>
+                        </p:par>
+                        <p:par>
+                          <p:cTn id="8" fill="hold">
+                            <p:stCondLst>
+                              <p:cond delay="500"/>
+                            </p:stCondLst>
+                            <p:childTnLst>
+                              <p:par>
+                                <p:cTn id="9" presetID="10" presetClass="entr" presetSubtype="0" fill="hold" nodeType="afterEffect">
+                                  <p:stCondLst>
+                                    <p:cond delay="0"/>
+                                  </p:stCondLst>
+                                  <p:childTnLst>
+                                    <p:set>
+                                      <p:cBhvr>
+                                        <p:cTn id="10" dur="1" fill="hold">
+                                          <p:stCondLst>
+                                            <p:cond delay="0"/>
+                                          </p:stCondLst>
+                                        </p:cTn>
+                                        <p:tgtEl>
+                                          <p:spTgt spid="6"/>
+                                        </p:tgtEl>
+                                        <p:attrNameLst>
+                                          <p:attrName>style.visibility</p:attrName>
+                                        </p:attrNameLst>
+                                      </p:cBhvr>
+                                      <p:to>
+                                        <p:strVal val="visible"/>
+                                      </p:to>
+                                    </p:set>
+                                    <p:animEffect transition="in" filter="fade">
+                                      <p:cBhvr>
+                                        <p:cTn id="11" dur="500"/>
+                                        <p:tgtEl>
+                                          <p:spTgt spid="6"/>
+                                        </p:tgtEl>
+                                      </p:cBhvr>
+                                    </p:animEffect>
+                                  </p:childTnLst>
+                                </p:cTn>
+                              </p:par>
+                            </p:childTnLst>
+                          </p:cTn>
+                        </p:par>
+                      </p:childTnLst>
+                    </p:cTn>
+                  </p:par>
+                  <p:par>
+                    <p:cTn id="12" fill="hold">
+                      <p:stCondLst>
+                        <p:cond delay="indefinite"/>
+                      </p:stCondLst>
+                      <p:childTnLst>
+                        <p:par>
+                          <p:cTn id="13" fill="hold">
+                            <p:stCondLst>
+                              <p:cond delay="0"/>
+                            </p:stCondLst>
+                            <p:childTnLst>
+                              <p:par>
+                                <p:cTn id="14" presetID="10" presetClass="exit" presetSubtype="0" fill="hold" nodeType="clickEffect">
+                                  <p:stCondLst>
+                                    <p:cond delay="0"/>
+                                  </p:stCondLst>
+                                  <p:childTnLst>
+                                    <p:animEffect transition="out" filter="fade">
+                                      <p:cBhvr>
+                                        <p:cTn id="15" dur="500"/>
+                                        <p:tgtEl>
+                                          <p:spTgt spid="6"/>
+                                        </p:tgtEl>
+                                      </p:cBhvr>
+                                    </p:animEffect>
+                                    <p:set>
+                                      <p:cBhvr>
+                                        <p:cTn id="16" dur="1" fill="hold">
+                                          <p:stCondLst>
+                                            <p:cond delay="499"/>
+                                          </p:stCondLst>
+                                        </p:cTn>
+                                        <p:tgtEl>
+                                          <p:spTgt spid="6"/>
+                                        </p:tgtEl>
+                                        <p:attrNameLst>
+                                          <p:attrName>style.visibility</p:attrName>
+                                        </p:attrNameLst>
+                                      </p:cBhvr>
+                                      <p:to>
+                                        <p:strVal val="hidden"/>
+                                      </p:to>
+                                    </p:set>
+                                  </p:childTnLst>
+                                </p:cTn>
+                              </p:par>
+                            </p:childTnLst>
+                          </p:cTn>
+                        </p:par>
+                      </p:childTnLst>
+                    </p:cTn>
+                  </p:par>
+                </p:childTnLst>
+              </p:cTn>
+              <p:prevCondLst>
+                <p:cond evt="onPrev" delay="0">
+                  <p:tgtEl>
+                    <p:sldTgt/>
+                  </p:tgtEl>
+                </p:cond>
+              </p:prevCondLst>
+              <p:nextCondLst>
+                <p:cond evt="onNext" delay="0">
+                  <p:tgtEl>
+                    <p:sldTgt/>
+                  </p:tgtEl>
+                </p:cond>
+              </p:nextCondLst>
+            </p:seq>
+          </p:childTnLst>
+        </p:cTn>
+      </p:par>
+    </p:tnLst>
+  </p:timing>
 </p:sld>
 </file>
 
@@ -4271,7 +5509,7 @@
           <p:cNvPr id="2" name="Title 1">
             <a:extLst>
               <a:ext uri="{FF2B5EF4-FFF2-40B4-BE49-F238E27FC236}">
-                <a16:creationId xmlns:a16="http://schemas.microsoft.com/office/drawing/2014/main" id="{A4777D3C-F073-453D-A485-A5120B00CDE2}"/>
+                <a16:creationId xmlns:a16="http://schemas.microsoft.com/office/drawing/2014/main" id="{2C7BB732-8F4A-400F-B38D-0F1C76C0551B}"/>
               </a:ext>
             </a:extLst>
           </p:cNvPr>
@@ -4289,46 +5527,257 @@
           <a:p>
             <a:r>
               <a:rPr lang="en-US" dirty="0"/>
-              <a:t>Our Computer Player</a:t>
-            </a:r>
-          </a:p>
-        </p:txBody>
-      </p:sp>
-      <p:sp>
-        <p:nvSpPr>
-          <p:cNvPr id="6" name="Content Placeholder 5">
-            <a:extLst>
-              <a:ext uri="{FF2B5EF4-FFF2-40B4-BE49-F238E27FC236}">
-                <a16:creationId xmlns:a16="http://schemas.microsoft.com/office/drawing/2014/main" id="{51104E9A-E52C-414D-B1F3-83D813A22E7A}"/>
-              </a:ext>
-            </a:extLst>
-          </p:cNvPr>
-          <p:cNvSpPr>
-            <a:spLocks noGrp="1"/>
-          </p:cNvSpPr>
+              <a:t>Special Case</a:t>
+            </a:r>
+          </a:p>
+        </p:txBody>
+      </p:sp>
+      <p:pic>
+        <p:nvPicPr>
+          <p:cNvPr id="4" name="Picture 3">
+            <a:extLst>
+              <a:ext uri="{FF2B5EF4-FFF2-40B4-BE49-F238E27FC236}">
+                <a16:creationId xmlns:a16="http://schemas.microsoft.com/office/drawing/2014/main" id="{A5CC8906-780A-4560-A6D7-B14DF2AB06B6}"/>
+              </a:ext>
+            </a:extLst>
+          </p:cNvPr>
+          <p:cNvPicPr>
+            <a:picLocks noChangeAspect="1"/>
+          </p:cNvPicPr>
+          <p:nvPr/>
+        </p:nvPicPr>
+        <p:blipFill>
+          <a:blip r:embed="rId2"/>
+          <a:stretch>
+            <a:fillRect/>
+          </a:stretch>
+        </p:blipFill>
+        <p:spPr>
+          <a:xfrm>
+            <a:off x="3180967" y="1690688"/>
+            <a:ext cx="5830066" cy="4351338"/>
+          </a:xfrm>
+          <a:prstGeom prst="rect">
+            <a:avLst/>
+          </a:prstGeom>
+        </p:spPr>
+      </p:pic>
+      <p:pic>
+        <p:nvPicPr>
+          <p:cNvPr id="5" name="Content Placeholder 4">
+            <a:extLst>
+              <a:ext uri="{FF2B5EF4-FFF2-40B4-BE49-F238E27FC236}">
+                <a16:creationId xmlns:a16="http://schemas.microsoft.com/office/drawing/2014/main" id="{779108F2-B51E-4E68-B2E2-3FC39EFA0F16}"/>
+              </a:ext>
+            </a:extLst>
+          </p:cNvPr>
+          <p:cNvPicPr>
+            <a:picLocks noGrp="1" noChangeAspect="1"/>
+          </p:cNvPicPr>
           <p:nvPr>
             <p:ph idx="1"/>
           </p:nvPr>
-        </p:nvSpPr>
-        <p:spPr/>
-        <p:txBody>
-          <a:bodyPr/>
-          <a:lstStyle/>
-          <a:p>
-            <a:endParaRPr lang="en-US" dirty="0"/>
-          </a:p>
-        </p:txBody>
-      </p:sp>
+        </p:nvPicPr>
+        <p:blipFill>
+          <a:blip r:embed="rId3"/>
+          <a:stretch>
+            <a:fillRect/>
+          </a:stretch>
+        </p:blipFill>
+        <p:spPr>
+          <a:xfrm>
+            <a:off x="3180968" y="1690688"/>
+            <a:ext cx="5830065" cy="4351338"/>
+          </a:xfrm>
+          <a:prstGeom prst="rect">
+            <a:avLst/>
+          </a:prstGeom>
+        </p:spPr>
+      </p:pic>
     </p:spTree>
     <p:extLst>
       <p:ext uri="{BB962C8B-B14F-4D97-AF65-F5344CB8AC3E}">
-        <p14:creationId xmlns:p14="http://schemas.microsoft.com/office/powerpoint/2010/main" val="357299091"/>
+        <p14:creationId xmlns:p14="http://schemas.microsoft.com/office/powerpoint/2010/main" val="1481530493"/>
       </p:ext>
     </p:extLst>
   </p:cSld>
   <p:clrMapOvr>
     <a:masterClrMapping/>
   </p:clrMapOvr>
+  <p:timing>
+    <p:tnLst>
+      <p:par>
+        <p:cTn id="1" dur="indefinite" restart="never" nodeType="tmRoot">
+          <p:childTnLst>
+            <p:seq concurrent="1" nextAc="seek">
+              <p:cTn id="2" dur="indefinite" nodeType="mainSeq">
+                <p:childTnLst>
+                  <p:par>
+                    <p:cTn id="3" fill="hold">
+                      <p:stCondLst>
+                        <p:cond delay="indefinite"/>
+                        <p:cond evt="onBegin" delay="0">
+                          <p:tn val="2"/>
+                        </p:cond>
+                      </p:stCondLst>
+                      <p:childTnLst>
+                        <p:par>
+                          <p:cTn id="4" fill="hold">
+                            <p:stCondLst>
+                              <p:cond delay="0"/>
+                            </p:stCondLst>
+                            <p:childTnLst>
+                              <p:par>
+                                <p:cTn id="5" presetID="10" presetClass="entr" presetSubtype="0" fill="hold" nodeType="afterEffect">
+                                  <p:stCondLst>
+                                    <p:cond delay="0"/>
+                                  </p:stCondLst>
+                                  <p:childTnLst>
+                                    <p:set>
+                                      <p:cBhvr>
+                                        <p:cTn id="6" dur="1" fill="hold">
+                                          <p:stCondLst>
+                                            <p:cond delay="0"/>
+                                          </p:stCondLst>
+                                        </p:cTn>
+                                        <p:tgtEl>
+                                          <p:spTgt spid="4"/>
+                                        </p:tgtEl>
+                                        <p:attrNameLst>
+                                          <p:attrName>style.visibility</p:attrName>
+                                        </p:attrNameLst>
+                                      </p:cBhvr>
+                                      <p:to>
+                                        <p:strVal val="visible"/>
+                                      </p:to>
+                                    </p:set>
+                                    <p:animEffect transition="in" filter="fade">
+                                      <p:cBhvr>
+                                        <p:cTn id="7" dur="500"/>
+                                        <p:tgtEl>
+                                          <p:spTgt spid="4"/>
+                                        </p:tgtEl>
+                                      </p:cBhvr>
+                                    </p:animEffect>
+                                  </p:childTnLst>
+                                </p:cTn>
+                              </p:par>
+                            </p:childTnLst>
+                          </p:cTn>
+                        </p:par>
+                      </p:childTnLst>
+                    </p:cTn>
+                  </p:par>
+                  <p:par>
+                    <p:cTn id="8" fill="hold">
+                      <p:stCondLst>
+                        <p:cond delay="indefinite"/>
+                      </p:stCondLst>
+                      <p:childTnLst>
+                        <p:par>
+                          <p:cTn id="9" fill="hold">
+                            <p:stCondLst>
+                              <p:cond delay="0"/>
+                            </p:stCondLst>
+                            <p:childTnLst>
+                              <p:par>
+                                <p:cTn id="10" presetID="10" presetClass="exit" presetSubtype="0" fill="hold" nodeType="clickEffect">
+                                  <p:stCondLst>
+                                    <p:cond delay="0"/>
+                                  </p:stCondLst>
+                                  <p:childTnLst>
+                                    <p:animEffect transition="out" filter="fade">
+                                      <p:cBhvr>
+                                        <p:cTn id="11" dur="500"/>
+                                        <p:tgtEl>
+                                          <p:spTgt spid="4"/>
+                                        </p:tgtEl>
+                                      </p:cBhvr>
+                                    </p:animEffect>
+                                    <p:set>
+                                      <p:cBhvr>
+                                        <p:cTn id="12" dur="1" fill="hold">
+                                          <p:stCondLst>
+                                            <p:cond delay="499"/>
+                                          </p:stCondLst>
+                                        </p:cTn>
+                                        <p:tgtEl>
+                                          <p:spTgt spid="4"/>
+                                        </p:tgtEl>
+                                        <p:attrNameLst>
+                                          <p:attrName>style.visibility</p:attrName>
+                                        </p:attrNameLst>
+                                      </p:cBhvr>
+                                      <p:to>
+                                        <p:strVal val="hidden"/>
+                                      </p:to>
+                                    </p:set>
+                                  </p:childTnLst>
+                                </p:cTn>
+                              </p:par>
+                              <p:par>
+                                <p:cTn id="13" presetID="10" presetClass="entr" presetSubtype="0" fill="hold" nodeType="withEffect">
+                                  <p:stCondLst>
+                                    <p:cond delay="0"/>
+                                  </p:stCondLst>
+                                  <p:childTnLst>
+                                    <p:set>
+                                      <p:cBhvr>
+                                        <p:cTn id="14" dur="1" fill="hold">
+                                          <p:stCondLst>
+                                            <p:cond delay="0"/>
+                                          </p:stCondLst>
+                                        </p:cTn>
+                                        <p:tgtEl>
+                                          <p:spTgt spid="5"/>
+                                        </p:tgtEl>
+                                        <p:attrNameLst>
+                                          <p:attrName>style.visibility</p:attrName>
+                                        </p:attrNameLst>
+                                      </p:cBhvr>
+                                      <p:to>
+                                        <p:strVal val="visible"/>
+                                      </p:to>
+                                    </p:set>
+                                    <p:animEffect transition="in" filter="fade">
+                                      <p:cBhvr>
+                                        <p:cTn id="15" dur="500"/>
+                                        <p:tgtEl>
+                                          <p:spTgt spid="5"/>
+                                        </p:tgtEl>
+                                      </p:cBhvr>
+                                    </p:animEffect>
+                                  </p:childTnLst>
+                                </p:cTn>
+                              </p:par>
+                            </p:childTnLst>
+                          </p:cTn>
+                        </p:par>
+                      </p:childTnLst>
+                    </p:cTn>
+                  </p:par>
+                </p:childTnLst>
+              </p:cTn>
+              <p:prevCondLst>
+                <p:cond evt="onPrev" delay="0">
+                  <p:tgtEl>
+                    <p:sldTgt/>
+                  </p:tgtEl>
+                </p:cond>
+              </p:prevCondLst>
+              <p:nextCondLst>
+                <p:cond evt="onNext" delay="0">
+                  <p:tgtEl>
+                    <p:sldTgt/>
+                  </p:tgtEl>
+                </p:cond>
+              </p:nextCondLst>
+            </p:seq>
+          </p:childTnLst>
+        </p:cTn>
+      </p:par>
+    </p:tnLst>
+  </p:timing>
 </p:sld>
 </file>
 
@@ -4354,7 +5803,7 @@
           <p:cNvPr id="2" name="Title 1">
             <a:extLst>
               <a:ext uri="{FF2B5EF4-FFF2-40B4-BE49-F238E27FC236}">
-                <a16:creationId xmlns:a16="http://schemas.microsoft.com/office/drawing/2014/main" id="{E6693D53-EB2A-4B85-A63B-2303AB000F37}"/>
+                <a16:creationId xmlns:a16="http://schemas.microsoft.com/office/drawing/2014/main" id="{252E7107-8605-4F6E-8904-4EA28197D167}"/>
               </a:ext>
             </a:extLst>
           </p:cNvPr>
@@ -4371,18 +5820,18 @@
           <a:lstStyle/>
           <a:p>
             <a:r>
-              <a:rPr lang="en-US"/>
-              <a:t>Moves</a:t>
-            </a:r>
-          </a:p>
-        </p:txBody>
-      </p:sp>
-      <p:sp>
-        <p:nvSpPr>
-          <p:cNvPr id="3" name="Content Placeholder 2">
-            <a:extLst>
-              <a:ext uri="{FF2B5EF4-FFF2-40B4-BE49-F238E27FC236}">
-                <a16:creationId xmlns:a16="http://schemas.microsoft.com/office/drawing/2014/main" id="{C20D8CE2-C2FD-4DB1-8B01-394E9F8FB369}"/>
+              <a:rPr lang="en-US" dirty="0"/>
+              <a:t>Termination Condition</a:t>
+            </a:r>
+          </a:p>
+        </p:txBody>
+      </p:sp>
+      <p:sp>
+        <p:nvSpPr>
+          <p:cNvPr id="4" name="Content Placeholder 3">
+            <a:extLst>
+              <a:ext uri="{FF2B5EF4-FFF2-40B4-BE49-F238E27FC236}">
+                <a16:creationId xmlns:a16="http://schemas.microsoft.com/office/drawing/2014/main" id="{CAD1B09F-EAF6-4F93-B118-7DD997E2C01E}"/>
               </a:ext>
             </a:extLst>
           </p:cNvPr>
@@ -4390,7 +5839,7 @@
             <a:spLocks noGrp="1"/>
           </p:cNvSpPr>
           <p:nvPr>
-            <p:ph idx="1"/>
+            <p:ph sz="half" idx="1"/>
           </p:nvPr>
         </p:nvSpPr>
         <p:spPr/>
@@ -4398,10 +5847,532 @@
           <a:bodyPr/>
           <a:lstStyle/>
           <a:p>
+            <a:r>
+              <a:rPr lang="en-US" dirty="0"/>
+              <a:t>No one has any move</a:t>
+            </a:r>
+          </a:p>
+          <a:p>
+            <a:r>
+              <a:rPr lang="en-US" dirty="0"/>
+              <a:t>The board is full</a:t>
+            </a:r>
+          </a:p>
+        </p:txBody>
+      </p:sp>
+      <p:sp>
+        <p:nvSpPr>
+          <p:cNvPr id="5" name="Content Placeholder 4">
+            <a:extLst>
+              <a:ext uri="{FF2B5EF4-FFF2-40B4-BE49-F238E27FC236}">
+                <a16:creationId xmlns:a16="http://schemas.microsoft.com/office/drawing/2014/main" id="{2E53B4CC-D69D-44FE-8622-0A4F37AAA456}"/>
+              </a:ext>
+            </a:extLst>
+          </p:cNvPr>
+          <p:cNvSpPr>
+            <a:spLocks noGrp="1"/>
+          </p:cNvSpPr>
+          <p:nvPr>
+            <p:ph sz="half" idx="2"/>
+          </p:nvPr>
+        </p:nvSpPr>
+        <p:spPr/>
+        <p:txBody>
+          <a:bodyPr/>
+          <a:lstStyle/>
+          <a:p>
             <a:endParaRPr lang="en-US"/>
           </a:p>
         </p:txBody>
       </p:sp>
+    </p:spTree>
+    <p:extLst>
+      <p:ext uri="{BB962C8B-B14F-4D97-AF65-F5344CB8AC3E}">
+        <p14:creationId xmlns:p14="http://schemas.microsoft.com/office/powerpoint/2010/main" val="1399653128"/>
+      </p:ext>
+    </p:extLst>
+  </p:cSld>
+  <p:clrMapOvr>
+    <a:masterClrMapping/>
+  </p:clrMapOvr>
+</p:sld>
+</file>
+
+<file path=ppt/slides/slide5.xml><?xml version="1.0" encoding="utf-8"?>
+<p:sld xmlns:a="http://schemas.openxmlformats.org/drawingml/2006/main" xmlns:r="http://schemas.openxmlformats.org/officeDocument/2006/relationships" xmlns:p="http://schemas.openxmlformats.org/presentationml/2006/main">
+  <p:cSld>
+    <p:spTree>
+      <p:nvGrpSpPr>
+        <p:cNvPr id="1" name=""/>
+        <p:cNvGrpSpPr/>
+        <p:nvPr/>
+      </p:nvGrpSpPr>
+      <p:grpSpPr>
+        <a:xfrm>
+          <a:off x="0" y="0"/>
+          <a:ext cx="0" cy="0"/>
+          <a:chOff x="0" y="0"/>
+          <a:chExt cx="0" cy="0"/>
+        </a:xfrm>
+      </p:grpSpPr>
+      <p:sp>
+        <p:nvSpPr>
+          <p:cNvPr id="2" name="Title 1">
+            <a:extLst>
+              <a:ext uri="{FF2B5EF4-FFF2-40B4-BE49-F238E27FC236}">
+                <a16:creationId xmlns:a16="http://schemas.microsoft.com/office/drawing/2014/main" id="{A4777D3C-F073-453D-A485-A5120B00CDE2}"/>
+              </a:ext>
+            </a:extLst>
+          </p:cNvPr>
+          <p:cNvSpPr>
+            <a:spLocks noGrp="1"/>
+          </p:cNvSpPr>
+          <p:nvPr>
+            <p:ph type="title"/>
+          </p:nvPr>
+        </p:nvSpPr>
+        <p:spPr/>
+        <p:txBody>
+          <a:bodyPr/>
+          <a:lstStyle/>
+          <a:p>
+            <a:r>
+              <a:rPr lang="en-US" dirty="0"/>
+              <a:t>Our Computer Player - Heuristics</a:t>
+            </a:r>
+          </a:p>
+        </p:txBody>
+      </p:sp>
+      <p:sp>
+        <p:nvSpPr>
+          <p:cNvPr id="6" name="Content Placeholder 5">
+            <a:extLst>
+              <a:ext uri="{FF2B5EF4-FFF2-40B4-BE49-F238E27FC236}">
+                <a16:creationId xmlns:a16="http://schemas.microsoft.com/office/drawing/2014/main" id="{51104E9A-E52C-414D-B1F3-83D813A22E7A}"/>
+              </a:ext>
+            </a:extLst>
+          </p:cNvPr>
+          <p:cNvSpPr>
+            <a:spLocks noGrp="1"/>
+          </p:cNvSpPr>
+          <p:nvPr>
+            <p:ph idx="1"/>
+          </p:nvPr>
+        </p:nvSpPr>
+        <p:spPr/>
+        <p:txBody>
+          <a:bodyPr/>
+          <a:lstStyle/>
+          <a:p>
+            <a:r>
+              <a:rPr lang="en-US" dirty="0"/>
+              <a:t>Coin Parity</a:t>
+            </a:r>
+          </a:p>
+          <a:p>
+            <a:r>
+              <a:rPr lang="en-US" dirty="0"/>
+              <a:t>Static Weighting</a:t>
+            </a:r>
+          </a:p>
+          <a:p>
+            <a:r>
+              <a:rPr lang="en-US" dirty="0"/>
+              <a:t>Corners</a:t>
+            </a:r>
+          </a:p>
+          <a:p>
+            <a:r>
+              <a:rPr lang="en-US" dirty="0"/>
+              <a:t>Mobility</a:t>
+            </a:r>
+          </a:p>
+          <a:p>
+            <a:r>
+              <a:rPr lang="en-US" dirty="0"/>
+              <a:t>Potential Mobility</a:t>
+            </a:r>
+          </a:p>
+          <a:p>
+            <a:r>
+              <a:rPr lang="en-US" dirty="0"/>
+              <a:t>Stability</a:t>
+            </a:r>
+          </a:p>
+        </p:txBody>
+      </p:sp>
+    </p:spTree>
+    <p:extLst>
+      <p:ext uri="{BB962C8B-B14F-4D97-AF65-F5344CB8AC3E}">
+        <p14:creationId xmlns:p14="http://schemas.microsoft.com/office/powerpoint/2010/main" val="357299091"/>
+      </p:ext>
+    </p:extLst>
+  </p:cSld>
+  <p:clrMapOvr>
+    <a:masterClrMapping/>
+  </p:clrMapOvr>
+</p:sld>
+</file>
+
+<file path=ppt/slides/slide6.xml><?xml version="1.0" encoding="utf-8"?>
+<p:sld xmlns:a="http://schemas.openxmlformats.org/drawingml/2006/main" xmlns:r="http://schemas.openxmlformats.org/officeDocument/2006/relationships" xmlns:p="http://schemas.openxmlformats.org/presentationml/2006/main">
+  <p:cSld>
+    <p:spTree>
+      <p:nvGrpSpPr>
+        <p:cNvPr id="1" name=""/>
+        <p:cNvGrpSpPr/>
+        <p:nvPr/>
+      </p:nvGrpSpPr>
+      <p:grpSpPr>
+        <a:xfrm>
+          <a:off x="0" y="0"/>
+          <a:ext cx="0" cy="0"/>
+          <a:chOff x="0" y="0"/>
+          <a:chExt cx="0" cy="0"/>
+        </a:xfrm>
+      </p:grpSpPr>
+      <p:sp>
+        <p:nvSpPr>
+          <p:cNvPr id="2" name="Title 1">
+            <a:extLst>
+              <a:ext uri="{FF2B5EF4-FFF2-40B4-BE49-F238E27FC236}">
+                <a16:creationId xmlns:a16="http://schemas.microsoft.com/office/drawing/2014/main" id="{E6693D53-EB2A-4B85-A63B-2303AB000F37}"/>
+              </a:ext>
+            </a:extLst>
+          </p:cNvPr>
+          <p:cNvSpPr>
+            <a:spLocks noGrp="1"/>
+          </p:cNvSpPr>
+          <p:nvPr>
+            <p:ph type="title"/>
+          </p:nvPr>
+        </p:nvSpPr>
+        <p:spPr/>
+        <p:txBody>
+          <a:bodyPr/>
+          <a:lstStyle/>
+          <a:p>
+            <a:r>
+              <a:rPr lang="en-US" dirty="0"/>
+              <a:t>Heuristics - Coin Parity</a:t>
+            </a:r>
+          </a:p>
+        </p:txBody>
+      </p:sp>
+      <mc:AlternateContent xmlns:mc="http://schemas.openxmlformats.org/markup-compatibility/2006" xmlns:a14="http://schemas.microsoft.com/office/drawing/2010/main">
+        <mc:Choice Requires="a14">
+          <p:sp>
+            <p:nvSpPr>
+              <p:cNvPr id="3" name="Content Placeholder 2">
+                <a:extLst>
+                  <a:ext uri="{FF2B5EF4-FFF2-40B4-BE49-F238E27FC236}">
+                    <a16:creationId xmlns:a16="http://schemas.microsoft.com/office/drawing/2014/main" id="{C20D8CE2-C2FD-4DB1-8B01-394E9F8FB369}"/>
+                  </a:ext>
+                </a:extLst>
+              </p:cNvPr>
+              <p:cNvSpPr>
+                <a:spLocks noGrp="1"/>
+              </p:cNvSpPr>
+              <p:nvPr>
+                <p:ph idx="1"/>
+              </p:nvPr>
+            </p:nvSpPr>
+            <p:spPr/>
+            <p:txBody>
+              <a:bodyPr/>
+              <a:lstStyle/>
+              <a:p>
+                <a:r>
+                  <a:rPr lang="en-US" dirty="0"/>
+                  <a:t>In simple terms, the score of the board</a:t>
+                </a:r>
+              </a:p>
+              <a:p>
+                <a:pPr marL="0" indent="0">
+                  <a:buNone/>
+                </a:pPr>
+                <a:endParaRPr lang="en-US" dirty="0"/>
+              </a:p>
+              <a:p>
+                <a:pPr marL="0" indent="0">
+                  <a:buNone/>
+                </a:pPr>
+                <a:endParaRPr lang="en-US" dirty="0"/>
+              </a:p>
+              <a:p>
+                <a:pPr marL="0" indent="0">
+                  <a:buNone/>
+                </a:pPr>
+                <a14:m>
+                  <m:oMathPara xmlns:m="http://schemas.openxmlformats.org/officeDocument/2006/math">
+                    <m:oMathParaPr>
+                      <m:jc m:val="centerGroup"/>
+                    </m:oMathParaPr>
+                    <m:oMath xmlns:m="http://schemas.openxmlformats.org/officeDocument/2006/math">
+                      <m:r>
+                        <a:rPr lang="en-US" b="0" i="1" smtClean="0">
+                          <a:latin typeface="Cambria Math" panose="02040503050406030204" pitchFamily="18" charset="0"/>
+                        </a:rPr>
+                        <m:t>𝐶𝑜𝑖𝑛</m:t>
+                      </m:r>
+                      <m:r>
+                        <a:rPr lang="en-US" b="0" i="1" smtClean="0">
+                          <a:latin typeface="Cambria Math" panose="02040503050406030204" pitchFamily="18" charset="0"/>
+                        </a:rPr>
+                        <m:t> </m:t>
+                      </m:r>
+                      <m:r>
+                        <a:rPr lang="en-US" b="0" i="1" smtClean="0">
+                          <a:latin typeface="Cambria Math" panose="02040503050406030204" pitchFamily="18" charset="0"/>
+                        </a:rPr>
+                        <m:t>𝑃𝑎𝑟𝑖𝑡𝑦</m:t>
+                      </m:r>
+                      <m:r>
+                        <a:rPr lang="en-US" b="0" i="1" smtClean="0">
+                          <a:latin typeface="Cambria Math" panose="02040503050406030204" pitchFamily="18" charset="0"/>
+                        </a:rPr>
+                        <m:t> </m:t>
+                      </m:r>
+                      <m:r>
+                        <a:rPr lang="en-US" b="0" i="1" smtClean="0">
+                          <a:latin typeface="Cambria Math" panose="02040503050406030204" pitchFamily="18" charset="0"/>
+                        </a:rPr>
+                        <m:t>𝐻𝑒𝑢𝑟𝑖𝑠𝑡𝑖𝑐</m:t>
+                      </m:r>
+                      <m:r>
+                        <a:rPr lang="en-US" b="0" i="1" smtClean="0">
+                          <a:latin typeface="Cambria Math" panose="02040503050406030204" pitchFamily="18" charset="0"/>
+                        </a:rPr>
+                        <m:t> </m:t>
+                      </m:r>
+                      <m:r>
+                        <a:rPr lang="en-US" b="0" i="1" smtClean="0">
+                          <a:latin typeface="Cambria Math" panose="02040503050406030204" pitchFamily="18" charset="0"/>
+                        </a:rPr>
+                        <m:t>𝑉𝑎𝑙𝑢𝑒</m:t>
+                      </m:r>
+                      <m:r>
+                        <a:rPr lang="en-US" b="0" i="1" smtClean="0">
+                          <a:latin typeface="Cambria Math" panose="02040503050406030204" pitchFamily="18" charset="0"/>
+                        </a:rPr>
+                        <m:t>=100 ∗</m:t>
+                      </m:r>
+                      <m:f>
+                        <m:fPr>
+                          <m:ctrlPr>
+                            <a:rPr lang="en-US" b="0" i="1" smtClean="0">
+                              <a:latin typeface="Cambria Math" panose="02040503050406030204" pitchFamily="18" charset="0"/>
+                            </a:rPr>
+                          </m:ctrlPr>
+                        </m:fPr>
+                        <m:num>
+                          <m:d>
+                            <m:dPr>
+                              <m:ctrlPr>
+                                <a:rPr lang="en-US" b="0" i="1" smtClean="0">
+                                  <a:latin typeface="Cambria Math" panose="02040503050406030204" pitchFamily="18" charset="0"/>
+                                </a:rPr>
+                              </m:ctrlPr>
+                            </m:dPr>
+                            <m:e>
+                              <m:r>
+                                <a:rPr lang="en-US" b="0" i="1" smtClean="0">
+                                  <a:latin typeface="Cambria Math" panose="02040503050406030204" pitchFamily="18" charset="0"/>
+                                </a:rPr>
+                                <m:t>𝑀𝑎𝑥</m:t>
+                              </m:r>
+                              <m:r>
+                                <a:rPr lang="en-US" b="0" i="1" smtClean="0">
+                                  <a:latin typeface="Cambria Math" panose="02040503050406030204" pitchFamily="18" charset="0"/>
+                                </a:rPr>
+                                <m:t> </m:t>
+                              </m:r>
+                              <m:r>
+                                <a:rPr lang="en-US" b="0" i="1" smtClean="0">
+                                  <a:latin typeface="Cambria Math" panose="02040503050406030204" pitchFamily="18" charset="0"/>
+                                </a:rPr>
+                                <m:t>𝑃𝑙𝑎𝑦𝑒𝑟</m:t>
+                              </m:r>
+                              <m:r>
+                                <a:rPr lang="en-US" b="0" i="1" smtClean="0">
+                                  <a:latin typeface="Cambria Math" panose="02040503050406030204" pitchFamily="18" charset="0"/>
+                                </a:rPr>
+                                <m:t> </m:t>
+                              </m:r>
+                              <m:r>
+                                <a:rPr lang="en-US" b="0" i="1" smtClean="0">
+                                  <a:latin typeface="Cambria Math" panose="02040503050406030204" pitchFamily="18" charset="0"/>
+                                </a:rPr>
+                                <m:t>𝐶𝑜𝑖𝑛𝑠</m:t>
+                              </m:r>
+                              <m:r>
+                                <a:rPr lang="en-US" b="0" i="1" smtClean="0">
+                                  <a:latin typeface="Cambria Math" panose="02040503050406030204" pitchFamily="18" charset="0"/>
+                                </a:rPr>
+                                <m:t>−</m:t>
+                              </m:r>
+                              <m:r>
+                                <a:rPr lang="en-US" b="0" i="1" smtClean="0">
+                                  <a:latin typeface="Cambria Math" panose="02040503050406030204" pitchFamily="18" charset="0"/>
+                                </a:rPr>
+                                <m:t>𝑀𝑖𝑛</m:t>
+                              </m:r>
+                              <m:r>
+                                <a:rPr lang="en-US" b="0" i="1" smtClean="0">
+                                  <a:latin typeface="Cambria Math" panose="02040503050406030204" pitchFamily="18" charset="0"/>
+                                </a:rPr>
+                                <m:t> </m:t>
+                              </m:r>
+                              <m:r>
+                                <a:rPr lang="en-US" b="0" i="1" smtClean="0">
+                                  <a:latin typeface="Cambria Math" panose="02040503050406030204" pitchFamily="18" charset="0"/>
+                                </a:rPr>
+                                <m:t>𝑃𝑙𝑎𝑦𝑒𝑟</m:t>
+                              </m:r>
+                              <m:r>
+                                <a:rPr lang="en-US" b="0" i="1" smtClean="0">
+                                  <a:latin typeface="Cambria Math" panose="02040503050406030204" pitchFamily="18" charset="0"/>
+                                </a:rPr>
+                                <m:t> </m:t>
+                              </m:r>
+                              <m:r>
+                                <a:rPr lang="en-US" b="0" i="1" smtClean="0">
+                                  <a:latin typeface="Cambria Math" panose="02040503050406030204" pitchFamily="18" charset="0"/>
+                                </a:rPr>
+                                <m:t>𝐶𝑜𝑖𝑛𝑠</m:t>
+                              </m:r>
+                            </m:e>
+                          </m:d>
+                        </m:num>
+                        <m:den>
+                          <m:r>
+                            <a:rPr lang="en-US" b="0" i="1" smtClean="0">
+                              <a:latin typeface="Cambria Math" panose="02040503050406030204" pitchFamily="18" charset="0"/>
+                            </a:rPr>
+                            <m:t>(</m:t>
+                          </m:r>
+                          <m:r>
+                            <a:rPr lang="en-US" b="0" i="1" smtClean="0">
+                              <a:latin typeface="Cambria Math" panose="02040503050406030204" pitchFamily="18" charset="0"/>
+                            </a:rPr>
+                            <m:t>𝑀𝑎𝑥</m:t>
+                          </m:r>
+                          <m:r>
+                            <a:rPr lang="en-US" b="0" i="1" smtClean="0">
+                              <a:latin typeface="Cambria Math" panose="02040503050406030204" pitchFamily="18" charset="0"/>
+                            </a:rPr>
+                            <m:t> </m:t>
+                          </m:r>
+                          <m:r>
+                            <a:rPr lang="en-US" b="0" i="1" smtClean="0">
+                              <a:latin typeface="Cambria Math" panose="02040503050406030204" pitchFamily="18" charset="0"/>
+                            </a:rPr>
+                            <m:t>𝑃𝑙𝑎𝑦𝑒𝑟</m:t>
+                          </m:r>
+                          <m:r>
+                            <a:rPr lang="en-US" b="0" i="1" smtClean="0">
+                              <a:latin typeface="Cambria Math" panose="02040503050406030204" pitchFamily="18" charset="0"/>
+                            </a:rPr>
+                            <m:t> </m:t>
+                          </m:r>
+                          <m:r>
+                            <a:rPr lang="en-US" b="0" i="1" smtClean="0">
+                              <a:latin typeface="Cambria Math" panose="02040503050406030204" pitchFamily="18" charset="0"/>
+                            </a:rPr>
+                            <m:t>𝐶𝑜𝑖𝑛𝑠</m:t>
+                          </m:r>
+                          <m:r>
+                            <a:rPr lang="en-US" b="0" i="1" smtClean="0">
+                              <a:latin typeface="Cambria Math" panose="02040503050406030204" pitchFamily="18" charset="0"/>
+                            </a:rPr>
+                            <m:t>+</m:t>
+                          </m:r>
+                          <m:r>
+                            <a:rPr lang="en-US" b="0" i="1" smtClean="0">
+                              <a:latin typeface="Cambria Math" panose="02040503050406030204" pitchFamily="18" charset="0"/>
+                            </a:rPr>
+                            <m:t>𝑀𝑖𝑛</m:t>
+                          </m:r>
+                          <m:r>
+                            <a:rPr lang="en-US" b="0" i="1" smtClean="0">
+                              <a:latin typeface="Cambria Math" panose="02040503050406030204" pitchFamily="18" charset="0"/>
+                            </a:rPr>
+                            <m:t> </m:t>
+                          </m:r>
+                          <m:r>
+                            <a:rPr lang="en-US" b="0" i="1" smtClean="0">
+                              <a:latin typeface="Cambria Math" panose="02040503050406030204" pitchFamily="18" charset="0"/>
+                            </a:rPr>
+                            <m:t>𝑃𝑙𝑎𝑦𝑒𝑟</m:t>
+                          </m:r>
+                          <m:r>
+                            <a:rPr lang="en-US" b="0" i="1" smtClean="0">
+                              <a:latin typeface="Cambria Math" panose="02040503050406030204" pitchFamily="18" charset="0"/>
+                            </a:rPr>
+                            <m:t> </m:t>
+                          </m:r>
+                          <m:r>
+                            <a:rPr lang="en-US" b="0" i="1" smtClean="0">
+                              <a:latin typeface="Cambria Math" panose="02040503050406030204" pitchFamily="18" charset="0"/>
+                            </a:rPr>
+                            <m:t>𝐶𝑜𝑖𝑛𝑠</m:t>
+                          </m:r>
+                          <m:r>
+                            <a:rPr lang="en-US" b="0" i="1" smtClean="0">
+                              <a:latin typeface="Cambria Math" panose="02040503050406030204" pitchFamily="18" charset="0"/>
+                            </a:rPr>
+                            <m:t>)</m:t>
+                          </m:r>
+                        </m:den>
+                      </m:f>
+                    </m:oMath>
+                  </m:oMathPara>
+                </a14:m>
+                <a:endParaRPr lang="en-US" dirty="0"/>
+              </a:p>
+            </p:txBody>
+          </p:sp>
+        </mc:Choice>
+        <mc:Fallback xmlns="">
+          <p:sp>
+            <p:nvSpPr>
+              <p:cNvPr id="3" name="Content Placeholder 2">
+                <a:extLst>
+                  <a:ext uri="{FF2B5EF4-FFF2-40B4-BE49-F238E27FC236}">
+                    <a16:creationId xmlns:a16="http://schemas.microsoft.com/office/drawing/2014/main" id="{C20D8CE2-C2FD-4DB1-8B01-394E9F8FB369}"/>
+                  </a:ext>
+                </a:extLst>
+              </p:cNvPr>
+              <p:cNvSpPr>
+                <a:spLocks noGrp="1" noRot="1" noChangeAspect="1" noMove="1" noResize="1" noEditPoints="1" noAdjustHandles="1" noChangeArrowheads="1" noChangeShapeType="1" noTextEdit="1"/>
+              </p:cNvSpPr>
+              <p:nvPr>
+                <p:ph idx="1"/>
+              </p:nvPr>
+            </p:nvSpPr>
+            <p:spPr>
+              <a:blipFill>
+                <a:blip r:embed="rId2"/>
+                <a:stretch>
+                  <a:fillRect l="-1043" t="-2241"/>
+                </a:stretch>
+              </a:blipFill>
+            </p:spPr>
+            <p:txBody>
+              <a:bodyPr/>
+              <a:lstStyle/>
+              <a:p>
+                <a:r>
+                  <a:rPr lang="en-US">
+                    <a:noFill/>
+                  </a:rPr>
+                  <a:t> </a:t>
+                </a:r>
+              </a:p>
+            </p:txBody>
+          </p:sp>
+        </mc:Fallback>
+      </mc:AlternateContent>
     </p:spTree>
     <p:extLst>
       <p:ext uri="{BB962C8B-B14F-4D97-AF65-F5344CB8AC3E}">
@@ -4411,6 +6382,2286 @@
   </p:cSld>
   <p:clrMapOvr>
     <a:masterClrMapping/>
+  </p:clrMapOvr>
+</p:sld>
+</file>
+
+<file path=ppt/slides/slide7.xml><?xml version="1.0" encoding="utf-8"?>
+<p:sld xmlns:a="http://schemas.openxmlformats.org/drawingml/2006/main" xmlns:r="http://schemas.openxmlformats.org/officeDocument/2006/relationships" xmlns:p="http://schemas.openxmlformats.org/presentationml/2006/main">
+  <p:cSld>
+    <p:spTree>
+      <p:nvGrpSpPr>
+        <p:cNvPr id="1" name=""/>
+        <p:cNvGrpSpPr/>
+        <p:nvPr/>
+      </p:nvGrpSpPr>
+      <p:grpSpPr>
+        <a:xfrm>
+          <a:off x="0" y="0"/>
+          <a:ext cx="0" cy="0"/>
+          <a:chOff x="0" y="0"/>
+          <a:chExt cx="0" cy="0"/>
+        </a:xfrm>
+      </p:grpSpPr>
+      <p:sp>
+        <p:nvSpPr>
+          <p:cNvPr id="2" name="Title 1">
+            <a:extLst>
+              <a:ext uri="{FF2B5EF4-FFF2-40B4-BE49-F238E27FC236}">
+                <a16:creationId xmlns:a16="http://schemas.microsoft.com/office/drawing/2014/main" id="{E6693D53-EB2A-4B85-A63B-2303AB000F37}"/>
+              </a:ext>
+            </a:extLst>
+          </p:cNvPr>
+          <p:cNvSpPr>
+            <a:spLocks noGrp="1"/>
+          </p:cNvSpPr>
+          <p:nvPr>
+            <p:ph type="title"/>
+          </p:nvPr>
+        </p:nvSpPr>
+        <p:spPr/>
+        <p:txBody>
+          <a:bodyPr/>
+          <a:lstStyle/>
+          <a:p>
+            <a:r>
+              <a:rPr lang="en-US" dirty="0"/>
+              <a:t>Heuristics - Mobility</a:t>
+            </a:r>
+          </a:p>
+        </p:txBody>
+      </p:sp>
+      <p:pic>
+        <p:nvPicPr>
+          <p:cNvPr id="5" name="Content Placeholder 4">
+            <a:extLst>
+              <a:ext uri="{FF2B5EF4-FFF2-40B4-BE49-F238E27FC236}">
+                <a16:creationId xmlns:a16="http://schemas.microsoft.com/office/drawing/2014/main" id="{D9F157F0-5EF4-4727-A2D1-B9C9BFCA03EF}"/>
+              </a:ext>
+            </a:extLst>
+          </p:cNvPr>
+          <p:cNvPicPr>
+            <a:picLocks noGrp="1" noChangeAspect="1"/>
+          </p:cNvPicPr>
+          <p:nvPr>
+            <p:ph sz="half" idx="2"/>
+          </p:nvPr>
+        </p:nvPicPr>
+        <p:blipFill>
+          <a:blip r:embed="rId2"/>
+          <a:stretch>
+            <a:fillRect/>
+          </a:stretch>
+        </p:blipFill>
+        <p:spPr>
+          <a:xfrm>
+            <a:off x="7496066" y="2713901"/>
+            <a:ext cx="3594285" cy="3492679"/>
+          </a:xfrm>
+          <a:prstGeom prst="rect">
+            <a:avLst/>
+          </a:prstGeom>
+        </p:spPr>
+      </p:pic>
+      <p:sp>
+        <p:nvSpPr>
+          <p:cNvPr id="6" name="Rectangle 5">
+            <a:extLst>
+              <a:ext uri="{FF2B5EF4-FFF2-40B4-BE49-F238E27FC236}">
+                <a16:creationId xmlns:a16="http://schemas.microsoft.com/office/drawing/2014/main" id="{DD62BE02-CF23-4E43-BC4A-FCE36CBFA80D}"/>
+              </a:ext>
+            </a:extLst>
+          </p:cNvPr>
+          <p:cNvSpPr/>
+          <p:nvPr/>
+        </p:nvSpPr>
+        <p:spPr>
+          <a:xfrm>
+            <a:off x="8904460" y="3734256"/>
+            <a:ext cx="387458" cy="371959"/>
+          </a:xfrm>
+          <a:prstGeom prst="rect">
+            <a:avLst/>
+          </a:prstGeom>
+          <a:noFill/>
+          <a:ln w="19050">
+            <a:solidFill>
+              <a:srgbClr val="FF0000"/>
+            </a:solidFill>
+          </a:ln>
+        </p:spPr>
+        <p:style>
+          <a:lnRef idx="2">
+            <a:schemeClr val="accent1">
+              <a:shade val="50000"/>
+            </a:schemeClr>
+          </a:lnRef>
+          <a:fillRef idx="1">
+            <a:schemeClr val="accent1"/>
+          </a:fillRef>
+          <a:effectRef idx="0">
+            <a:schemeClr val="accent1"/>
+          </a:effectRef>
+          <a:fontRef idx="minor">
+            <a:schemeClr val="lt1"/>
+          </a:fontRef>
+        </p:style>
+        <p:txBody>
+          <a:bodyPr rtlCol="0" anchor="ctr"/>
+          <a:lstStyle/>
+          <a:p>
+            <a:pPr algn="ctr"/>
+            <a:endParaRPr lang="en-US"/>
+          </a:p>
+        </p:txBody>
+      </p:sp>
+      <p:sp>
+        <p:nvSpPr>
+          <p:cNvPr id="7" name="Rectangle 6">
+            <a:extLst>
+              <a:ext uri="{FF2B5EF4-FFF2-40B4-BE49-F238E27FC236}">
+                <a16:creationId xmlns:a16="http://schemas.microsoft.com/office/drawing/2014/main" id="{8D1ACEE2-8FF4-4D87-8605-B718A1DA1BAF}"/>
+              </a:ext>
+            </a:extLst>
+          </p:cNvPr>
+          <p:cNvSpPr/>
+          <p:nvPr/>
+        </p:nvSpPr>
+        <p:spPr>
+          <a:xfrm>
+            <a:off x="9661978" y="4509703"/>
+            <a:ext cx="387458" cy="371959"/>
+          </a:xfrm>
+          <a:prstGeom prst="rect">
+            <a:avLst/>
+          </a:prstGeom>
+          <a:noFill/>
+          <a:ln w="19050">
+            <a:solidFill>
+              <a:srgbClr val="FF0000"/>
+            </a:solidFill>
+          </a:ln>
+        </p:spPr>
+        <p:style>
+          <a:lnRef idx="2">
+            <a:schemeClr val="accent1">
+              <a:shade val="50000"/>
+            </a:schemeClr>
+          </a:lnRef>
+          <a:fillRef idx="1">
+            <a:schemeClr val="accent1"/>
+          </a:fillRef>
+          <a:effectRef idx="0">
+            <a:schemeClr val="accent1"/>
+          </a:effectRef>
+          <a:fontRef idx="minor">
+            <a:schemeClr val="lt1"/>
+          </a:fontRef>
+        </p:style>
+        <p:txBody>
+          <a:bodyPr rtlCol="0" anchor="ctr"/>
+          <a:lstStyle/>
+          <a:p>
+            <a:pPr algn="ctr"/>
+            <a:endParaRPr lang="en-US"/>
+          </a:p>
+        </p:txBody>
+      </p:sp>
+      <p:sp>
+        <p:nvSpPr>
+          <p:cNvPr id="8" name="Rectangle 7">
+            <a:extLst>
+              <a:ext uri="{FF2B5EF4-FFF2-40B4-BE49-F238E27FC236}">
+                <a16:creationId xmlns:a16="http://schemas.microsoft.com/office/drawing/2014/main" id="{8C5B9190-9E18-4787-A1FB-39EBBC50B292}"/>
+              </a:ext>
+            </a:extLst>
+          </p:cNvPr>
+          <p:cNvSpPr/>
+          <p:nvPr/>
+        </p:nvSpPr>
+        <p:spPr>
+          <a:xfrm>
+            <a:off x="9274520" y="4881662"/>
+            <a:ext cx="387458" cy="371959"/>
+          </a:xfrm>
+          <a:prstGeom prst="rect">
+            <a:avLst/>
+          </a:prstGeom>
+          <a:noFill/>
+          <a:ln w="19050">
+            <a:solidFill>
+              <a:srgbClr val="FF0000"/>
+            </a:solidFill>
+          </a:ln>
+        </p:spPr>
+        <p:style>
+          <a:lnRef idx="2">
+            <a:schemeClr val="accent1">
+              <a:shade val="50000"/>
+            </a:schemeClr>
+          </a:lnRef>
+          <a:fillRef idx="1">
+            <a:schemeClr val="accent1"/>
+          </a:fillRef>
+          <a:effectRef idx="0">
+            <a:schemeClr val="accent1"/>
+          </a:effectRef>
+          <a:fontRef idx="minor">
+            <a:schemeClr val="lt1"/>
+          </a:fontRef>
+        </p:style>
+        <p:txBody>
+          <a:bodyPr rtlCol="0" anchor="ctr"/>
+          <a:lstStyle/>
+          <a:p>
+            <a:pPr algn="ctr"/>
+            <a:endParaRPr lang="en-US"/>
+          </a:p>
+        </p:txBody>
+      </p:sp>
+      <p:sp>
+        <p:nvSpPr>
+          <p:cNvPr id="9" name="Rectangle 8">
+            <a:extLst>
+              <a:ext uri="{FF2B5EF4-FFF2-40B4-BE49-F238E27FC236}">
+                <a16:creationId xmlns:a16="http://schemas.microsoft.com/office/drawing/2014/main" id="{72CD9E76-E327-4284-8416-0EDAF7354B55}"/>
+              </a:ext>
+            </a:extLst>
+          </p:cNvPr>
+          <p:cNvSpPr/>
+          <p:nvPr/>
+        </p:nvSpPr>
+        <p:spPr>
+          <a:xfrm>
+            <a:off x="8520497" y="4121979"/>
+            <a:ext cx="387458" cy="371959"/>
+          </a:xfrm>
+          <a:prstGeom prst="rect">
+            <a:avLst/>
+          </a:prstGeom>
+          <a:noFill/>
+          <a:ln w="19050">
+            <a:solidFill>
+              <a:srgbClr val="FF0000"/>
+            </a:solidFill>
+          </a:ln>
+        </p:spPr>
+        <p:style>
+          <a:lnRef idx="2">
+            <a:schemeClr val="accent1">
+              <a:shade val="50000"/>
+            </a:schemeClr>
+          </a:lnRef>
+          <a:fillRef idx="1">
+            <a:schemeClr val="accent1"/>
+          </a:fillRef>
+          <a:effectRef idx="0">
+            <a:schemeClr val="accent1"/>
+          </a:effectRef>
+          <a:fontRef idx="minor">
+            <a:schemeClr val="lt1"/>
+          </a:fontRef>
+        </p:style>
+        <p:txBody>
+          <a:bodyPr rtlCol="0" anchor="ctr"/>
+          <a:lstStyle/>
+          <a:p>
+            <a:pPr algn="ctr"/>
+            <a:endParaRPr lang="en-US"/>
+          </a:p>
+        </p:txBody>
+      </p:sp>
+      <mc:AlternateContent xmlns:mc="http://schemas.openxmlformats.org/markup-compatibility/2006" xmlns:a14="http://schemas.microsoft.com/office/drawing/2010/main">
+        <mc:Choice Requires="a14">
+          <p:sp>
+            <p:nvSpPr>
+              <p:cNvPr id="12" name="Content Placeholder 2">
+                <a:extLst>
+                  <a:ext uri="{FF2B5EF4-FFF2-40B4-BE49-F238E27FC236}">
+                    <a16:creationId xmlns:a16="http://schemas.microsoft.com/office/drawing/2014/main" id="{DBCAF7A9-4744-4EFD-92C6-8B0F83F7F6BD}"/>
+                  </a:ext>
+                </a:extLst>
+              </p:cNvPr>
+              <p:cNvSpPr>
+                <a:spLocks noGrp="1"/>
+              </p:cNvSpPr>
+              <p:nvPr>
+                <p:ph sz="half" idx="1"/>
+              </p:nvPr>
+            </p:nvSpPr>
+            <p:spPr>
+              <a:xfrm>
+                <a:off x="838200" y="1706452"/>
+                <a:ext cx="8901706" cy="1546551"/>
+              </a:xfrm>
+            </p:spPr>
+            <p:txBody>
+              <a:bodyPr vert="horz" lIns="91440" tIns="45720" rIns="91440" bIns="45720" rtlCol="0">
+                <a:normAutofit/>
+              </a:bodyPr>
+              <a:lstStyle/>
+              <a:p>
+                <a:pPr marL="0" indent="0">
+                  <a:buNone/>
+                </a:pPr>
+                <a:r>
+                  <a:rPr lang="en-US" sz="1400" dirty="0">
+                    <a:solidFill>
+                      <a:srgbClr val="7030A0"/>
+                    </a:solidFill>
+                    <a:latin typeface="Courier New" panose="02070309020205020404" pitchFamily="49" charset="0"/>
+                    <a:cs typeface="Courier New" panose="02070309020205020404" pitchFamily="49" charset="0"/>
+                  </a:rPr>
+                  <a:t>if</a:t>
+                </a:r>
+                <a:r>
+                  <a:rPr lang="en-US" sz="1400" dirty="0">
+                    <a:latin typeface="Courier New" panose="02070309020205020404" pitchFamily="49" charset="0"/>
+                    <a:cs typeface="Courier New" panose="02070309020205020404" pitchFamily="49" charset="0"/>
+                  </a:rPr>
+                  <a:t> (Max Player Actual Mobility Value + Min Player Actual Mobility Value) </a:t>
+                </a:r>
+                <a14:m>
+                  <m:oMath xmlns:m="http://schemas.openxmlformats.org/officeDocument/2006/math">
+                    <m:box>
+                      <m:boxPr>
+                        <m:ctrlPr>
+                          <a:rPr lang="en-US" sz="1400" i="1" dirty="0" smtClean="0">
+                            <a:latin typeface="Cambria Math" panose="02040503050406030204" pitchFamily="18" charset="0"/>
+                            <a:cs typeface="Courier New" panose="02070309020205020404" pitchFamily="49" charset="0"/>
+                          </a:rPr>
+                        </m:ctrlPr>
+                      </m:boxPr>
+                      <m:e>
+                        <m:r>
+                          <a:rPr lang="en-US" sz="1400" b="0" i="1" dirty="0" smtClean="0">
+                            <a:latin typeface="Cambria Math" panose="02040503050406030204" pitchFamily="18" charset="0"/>
+                            <a:cs typeface="Courier New" panose="02070309020205020404" pitchFamily="49" charset="0"/>
+                          </a:rPr>
+                          <m:t>!</m:t>
+                        </m:r>
+                        <m:r>
+                          <a:rPr lang="en-US" sz="1400" i="1" dirty="0" smtClean="0">
+                            <a:latin typeface="Cambria Math" panose="02040503050406030204" pitchFamily="18" charset="0"/>
+                            <a:cs typeface="Courier New" panose="02070309020205020404" pitchFamily="49" charset="0"/>
+                          </a:rPr>
+                          <m:t>=</m:t>
+                        </m:r>
+                      </m:e>
+                    </m:box>
+                  </m:oMath>
+                </a14:m>
+                <a:r>
+                  <a:rPr lang="en-US" sz="1400" dirty="0">
+                    <a:latin typeface="Courier New" panose="02070309020205020404" pitchFamily="49" charset="0"/>
+                    <a:cs typeface="Courier New" panose="02070309020205020404" pitchFamily="49" charset="0"/>
+                  </a:rPr>
+                  <a:t>0:</a:t>
+                </a:r>
+              </a:p>
+              <a:p>
+                <a:pPr marL="0" indent="0">
+                  <a:buNone/>
+                </a:pPr>
+                <a:r>
+                  <a:rPr lang="en-US" sz="1400" dirty="0">
+                    <a:latin typeface="Courier New" panose="02070309020205020404" pitchFamily="49" charset="0"/>
+                    <a:cs typeface="Courier New" panose="02070309020205020404" pitchFamily="49" charset="0"/>
+                  </a:rPr>
+                  <a:t>	Actual Mobility Heuristic Value = </a:t>
+                </a:r>
+                <a14:m>
+                  <m:oMath xmlns:m="http://schemas.openxmlformats.org/officeDocument/2006/math">
+                    <m:r>
+                      <a:rPr lang="en-US" sz="1400" i="1">
+                        <a:latin typeface="Cambria Math" panose="02040503050406030204" pitchFamily="18" charset="0"/>
+                        <a:cs typeface="Courier New" panose="02070309020205020404" pitchFamily="49" charset="0"/>
+                      </a:rPr>
+                      <m:t>100 </m:t>
+                    </m:r>
+                    <m:r>
+                      <a:rPr lang="en-US" sz="1400" b="0" i="1" smtClean="0">
+                        <a:latin typeface="Cambria Math" panose="02040503050406030204" pitchFamily="18" charset="0"/>
+                        <a:cs typeface="Courier New" panose="02070309020205020404" pitchFamily="49" charset="0"/>
+                      </a:rPr>
+                      <m:t>∗</m:t>
+                    </m:r>
+                    <m:f>
+                      <m:fPr>
+                        <m:ctrlPr>
+                          <a:rPr lang="en-US" sz="1400" i="1" smtClean="0">
+                            <a:latin typeface="Cambria Math" panose="02040503050406030204" pitchFamily="18" charset="0"/>
+                            <a:cs typeface="Courier New" panose="02070309020205020404" pitchFamily="49" charset="0"/>
+                          </a:rPr>
+                        </m:ctrlPr>
+                      </m:fPr>
+                      <m:num>
+                        <m:r>
+                          <a:rPr lang="en-US" sz="1400" i="1">
+                            <a:latin typeface="Cambria Math" panose="02040503050406030204" pitchFamily="18" charset="0"/>
+                            <a:cs typeface="Courier New" panose="02070309020205020404" pitchFamily="49" charset="0"/>
+                          </a:rPr>
+                          <m:t>𝑀𝑎𝑥</m:t>
+                        </m:r>
+                        <m:r>
+                          <a:rPr lang="en-US" sz="1400" i="1">
+                            <a:latin typeface="Cambria Math" panose="02040503050406030204" pitchFamily="18" charset="0"/>
+                            <a:cs typeface="Courier New" panose="02070309020205020404" pitchFamily="49" charset="0"/>
+                          </a:rPr>
+                          <m:t> </m:t>
+                        </m:r>
+                        <m:r>
+                          <a:rPr lang="en-US" sz="1400" i="1">
+                            <a:latin typeface="Cambria Math" panose="02040503050406030204" pitchFamily="18" charset="0"/>
+                            <a:cs typeface="Courier New" panose="02070309020205020404" pitchFamily="49" charset="0"/>
+                          </a:rPr>
+                          <m:t>𝑃𝑙𝑎𝑦𝑒𝑟</m:t>
+                        </m:r>
+                        <m:r>
+                          <a:rPr lang="en-US" sz="1400" i="1">
+                            <a:latin typeface="Cambria Math" panose="02040503050406030204" pitchFamily="18" charset="0"/>
+                            <a:cs typeface="Courier New" panose="02070309020205020404" pitchFamily="49" charset="0"/>
+                          </a:rPr>
+                          <m:t> </m:t>
+                        </m:r>
+                        <m:r>
+                          <a:rPr lang="en-US" sz="1400" i="1">
+                            <a:latin typeface="Cambria Math" panose="02040503050406030204" pitchFamily="18" charset="0"/>
+                            <a:cs typeface="Courier New" panose="02070309020205020404" pitchFamily="49" charset="0"/>
+                          </a:rPr>
+                          <m:t>𝐴𝑐𝑡𝑢𝑎𝑙</m:t>
+                        </m:r>
+                        <m:r>
+                          <a:rPr lang="en-US" sz="1400" i="1">
+                            <a:latin typeface="Cambria Math" panose="02040503050406030204" pitchFamily="18" charset="0"/>
+                            <a:cs typeface="Courier New" panose="02070309020205020404" pitchFamily="49" charset="0"/>
+                          </a:rPr>
+                          <m:t> </m:t>
+                        </m:r>
+                        <m:r>
+                          <a:rPr lang="en-US" sz="1400" i="1">
+                            <a:latin typeface="Cambria Math" panose="02040503050406030204" pitchFamily="18" charset="0"/>
+                            <a:cs typeface="Courier New" panose="02070309020205020404" pitchFamily="49" charset="0"/>
+                          </a:rPr>
+                          <m:t>𝑀𝑜𝑏𝑖𝑙𝑖𝑡𝑦</m:t>
+                        </m:r>
+                        <m:r>
+                          <a:rPr lang="en-US" sz="1400" i="1">
+                            <a:latin typeface="Cambria Math" panose="02040503050406030204" pitchFamily="18" charset="0"/>
+                            <a:cs typeface="Courier New" panose="02070309020205020404" pitchFamily="49" charset="0"/>
+                          </a:rPr>
+                          <m:t> −</m:t>
+                        </m:r>
+                        <m:r>
+                          <a:rPr lang="en-US" sz="1400" i="1">
+                            <a:latin typeface="Cambria Math" panose="02040503050406030204" pitchFamily="18" charset="0"/>
+                            <a:cs typeface="Courier New" panose="02070309020205020404" pitchFamily="49" charset="0"/>
+                          </a:rPr>
+                          <m:t>𝑀𝑖𝑛</m:t>
+                        </m:r>
+                        <m:r>
+                          <a:rPr lang="en-US" sz="1400" i="1">
+                            <a:latin typeface="Cambria Math" panose="02040503050406030204" pitchFamily="18" charset="0"/>
+                            <a:cs typeface="Courier New" panose="02070309020205020404" pitchFamily="49" charset="0"/>
+                          </a:rPr>
+                          <m:t> </m:t>
+                        </m:r>
+                        <m:r>
+                          <a:rPr lang="en-US" sz="1400" i="1">
+                            <a:latin typeface="Cambria Math" panose="02040503050406030204" pitchFamily="18" charset="0"/>
+                            <a:cs typeface="Courier New" panose="02070309020205020404" pitchFamily="49" charset="0"/>
+                          </a:rPr>
+                          <m:t>𝑃𝑙𝑎𝑦𝑒𝑟</m:t>
+                        </m:r>
+                        <m:r>
+                          <a:rPr lang="en-US" sz="1400" i="1">
+                            <a:latin typeface="Cambria Math" panose="02040503050406030204" pitchFamily="18" charset="0"/>
+                            <a:cs typeface="Courier New" panose="02070309020205020404" pitchFamily="49" charset="0"/>
+                          </a:rPr>
+                          <m:t> </m:t>
+                        </m:r>
+                        <m:r>
+                          <a:rPr lang="en-US" sz="1400" i="1">
+                            <a:latin typeface="Cambria Math" panose="02040503050406030204" pitchFamily="18" charset="0"/>
+                            <a:cs typeface="Courier New" panose="02070309020205020404" pitchFamily="49" charset="0"/>
+                          </a:rPr>
+                          <m:t>𝐴𝑐𝑡𝑢𝑎𝑙</m:t>
+                        </m:r>
+                        <m:r>
+                          <a:rPr lang="en-US" sz="1400" i="1">
+                            <a:latin typeface="Cambria Math" panose="02040503050406030204" pitchFamily="18" charset="0"/>
+                            <a:cs typeface="Courier New" panose="02070309020205020404" pitchFamily="49" charset="0"/>
+                          </a:rPr>
+                          <m:t> </m:t>
+                        </m:r>
+                        <m:r>
+                          <a:rPr lang="en-US" sz="1400" i="1">
+                            <a:latin typeface="Cambria Math" panose="02040503050406030204" pitchFamily="18" charset="0"/>
+                            <a:cs typeface="Courier New" panose="02070309020205020404" pitchFamily="49" charset="0"/>
+                          </a:rPr>
+                          <m:t>𝑀𝑜𝑏𝑖𝑙𝑖𝑡𝑦</m:t>
+                        </m:r>
+                      </m:num>
+                      <m:den>
+                        <m:r>
+                          <a:rPr lang="en-US" sz="1400" i="1">
+                            <a:latin typeface="Cambria Math" panose="02040503050406030204" pitchFamily="18" charset="0"/>
+                            <a:cs typeface="Courier New" panose="02070309020205020404" pitchFamily="49" charset="0"/>
+                          </a:rPr>
+                          <m:t>𝑀𝑎𝑥</m:t>
+                        </m:r>
+                        <m:r>
+                          <a:rPr lang="en-US" sz="1400" i="1">
+                            <a:latin typeface="Cambria Math" panose="02040503050406030204" pitchFamily="18" charset="0"/>
+                            <a:cs typeface="Courier New" panose="02070309020205020404" pitchFamily="49" charset="0"/>
+                          </a:rPr>
+                          <m:t> </m:t>
+                        </m:r>
+                        <m:r>
+                          <a:rPr lang="en-US" sz="1400" i="1">
+                            <a:latin typeface="Cambria Math" panose="02040503050406030204" pitchFamily="18" charset="0"/>
+                            <a:cs typeface="Courier New" panose="02070309020205020404" pitchFamily="49" charset="0"/>
+                          </a:rPr>
+                          <m:t>𝑃𝑙𝑎𝑦𝑒𝑟</m:t>
+                        </m:r>
+                        <m:r>
+                          <a:rPr lang="en-US" sz="1400" i="1">
+                            <a:latin typeface="Cambria Math" panose="02040503050406030204" pitchFamily="18" charset="0"/>
+                            <a:cs typeface="Courier New" panose="02070309020205020404" pitchFamily="49" charset="0"/>
+                          </a:rPr>
+                          <m:t> </m:t>
+                        </m:r>
+                        <m:r>
+                          <a:rPr lang="en-US" sz="1400" i="1">
+                            <a:latin typeface="Cambria Math" panose="02040503050406030204" pitchFamily="18" charset="0"/>
+                            <a:cs typeface="Courier New" panose="02070309020205020404" pitchFamily="49" charset="0"/>
+                          </a:rPr>
+                          <m:t>𝐴𝑐𝑡𝑢𝑎𝑙</m:t>
+                        </m:r>
+                        <m:r>
+                          <a:rPr lang="en-US" sz="1400" i="1">
+                            <a:latin typeface="Cambria Math" panose="02040503050406030204" pitchFamily="18" charset="0"/>
+                            <a:cs typeface="Courier New" panose="02070309020205020404" pitchFamily="49" charset="0"/>
+                          </a:rPr>
+                          <m:t> </m:t>
+                        </m:r>
+                        <m:r>
+                          <a:rPr lang="en-US" sz="1400" i="1">
+                            <a:latin typeface="Cambria Math" panose="02040503050406030204" pitchFamily="18" charset="0"/>
+                            <a:cs typeface="Courier New" panose="02070309020205020404" pitchFamily="49" charset="0"/>
+                          </a:rPr>
+                          <m:t>𝑀𝑜𝑏𝑖𝑙𝑖𝑡𝑦</m:t>
+                        </m:r>
+                        <m:r>
+                          <a:rPr lang="en-US" sz="1400" i="1">
+                            <a:latin typeface="Cambria Math" panose="02040503050406030204" pitchFamily="18" charset="0"/>
+                            <a:cs typeface="Courier New" panose="02070309020205020404" pitchFamily="49" charset="0"/>
+                          </a:rPr>
+                          <m:t> −</m:t>
+                        </m:r>
+                        <m:r>
+                          <a:rPr lang="en-US" sz="1400" i="1">
+                            <a:latin typeface="Cambria Math" panose="02040503050406030204" pitchFamily="18" charset="0"/>
+                            <a:cs typeface="Courier New" panose="02070309020205020404" pitchFamily="49" charset="0"/>
+                          </a:rPr>
+                          <m:t>𝑀𝑖𝑛</m:t>
+                        </m:r>
+                        <m:r>
+                          <a:rPr lang="en-US" sz="1400" i="1">
+                            <a:latin typeface="Cambria Math" panose="02040503050406030204" pitchFamily="18" charset="0"/>
+                            <a:cs typeface="Courier New" panose="02070309020205020404" pitchFamily="49" charset="0"/>
+                          </a:rPr>
+                          <m:t> </m:t>
+                        </m:r>
+                        <m:r>
+                          <a:rPr lang="en-US" sz="1400" i="1">
+                            <a:latin typeface="Cambria Math" panose="02040503050406030204" pitchFamily="18" charset="0"/>
+                            <a:cs typeface="Courier New" panose="02070309020205020404" pitchFamily="49" charset="0"/>
+                          </a:rPr>
+                          <m:t>𝑃𝑙𝑎𝑦𝑒𝑟</m:t>
+                        </m:r>
+                        <m:r>
+                          <a:rPr lang="en-US" sz="1400" i="1">
+                            <a:latin typeface="Cambria Math" panose="02040503050406030204" pitchFamily="18" charset="0"/>
+                            <a:cs typeface="Courier New" panose="02070309020205020404" pitchFamily="49" charset="0"/>
+                          </a:rPr>
+                          <m:t> </m:t>
+                        </m:r>
+                        <m:r>
+                          <a:rPr lang="en-US" sz="1400" i="1">
+                            <a:latin typeface="Cambria Math" panose="02040503050406030204" pitchFamily="18" charset="0"/>
+                            <a:cs typeface="Courier New" panose="02070309020205020404" pitchFamily="49" charset="0"/>
+                          </a:rPr>
+                          <m:t>𝐴𝑐𝑡𝑢𝑎𝑙</m:t>
+                        </m:r>
+                        <m:r>
+                          <a:rPr lang="en-US" sz="1400" i="1">
+                            <a:latin typeface="Cambria Math" panose="02040503050406030204" pitchFamily="18" charset="0"/>
+                            <a:cs typeface="Courier New" panose="02070309020205020404" pitchFamily="49" charset="0"/>
+                          </a:rPr>
+                          <m:t> </m:t>
+                        </m:r>
+                        <m:r>
+                          <a:rPr lang="en-US" sz="1400" i="1">
+                            <a:latin typeface="Cambria Math" panose="02040503050406030204" pitchFamily="18" charset="0"/>
+                            <a:cs typeface="Courier New" panose="02070309020205020404" pitchFamily="49" charset="0"/>
+                          </a:rPr>
+                          <m:t>𝑀𝑜𝑏𝑖𝑙𝑖𝑡𝑦</m:t>
+                        </m:r>
+                      </m:den>
+                    </m:f>
+                  </m:oMath>
+                </a14:m>
+                <a:endParaRPr lang="en-US" sz="1400" dirty="0">
+                  <a:latin typeface="Courier New" panose="02070309020205020404" pitchFamily="49" charset="0"/>
+                  <a:cs typeface="Courier New" panose="02070309020205020404" pitchFamily="49" charset="0"/>
+                </a:endParaRPr>
+              </a:p>
+              <a:p>
+                <a:pPr marL="0" indent="0">
+                  <a:buNone/>
+                </a:pPr>
+                <a:r>
+                  <a:rPr lang="en-US" sz="1400" dirty="0">
+                    <a:solidFill>
+                      <a:srgbClr val="7030A0"/>
+                    </a:solidFill>
+                    <a:latin typeface="Courier New" panose="02070309020205020404" pitchFamily="49" charset="0"/>
+                    <a:cs typeface="Courier New" panose="02070309020205020404" pitchFamily="49" charset="0"/>
+                  </a:rPr>
+                  <a:t>else</a:t>
+                </a:r>
+                <a:r>
+                  <a:rPr lang="en-US" sz="1400" dirty="0">
+                    <a:latin typeface="Courier New" panose="02070309020205020404" pitchFamily="49" charset="0"/>
+                    <a:cs typeface="Courier New" panose="02070309020205020404" pitchFamily="49" charset="0"/>
+                  </a:rPr>
+                  <a:t>: </a:t>
+                </a:r>
+              </a:p>
+              <a:p>
+                <a:pPr marL="0" indent="0">
+                  <a:buNone/>
+                </a:pPr>
+                <a:r>
+                  <a:rPr lang="en-US" sz="1400" dirty="0">
+                    <a:latin typeface="Courier New" panose="02070309020205020404" pitchFamily="49" charset="0"/>
+                    <a:cs typeface="Courier New" panose="02070309020205020404" pitchFamily="49" charset="0"/>
+                  </a:rPr>
+                  <a:t>	Actual Mobility Heuristic Value = 0</a:t>
+                </a:r>
+              </a:p>
+            </p:txBody>
+          </p:sp>
+        </mc:Choice>
+        <mc:Fallback xmlns="">
+          <p:sp>
+            <p:nvSpPr>
+              <p:cNvPr id="12" name="Content Placeholder 2">
+                <a:extLst>
+                  <a:ext uri="{FF2B5EF4-FFF2-40B4-BE49-F238E27FC236}">
+                    <a16:creationId xmlns:a16="http://schemas.microsoft.com/office/drawing/2014/main" id="{DBCAF7A9-4744-4EFD-92C6-8B0F83F7F6BD}"/>
+                  </a:ext>
+                </a:extLst>
+              </p:cNvPr>
+              <p:cNvSpPr>
+                <a:spLocks noGrp="1" noRot="1" noChangeAspect="1" noMove="1" noResize="1" noEditPoints="1" noAdjustHandles="1" noChangeArrowheads="1" noChangeShapeType="1" noTextEdit="1"/>
+              </p:cNvSpPr>
+              <p:nvPr>
+                <p:ph sz="half" idx="1"/>
+              </p:nvPr>
+            </p:nvSpPr>
+            <p:spPr>
+              <a:xfrm>
+                <a:off x="838200" y="1706452"/>
+                <a:ext cx="8901706" cy="1546551"/>
+              </a:xfrm>
+              <a:blipFill>
+                <a:blip r:embed="rId3"/>
+                <a:stretch>
+                  <a:fillRect l="-205" t="-1181"/>
+                </a:stretch>
+              </a:blipFill>
+            </p:spPr>
+            <p:txBody>
+              <a:bodyPr/>
+              <a:lstStyle/>
+              <a:p>
+                <a:r>
+                  <a:rPr lang="en-US">
+                    <a:noFill/>
+                  </a:rPr>
+                  <a:t> </a:t>
+                </a:r>
+              </a:p>
+            </p:txBody>
+          </p:sp>
+        </mc:Fallback>
+      </mc:AlternateContent>
+    </p:spTree>
+    <p:extLst>
+      <p:ext uri="{BB962C8B-B14F-4D97-AF65-F5344CB8AC3E}">
+        <p14:creationId xmlns:p14="http://schemas.microsoft.com/office/powerpoint/2010/main" val="3404855402"/>
+      </p:ext>
+    </p:extLst>
+  </p:cSld>
+  <p:clrMapOvr>
+    <a:masterClrMapping/>
+  </p:clrMapOvr>
+  <p:timing>
+    <p:tnLst>
+      <p:par>
+        <p:cTn id="1" dur="indefinite" restart="never" nodeType="tmRoot">
+          <p:childTnLst>
+            <p:seq concurrent="1" nextAc="seek">
+              <p:cTn id="2" dur="indefinite" nodeType="mainSeq">
+                <p:childTnLst>
+                  <p:par>
+                    <p:cTn id="3" fill="hold">
+                      <p:stCondLst>
+                        <p:cond delay="indefinite"/>
+                      </p:stCondLst>
+                      <p:childTnLst>
+                        <p:par>
+                          <p:cTn id="4" fill="hold">
+                            <p:stCondLst>
+                              <p:cond delay="0"/>
+                            </p:stCondLst>
+                            <p:childTnLst>
+                              <p:par>
+                                <p:cTn id="5" presetID="10" presetClass="entr" presetSubtype="0" fill="hold" grpId="0" nodeType="clickEffect">
+                                  <p:stCondLst>
+                                    <p:cond delay="0"/>
+                                  </p:stCondLst>
+                                  <p:childTnLst>
+                                    <p:set>
+                                      <p:cBhvr>
+                                        <p:cTn id="6" dur="1" fill="hold">
+                                          <p:stCondLst>
+                                            <p:cond delay="0"/>
+                                          </p:stCondLst>
+                                        </p:cTn>
+                                        <p:tgtEl>
+                                          <p:spTgt spid="9"/>
+                                        </p:tgtEl>
+                                        <p:attrNameLst>
+                                          <p:attrName>style.visibility</p:attrName>
+                                        </p:attrNameLst>
+                                      </p:cBhvr>
+                                      <p:to>
+                                        <p:strVal val="visible"/>
+                                      </p:to>
+                                    </p:set>
+                                    <p:animEffect transition="in" filter="fade">
+                                      <p:cBhvr>
+                                        <p:cTn id="7" dur="500"/>
+                                        <p:tgtEl>
+                                          <p:spTgt spid="9"/>
+                                        </p:tgtEl>
+                                      </p:cBhvr>
+                                    </p:animEffect>
+                                  </p:childTnLst>
+                                </p:cTn>
+                              </p:par>
+                              <p:par>
+                                <p:cTn id="8" presetID="10" presetClass="entr" presetSubtype="0" fill="hold" grpId="0" nodeType="withEffect">
+                                  <p:stCondLst>
+                                    <p:cond delay="0"/>
+                                  </p:stCondLst>
+                                  <p:childTnLst>
+                                    <p:set>
+                                      <p:cBhvr>
+                                        <p:cTn id="9" dur="1" fill="hold">
+                                          <p:stCondLst>
+                                            <p:cond delay="0"/>
+                                          </p:stCondLst>
+                                        </p:cTn>
+                                        <p:tgtEl>
+                                          <p:spTgt spid="6"/>
+                                        </p:tgtEl>
+                                        <p:attrNameLst>
+                                          <p:attrName>style.visibility</p:attrName>
+                                        </p:attrNameLst>
+                                      </p:cBhvr>
+                                      <p:to>
+                                        <p:strVal val="visible"/>
+                                      </p:to>
+                                    </p:set>
+                                    <p:animEffect transition="in" filter="fade">
+                                      <p:cBhvr>
+                                        <p:cTn id="10" dur="500"/>
+                                        <p:tgtEl>
+                                          <p:spTgt spid="6"/>
+                                        </p:tgtEl>
+                                      </p:cBhvr>
+                                    </p:animEffect>
+                                  </p:childTnLst>
+                                </p:cTn>
+                              </p:par>
+                              <p:par>
+                                <p:cTn id="11" presetID="10" presetClass="entr" presetSubtype="0" fill="hold" grpId="0" nodeType="withEffect">
+                                  <p:stCondLst>
+                                    <p:cond delay="0"/>
+                                  </p:stCondLst>
+                                  <p:childTnLst>
+                                    <p:set>
+                                      <p:cBhvr>
+                                        <p:cTn id="12" dur="1" fill="hold">
+                                          <p:stCondLst>
+                                            <p:cond delay="0"/>
+                                          </p:stCondLst>
+                                        </p:cTn>
+                                        <p:tgtEl>
+                                          <p:spTgt spid="7"/>
+                                        </p:tgtEl>
+                                        <p:attrNameLst>
+                                          <p:attrName>style.visibility</p:attrName>
+                                        </p:attrNameLst>
+                                      </p:cBhvr>
+                                      <p:to>
+                                        <p:strVal val="visible"/>
+                                      </p:to>
+                                    </p:set>
+                                    <p:animEffect transition="in" filter="fade">
+                                      <p:cBhvr>
+                                        <p:cTn id="13" dur="500"/>
+                                        <p:tgtEl>
+                                          <p:spTgt spid="7"/>
+                                        </p:tgtEl>
+                                      </p:cBhvr>
+                                    </p:animEffect>
+                                  </p:childTnLst>
+                                </p:cTn>
+                              </p:par>
+                              <p:par>
+                                <p:cTn id="14" presetID="10" presetClass="entr" presetSubtype="0" fill="hold" grpId="0" nodeType="withEffect">
+                                  <p:stCondLst>
+                                    <p:cond delay="0"/>
+                                  </p:stCondLst>
+                                  <p:childTnLst>
+                                    <p:set>
+                                      <p:cBhvr>
+                                        <p:cTn id="15" dur="1" fill="hold">
+                                          <p:stCondLst>
+                                            <p:cond delay="0"/>
+                                          </p:stCondLst>
+                                        </p:cTn>
+                                        <p:tgtEl>
+                                          <p:spTgt spid="8"/>
+                                        </p:tgtEl>
+                                        <p:attrNameLst>
+                                          <p:attrName>style.visibility</p:attrName>
+                                        </p:attrNameLst>
+                                      </p:cBhvr>
+                                      <p:to>
+                                        <p:strVal val="visible"/>
+                                      </p:to>
+                                    </p:set>
+                                    <p:animEffect transition="in" filter="fade">
+                                      <p:cBhvr>
+                                        <p:cTn id="16" dur="500"/>
+                                        <p:tgtEl>
+                                          <p:spTgt spid="8"/>
+                                        </p:tgtEl>
+                                      </p:cBhvr>
+                                    </p:animEffect>
+                                  </p:childTnLst>
+                                </p:cTn>
+                              </p:par>
+                            </p:childTnLst>
+                          </p:cTn>
+                        </p:par>
+                      </p:childTnLst>
+                    </p:cTn>
+                  </p:par>
+                </p:childTnLst>
+              </p:cTn>
+              <p:prevCondLst>
+                <p:cond evt="onPrev" delay="0">
+                  <p:tgtEl>
+                    <p:sldTgt/>
+                  </p:tgtEl>
+                </p:cond>
+              </p:prevCondLst>
+              <p:nextCondLst>
+                <p:cond evt="onNext" delay="0">
+                  <p:tgtEl>
+                    <p:sldTgt/>
+                  </p:tgtEl>
+                </p:cond>
+              </p:nextCondLst>
+            </p:seq>
+          </p:childTnLst>
+        </p:cTn>
+      </p:par>
+    </p:tnLst>
+    <p:bldLst>
+      <p:bldP spid="6" grpId="0" animBg="1"/>
+      <p:bldP spid="7" grpId="0" animBg="1"/>
+      <p:bldP spid="8" grpId="0" animBg="1"/>
+      <p:bldP spid="9" grpId="0" animBg="1"/>
+    </p:bldLst>
+  </p:timing>
+</p:sld>
+</file>
+
+<file path=ppt/slides/slide8.xml><?xml version="1.0" encoding="utf-8"?>
+<p:sld xmlns:a="http://schemas.openxmlformats.org/drawingml/2006/main" xmlns:r="http://schemas.openxmlformats.org/officeDocument/2006/relationships" xmlns:p="http://schemas.openxmlformats.org/presentationml/2006/main">
+  <p:cSld>
+    <p:spTree>
+      <p:nvGrpSpPr>
+        <p:cNvPr id="1" name=""/>
+        <p:cNvGrpSpPr/>
+        <p:nvPr/>
+      </p:nvGrpSpPr>
+      <p:grpSpPr>
+        <a:xfrm>
+          <a:off x="0" y="0"/>
+          <a:ext cx="0" cy="0"/>
+          <a:chOff x="0" y="0"/>
+          <a:chExt cx="0" cy="0"/>
+        </a:xfrm>
+      </p:grpSpPr>
+      <p:sp>
+        <p:nvSpPr>
+          <p:cNvPr id="2" name="Title 1">
+            <a:extLst>
+              <a:ext uri="{FF2B5EF4-FFF2-40B4-BE49-F238E27FC236}">
+                <a16:creationId xmlns:a16="http://schemas.microsoft.com/office/drawing/2014/main" id="{E6693D53-EB2A-4B85-A63B-2303AB000F37}"/>
+              </a:ext>
+            </a:extLst>
+          </p:cNvPr>
+          <p:cNvSpPr>
+            <a:spLocks noGrp="1"/>
+          </p:cNvSpPr>
+          <p:nvPr>
+            <p:ph type="title"/>
+          </p:nvPr>
+        </p:nvSpPr>
+        <p:spPr/>
+        <p:txBody>
+          <a:bodyPr/>
+          <a:lstStyle/>
+          <a:p>
+            <a:r>
+              <a:rPr lang="en-US" dirty="0"/>
+              <a:t>Heuristics – Potential Mobility</a:t>
+            </a:r>
+          </a:p>
+        </p:txBody>
+      </p:sp>
+      <mc:AlternateContent xmlns:mc="http://schemas.openxmlformats.org/markup-compatibility/2006" xmlns:a14="http://schemas.microsoft.com/office/drawing/2010/main">
+        <mc:Choice Requires="a14">
+          <p:sp>
+            <p:nvSpPr>
+              <p:cNvPr id="3" name="Content Placeholder 2">
+                <a:extLst>
+                  <a:ext uri="{FF2B5EF4-FFF2-40B4-BE49-F238E27FC236}">
+                    <a16:creationId xmlns:a16="http://schemas.microsoft.com/office/drawing/2014/main" id="{C20D8CE2-C2FD-4DB1-8B01-394E9F8FB369}"/>
+                  </a:ext>
+                </a:extLst>
+              </p:cNvPr>
+              <p:cNvSpPr>
+                <a:spLocks noGrp="1"/>
+              </p:cNvSpPr>
+              <p:nvPr>
+                <p:ph idx="1"/>
+              </p:nvPr>
+            </p:nvSpPr>
+            <p:spPr/>
+            <p:txBody>
+              <a:bodyPr/>
+              <a:lstStyle/>
+              <a:p>
+                <a:r>
+                  <a:rPr lang="en-US" dirty="0"/>
+                  <a:t>In simple terms, the score of the board</a:t>
+                </a:r>
+              </a:p>
+              <a:p>
+                <a:pPr marL="0" indent="0">
+                  <a:buNone/>
+                </a:pPr>
+                <a:endParaRPr lang="en-US" dirty="0"/>
+              </a:p>
+              <a:p>
+                <a:pPr marL="0" indent="0">
+                  <a:buNone/>
+                </a:pPr>
+                <a:endParaRPr lang="en-US" dirty="0"/>
+              </a:p>
+              <a:p>
+                <a:pPr marL="0" indent="0">
+                  <a:buNone/>
+                </a:pPr>
+                <a14:m>
+                  <m:oMathPara xmlns:m="http://schemas.openxmlformats.org/officeDocument/2006/math">
+                    <m:oMathParaPr>
+                      <m:jc m:val="centerGroup"/>
+                    </m:oMathParaPr>
+                    <m:oMath xmlns:m="http://schemas.openxmlformats.org/officeDocument/2006/math">
+                      <m:r>
+                        <a:rPr lang="en-US" b="0" i="1" smtClean="0">
+                          <a:latin typeface="Cambria Math" panose="02040503050406030204" pitchFamily="18" charset="0"/>
+                        </a:rPr>
+                        <m:t>𝐶𝑜𝑖𝑛</m:t>
+                      </m:r>
+                      <m:r>
+                        <a:rPr lang="en-US" b="0" i="1" smtClean="0">
+                          <a:latin typeface="Cambria Math" panose="02040503050406030204" pitchFamily="18" charset="0"/>
+                        </a:rPr>
+                        <m:t> </m:t>
+                      </m:r>
+                      <m:r>
+                        <a:rPr lang="en-US" b="0" i="1" smtClean="0">
+                          <a:latin typeface="Cambria Math" panose="02040503050406030204" pitchFamily="18" charset="0"/>
+                        </a:rPr>
+                        <m:t>𝑃𝑎𝑟𝑖𝑡𝑦</m:t>
+                      </m:r>
+                      <m:r>
+                        <a:rPr lang="en-US" b="0" i="1" smtClean="0">
+                          <a:latin typeface="Cambria Math" panose="02040503050406030204" pitchFamily="18" charset="0"/>
+                        </a:rPr>
+                        <m:t> </m:t>
+                      </m:r>
+                      <m:r>
+                        <a:rPr lang="en-US" b="0" i="1" smtClean="0">
+                          <a:latin typeface="Cambria Math" panose="02040503050406030204" pitchFamily="18" charset="0"/>
+                        </a:rPr>
+                        <m:t>𝐻𝑒𝑢𝑟𝑖𝑠𝑡𝑖𝑐</m:t>
+                      </m:r>
+                      <m:r>
+                        <a:rPr lang="en-US" b="0" i="1" smtClean="0">
+                          <a:latin typeface="Cambria Math" panose="02040503050406030204" pitchFamily="18" charset="0"/>
+                        </a:rPr>
+                        <m:t> </m:t>
+                      </m:r>
+                      <m:r>
+                        <a:rPr lang="en-US" b="0" i="1" smtClean="0">
+                          <a:latin typeface="Cambria Math" panose="02040503050406030204" pitchFamily="18" charset="0"/>
+                        </a:rPr>
+                        <m:t>𝑉𝑎𝑙𝑢𝑒</m:t>
+                      </m:r>
+                      <m:r>
+                        <a:rPr lang="en-US" b="0" i="1" smtClean="0">
+                          <a:latin typeface="Cambria Math" panose="02040503050406030204" pitchFamily="18" charset="0"/>
+                        </a:rPr>
+                        <m:t>=100 ∗</m:t>
+                      </m:r>
+                      <m:f>
+                        <m:fPr>
+                          <m:ctrlPr>
+                            <a:rPr lang="en-US" b="0" i="1" smtClean="0">
+                              <a:latin typeface="Cambria Math" panose="02040503050406030204" pitchFamily="18" charset="0"/>
+                            </a:rPr>
+                          </m:ctrlPr>
+                        </m:fPr>
+                        <m:num>
+                          <m:d>
+                            <m:dPr>
+                              <m:ctrlPr>
+                                <a:rPr lang="en-US" b="0" i="1" smtClean="0">
+                                  <a:latin typeface="Cambria Math" panose="02040503050406030204" pitchFamily="18" charset="0"/>
+                                </a:rPr>
+                              </m:ctrlPr>
+                            </m:dPr>
+                            <m:e>
+                              <m:r>
+                                <a:rPr lang="en-US" b="0" i="1" smtClean="0">
+                                  <a:latin typeface="Cambria Math" panose="02040503050406030204" pitchFamily="18" charset="0"/>
+                                </a:rPr>
+                                <m:t>𝑀𝑎𝑥</m:t>
+                              </m:r>
+                              <m:r>
+                                <a:rPr lang="en-US" b="0" i="1" smtClean="0">
+                                  <a:latin typeface="Cambria Math" panose="02040503050406030204" pitchFamily="18" charset="0"/>
+                                </a:rPr>
+                                <m:t> </m:t>
+                              </m:r>
+                              <m:r>
+                                <a:rPr lang="en-US" b="0" i="1" smtClean="0">
+                                  <a:latin typeface="Cambria Math" panose="02040503050406030204" pitchFamily="18" charset="0"/>
+                                </a:rPr>
+                                <m:t>𝑃𝑙𝑎𝑦𝑒𝑟</m:t>
+                              </m:r>
+                              <m:r>
+                                <a:rPr lang="en-US" b="0" i="1" smtClean="0">
+                                  <a:latin typeface="Cambria Math" panose="02040503050406030204" pitchFamily="18" charset="0"/>
+                                </a:rPr>
+                                <m:t> </m:t>
+                              </m:r>
+                              <m:r>
+                                <a:rPr lang="en-US" b="0" i="1" smtClean="0">
+                                  <a:latin typeface="Cambria Math" panose="02040503050406030204" pitchFamily="18" charset="0"/>
+                                </a:rPr>
+                                <m:t>𝐶𝑜𝑖𝑛𝑠</m:t>
+                              </m:r>
+                              <m:r>
+                                <a:rPr lang="en-US" b="0" i="1" smtClean="0">
+                                  <a:latin typeface="Cambria Math" panose="02040503050406030204" pitchFamily="18" charset="0"/>
+                                </a:rPr>
+                                <m:t>−</m:t>
+                              </m:r>
+                              <m:r>
+                                <a:rPr lang="en-US" b="0" i="1" smtClean="0">
+                                  <a:latin typeface="Cambria Math" panose="02040503050406030204" pitchFamily="18" charset="0"/>
+                                </a:rPr>
+                                <m:t>𝑀𝑖𝑛</m:t>
+                              </m:r>
+                              <m:r>
+                                <a:rPr lang="en-US" b="0" i="1" smtClean="0">
+                                  <a:latin typeface="Cambria Math" panose="02040503050406030204" pitchFamily="18" charset="0"/>
+                                </a:rPr>
+                                <m:t> </m:t>
+                              </m:r>
+                              <m:r>
+                                <a:rPr lang="en-US" b="0" i="1" smtClean="0">
+                                  <a:latin typeface="Cambria Math" panose="02040503050406030204" pitchFamily="18" charset="0"/>
+                                </a:rPr>
+                                <m:t>𝑃𝑙𝑎𝑦𝑒𝑟</m:t>
+                              </m:r>
+                              <m:r>
+                                <a:rPr lang="en-US" b="0" i="1" smtClean="0">
+                                  <a:latin typeface="Cambria Math" panose="02040503050406030204" pitchFamily="18" charset="0"/>
+                                </a:rPr>
+                                <m:t> </m:t>
+                              </m:r>
+                              <m:r>
+                                <a:rPr lang="en-US" b="0" i="1" smtClean="0">
+                                  <a:latin typeface="Cambria Math" panose="02040503050406030204" pitchFamily="18" charset="0"/>
+                                </a:rPr>
+                                <m:t>𝐶𝑜𝑖𝑛𝑠</m:t>
+                              </m:r>
+                            </m:e>
+                          </m:d>
+                        </m:num>
+                        <m:den>
+                          <m:r>
+                            <a:rPr lang="en-US" b="0" i="1" smtClean="0">
+                              <a:latin typeface="Cambria Math" panose="02040503050406030204" pitchFamily="18" charset="0"/>
+                            </a:rPr>
+                            <m:t>(</m:t>
+                          </m:r>
+                          <m:r>
+                            <a:rPr lang="en-US" b="0" i="1" smtClean="0">
+                              <a:latin typeface="Cambria Math" panose="02040503050406030204" pitchFamily="18" charset="0"/>
+                            </a:rPr>
+                            <m:t>𝑀𝑎𝑥</m:t>
+                          </m:r>
+                          <m:r>
+                            <a:rPr lang="en-US" b="0" i="1" smtClean="0">
+                              <a:latin typeface="Cambria Math" panose="02040503050406030204" pitchFamily="18" charset="0"/>
+                            </a:rPr>
+                            <m:t> </m:t>
+                          </m:r>
+                          <m:r>
+                            <a:rPr lang="en-US" b="0" i="1" smtClean="0">
+                              <a:latin typeface="Cambria Math" panose="02040503050406030204" pitchFamily="18" charset="0"/>
+                            </a:rPr>
+                            <m:t>𝑃𝑙𝑎𝑦𝑒𝑟</m:t>
+                          </m:r>
+                          <m:r>
+                            <a:rPr lang="en-US" b="0" i="1" smtClean="0">
+                              <a:latin typeface="Cambria Math" panose="02040503050406030204" pitchFamily="18" charset="0"/>
+                            </a:rPr>
+                            <m:t> </m:t>
+                          </m:r>
+                          <m:r>
+                            <a:rPr lang="en-US" b="0" i="1" smtClean="0">
+                              <a:latin typeface="Cambria Math" panose="02040503050406030204" pitchFamily="18" charset="0"/>
+                            </a:rPr>
+                            <m:t>𝐶𝑜𝑖𝑛𝑠</m:t>
+                          </m:r>
+                          <m:r>
+                            <a:rPr lang="en-US" b="0" i="1" smtClean="0">
+                              <a:latin typeface="Cambria Math" panose="02040503050406030204" pitchFamily="18" charset="0"/>
+                            </a:rPr>
+                            <m:t>+</m:t>
+                          </m:r>
+                          <m:r>
+                            <a:rPr lang="en-US" b="0" i="1" smtClean="0">
+                              <a:latin typeface="Cambria Math" panose="02040503050406030204" pitchFamily="18" charset="0"/>
+                            </a:rPr>
+                            <m:t>𝑀𝑖𝑛</m:t>
+                          </m:r>
+                          <m:r>
+                            <a:rPr lang="en-US" b="0" i="1" smtClean="0">
+                              <a:latin typeface="Cambria Math" panose="02040503050406030204" pitchFamily="18" charset="0"/>
+                            </a:rPr>
+                            <m:t> </m:t>
+                          </m:r>
+                          <m:r>
+                            <a:rPr lang="en-US" b="0" i="1" smtClean="0">
+                              <a:latin typeface="Cambria Math" panose="02040503050406030204" pitchFamily="18" charset="0"/>
+                            </a:rPr>
+                            <m:t>𝑃𝑙𝑎𝑦𝑒𝑟</m:t>
+                          </m:r>
+                          <m:r>
+                            <a:rPr lang="en-US" b="0" i="1" smtClean="0">
+                              <a:latin typeface="Cambria Math" panose="02040503050406030204" pitchFamily="18" charset="0"/>
+                            </a:rPr>
+                            <m:t> </m:t>
+                          </m:r>
+                          <m:r>
+                            <a:rPr lang="en-US" b="0" i="1" smtClean="0">
+                              <a:latin typeface="Cambria Math" panose="02040503050406030204" pitchFamily="18" charset="0"/>
+                            </a:rPr>
+                            <m:t>𝐶𝑜𝑖𝑛𝑠</m:t>
+                          </m:r>
+                          <m:r>
+                            <a:rPr lang="en-US" b="0" i="1" smtClean="0">
+                              <a:latin typeface="Cambria Math" panose="02040503050406030204" pitchFamily="18" charset="0"/>
+                            </a:rPr>
+                            <m:t>)</m:t>
+                          </m:r>
+                        </m:den>
+                      </m:f>
+                    </m:oMath>
+                  </m:oMathPara>
+                </a14:m>
+                <a:endParaRPr lang="en-US" dirty="0"/>
+              </a:p>
+            </p:txBody>
+          </p:sp>
+        </mc:Choice>
+        <mc:Fallback xmlns="">
+          <p:sp>
+            <p:nvSpPr>
+              <p:cNvPr id="3" name="Content Placeholder 2">
+                <a:extLst>
+                  <a:ext uri="{FF2B5EF4-FFF2-40B4-BE49-F238E27FC236}">
+                    <a16:creationId xmlns:a16="http://schemas.microsoft.com/office/drawing/2014/main" id="{C20D8CE2-C2FD-4DB1-8B01-394E9F8FB369}"/>
+                  </a:ext>
+                </a:extLst>
+              </p:cNvPr>
+              <p:cNvSpPr>
+                <a:spLocks noGrp="1" noRot="1" noChangeAspect="1" noMove="1" noResize="1" noEditPoints="1" noAdjustHandles="1" noChangeArrowheads="1" noChangeShapeType="1" noTextEdit="1"/>
+              </p:cNvSpPr>
+              <p:nvPr>
+                <p:ph idx="1"/>
+              </p:nvPr>
+            </p:nvSpPr>
+            <p:spPr>
+              <a:blipFill>
+                <a:blip r:embed="rId2"/>
+                <a:stretch>
+                  <a:fillRect l="-1043" t="-2241"/>
+                </a:stretch>
+              </a:blipFill>
+            </p:spPr>
+            <p:txBody>
+              <a:bodyPr/>
+              <a:lstStyle/>
+              <a:p>
+                <a:r>
+                  <a:rPr lang="en-US">
+                    <a:noFill/>
+                  </a:rPr>
+                  <a:t> </a:t>
+                </a:r>
+              </a:p>
+            </p:txBody>
+          </p:sp>
+        </mc:Fallback>
+      </mc:AlternateContent>
+    </p:spTree>
+    <p:extLst>
+      <p:ext uri="{BB962C8B-B14F-4D97-AF65-F5344CB8AC3E}">
+        <p14:creationId xmlns:p14="http://schemas.microsoft.com/office/powerpoint/2010/main" val="1375634230"/>
+      </p:ext>
+    </p:extLst>
+  </p:cSld>
+  <p:clrMapOvr>
+    <a:masterClrMapping/>
+  </p:clrMapOvr>
+</p:sld>
+</file>
+
+<file path=ppt/slides/slide9.xml><?xml version="1.0" encoding="utf-8"?>
+<p:sld xmlns:a="http://schemas.openxmlformats.org/drawingml/2006/main" xmlns:r="http://schemas.openxmlformats.org/officeDocument/2006/relationships" xmlns:p="http://schemas.openxmlformats.org/presentationml/2006/main">
+  <p:cSld>
+    <p:bg>
+      <p:bgPr>
+        <a:solidFill>
+          <a:srgbClr val="262626">
+            <a:alpha val="70000"/>
+          </a:srgbClr>
+        </a:solidFill>
+        <a:effectLst/>
+      </p:bgPr>
+    </p:bg>
+    <p:spTree>
+      <p:nvGrpSpPr>
+        <p:cNvPr id="1" name=""/>
+        <p:cNvGrpSpPr/>
+        <p:nvPr/>
+      </p:nvGrpSpPr>
+      <p:grpSpPr>
+        <a:xfrm>
+          <a:off x="0" y="0"/>
+          <a:ext cx="0" cy="0"/>
+          <a:chOff x="0" y="0"/>
+          <a:chExt cx="0" cy="0"/>
+        </a:xfrm>
+      </p:grpSpPr>
+      <p:sp>
+        <p:nvSpPr>
+          <p:cNvPr id="15" name="Rectangle 14">
+            <a:extLst>
+              <a:ext uri="{FF2B5EF4-FFF2-40B4-BE49-F238E27FC236}">
+                <a16:creationId xmlns:a16="http://schemas.microsoft.com/office/drawing/2014/main" id="{68A4132F-DEC6-4332-A00C-A11AD4519B6C}"/>
+              </a:ext>
+              <a:ext uri="{C183D7F6-B498-43B3-948B-1728B52AA6E4}">
+                <adec:decorative xmlns:adec="http://schemas.microsoft.com/office/drawing/2017/decorative" val="1"/>
+              </a:ext>
+            </a:extLst>
+          </p:cNvPr>
+          <p:cNvSpPr>
+            <a:spLocks noGrp="1" noRot="1" noChangeAspect="1" noMove="1" noResize="1" noEditPoints="1" noAdjustHandles="1" noChangeArrowheads="1" noChangeShapeType="1" noTextEdit="1"/>
+          </p:cNvSpPr>
+          <p:nvPr>
+            <p:extLst>
+              <p:ext uri="{386F3935-93C4-4BCD-93E2-E3B085C9AB24}">
+                <p16:designElem xmlns:p16="http://schemas.microsoft.com/office/powerpoint/2015/main" val="1"/>
+              </p:ext>
+            </p:extLst>
+          </p:nvPr>
+        </p:nvSpPr>
+        <p:spPr>
+          <a:xfrm>
+            <a:off x="1524" y="0"/>
+            <a:ext cx="12188952" cy="6858000"/>
+          </a:xfrm>
+          <a:prstGeom prst="rect">
+            <a:avLst/>
+          </a:prstGeom>
+          <a:solidFill>
+            <a:schemeClr val="tx1"/>
+          </a:solidFill>
+          <a:ln>
+            <a:noFill/>
+          </a:ln>
+        </p:spPr>
+        <p:style>
+          <a:lnRef idx="2">
+            <a:schemeClr val="accent1">
+              <a:shade val="50000"/>
+            </a:schemeClr>
+          </a:lnRef>
+          <a:fillRef idx="1">
+            <a:schemeClr val="accent1"/>
+          </a:fillRef>
+          <a:effectRef idx="0">
+            <a:schemeClr val="accent1"/>
+          </a:effectRef>
+          <a:fontRef idx="minor">
+            <a:schemeClr val="lt1"/>
+          </a:fontRef>
+        </p:style>
+        <p:txBody>
+          <a:bodyPr rtlCol="0" anchor="ctr"/>
+          <a:lstStyle/>
+          <a:p>
+            <a:pPr algn="ctr"/>
+            <a:endParaRPr lang="en-US"/>
+          </a:p>
+        </p:txBody>
+      </p:sp>
+      <p:pic>
+        <p:nvPicPr>
+          <p:cNvPr id="5" name="Content Placeholder 4">
+            <a:extLst>
+              <a:ext uri="{FF2B5EF4-FFF2-40B4-BE49-F238E27FC236}">
+                <a16:creationId xmlns:a16="http://schemas.microsoft.com/office/drawing/2014/main" id="{487FDFC2-5E8C-4268-AF34-3AB283EE3631}"/>
+              </a:ext>
+            </a:extLst>
+          </p:cNvPr>
+          <p:cNvPicPr>
+            <a:picLocks noGrp="1" noChangeAspect="1"/>
+          </p:cNvPicPr>
+          <p:nvPr>
+            <p:ph sz="half" idx="2"/>
+          </p:nvPr>
+        </p:nvPicPr>
+        <p:blipFill>
+          <a:blip r:embed="rId2"/>
+          <a:stretch>
+            <a:fillRect/>
+          </a:stretch>
+        </p:blipFill>
+        <p:spPr>
+          <a:xfrm>
+            <a:off x="7148234" y="1820333"/>
+            <a:ext cx="4150315" cy="4036181"/>
+          </a:xfrm>
+          <a:prstGeom prst="rect">
+            <a:avLst/>
+          </a:prstGeom>
+        </p:spPr>
+      </p:pic>
+      <p:sp>
+        <p:nvSpPr>
+          <p:cNvPr id="17" name="Freeform: Shape 16">
+            <a:extLst>
+              <a:ext uri="{FF2B5EF4-FFF2-40B4-BE49-F238E27FC236}">
+                <a16:creationId xmlns:a16="http://schemas.microsoft.com/office/drawing/2014/main" id="{64965EAE-E41A-435F-B993-07E824B6C977}"/>
+              </a:ext>
+              <a:ext uri="{C183D7F6-B498-43B3-948B-1728B52AA6E4}">
+                <adec:decorative xmlns:adec="http://schemas.microsoft.com/office/drawing/2017/decorative" val="1"/>
+              </a:ext>
+            </a:extLst>
+          </p:cNvPr>
+          <p:cNvSpPr>
+            <a:spLocks noGrp="1" noRot="1" noChangeAspect="1" noMove="1" noResize="1" noEditPoints="1" noAdjustHandles="1" noChangeArrowheads="1" noChangeShapeType="1" noTextEdit="1"/>
+          </p:cNvSpPr>
+          <p:nvPr>
+            <p:extLst>
+              <p:ext uri="{386F3935-93C4-4BCD-93E2-E3B085C9AB24}">
+                <p16:designElem xmlns:p16="http://schemas.microsoft.com/office/powerpoint/2015/main" val="1"/>
+              </p:ext>
+            </p:extLst>
+          </p:nvPr>
+        </p:nvSpPr>
+        <p:spPr>
+          <a:xfrm flipV="1">
+            <a:off x="1" y="0"/>
+            <a:ext cx="7539895" cy="6858000"/>
+          </a:xfrm>
+          <a:custGeom>
+            <a:avLst/>
+            <a:gdLst>
+              <a:gd name="connsiteX0" fmla="*/ 7539895 w 7539895"/>
+              <a:gd name="connsiteY0" fmla="*/ 6858000 h 6858000"/>
+              <a:gd name="connsiteX1" fmla="*/ 0 w 7539895"/>
+              <a:gd name="connsiteY1" fmla="*/ 6858000 h 6858000"/>
+              <a:gd name="connsiteX2" fmla="*/ 0 w 7539895"/>
+              <a:gd name="connsiteY2" fmla="*/ 0 h 6858000"/>
+              <a:gd name="connsiteX3" fmla="*/ 4363741 w 7539895"/>
+              <a:gd name="connsiteY3" fmla="*/ 0 h 6858000"/>
+            </a:gdLst>
+            <a:ahLst/>
+            <a:cxnLst>
+              <a:cxn ang="0">
+                <a:pos x="connsiteX0" y="connsiteY0"/>
+              </a:cxn>
+              <a:cxn ang="0">
+                <a:pos x="connsiteX1" y="connsiteY1"/>
+              </a:cxn>
+              <a:cxn ang="0">
+                <a:pos x="connsiteX2" y="connsiteY2"/>
+              </a:cxn>
+              <a:cxn ang="0">
+                <a:pos x="connsiteX3" y="connsiteY3"/>
+              </a:cxn>
+            </a:cxnLst>
+            <a:rect l="l" t="t" r="r" b="b"/>
+            <a:pathLst>
+              <a:path w="7539895" h="6858000">
+                <a:moveTo>
+                  <a:pt x="7539895" y="6858000"/>
+                </a:moveTo>
+                <a:lnTo>
+                  <a:pt x="0" y="6858000"/>
+                </a:lnTo>
+                <a:lnTo>
+                  <a:pt x="0" y="0"/>
+                </a:lnTo>
+                <a:lnTo>
+                  <a:pt x="4363741" y="0"/>
+                </a:lnTo>
+                <a:close/>
+              </a:path>
+            </a:pathLst>
+          </a:custGeom>
+          <a:solidFill>
+            <a:schemeClr val="bg1">
+              <a:lumMod val="85000"/>
+              <a:lumOff val="15000"/>
+              <a:alpha val="70000"/>
+            </a:schemeClr>
+          </a:solidFill>
+          <a:ln>
+            <a:noFill/>
+          </a:ln>
+        </p:spPr>
+        <p:style>
+          <a:lnRef idx="2">
+            <a:schemeClr val="accent1">
+              <a:shade val="50000"/>
+            </a:schemeClr>
+          </a:lnRef>
+          <a:fillRef idx="1">
+            <a:schemeClr val="accent1"/>
+          </a:fillRef>
+          <a:effectRef idx="0">
+            <a:schemeClr val="accent1"/>
+          </a:effectRef>
+          <a:fontRef idx="minor">
+            <a:schemeClr val="lt1"/>
+          </a:fontRef>
+        </p:style>
+        <p:txBody>
+          <a:bodyPr wrap="square" rtlCol="0" anchor="ctr">
+            <a:noAutofit/>
+          </a:bodyPr>
+          <a:lstStyle/>
+          <a:p>
+            <a:pPr algn="ctr"/>
+            <a:endParaRPr lang="en-US"/>
+          </a:p>
+        </p:txBody>
+      </p:sp>
+      <p:sp>
+        <p:nvSpPr>
+          <p:cNvPr id="19" name="Freeform: Shape 18">
+            <a:extLst>
+              <a:ext uri="{FF2B5EF4-FFF2-40B4-BE49-F238E27FC236}">
+                <a16:creationId xmlns:a16="http://schemas.microsoft.com/office/drawing/2014/main" id="{152F8994-E6D4-4311-9548-C3607BC43645}"/>
+              </a:ext>
+              <a:ext uri="{C183D7F6-B498-43B3-948B-1728B52AA6E4}">
+                <adec:decorative xmlns:adec="http://schemas.microsoft.com/office/drawing/2017/decorative" val="1"/>
+              </a:ext>
+            </a:extLst>
+          </p:cNvPr>
+          <p:cNvSpPr>
+            <a:spLocks noGrp="1" noRot="1" noChangeAspect="1" noMove="1" noResize="1" noEditPoints="1" noAdjustHandles="1" noChangeArrowheads="1" noChangeShapeType="1" noTextEdit="1"/>
+          </p:cNvSpPr>
+          <p:nvPr>
+            <p:extLst>
+              <p:ext uri="{386F3935-93C4-4BCD-93E2-E3B085C9AB24}">
+                <p16:designElem xmlns:p16="http://schemas.microsoft.com/office/powerpoint/2015/main" val="1"/>
+              </p:ext>
+            </p:extLst>
+          </p:nvPr>
+        </p:nvSpPr>
+        <p:spPr>
+          <a:xfrm flipV="1">
+            <a:off x="0" y="0"/>
+            <a:ext cx="7092985" cy="6858000"/>
+          </a:xfrm>
+          <a:custGeom>
+            <a:avLst/>
+            <a:gdLst>
+              <a:gd name="connsiteX0" fmla="*/ 7092985 w 7092985"/>
+              <a:gd name="connsiteY0" fmla="*/ 6858000 h 6858000"/>
+              <a:gd name="connsiteX1" fmla="*/ 0 w 7092985"/>
+              <a:gd name="connsiteY1" fmla="*/ 6858000 h 6858000"/>
+              <a:gd name="connsiteX2" fmla="*/ 0 w 7092985"/>
+              <a:gd name="connsiteY2" fmla="*/ 0 h 6858000"/>
+              <a:gd name="connsiteX3" fmla="*/ 3916831 w 7092985"/>
+              <a:gd name="connsiteY3" fmla="*/ 0 h 6858000"/>
+            </a:gdLst>
+            <a:ahLst/>
+            <a:cxnLst>
+              <a:cxn ang="0">
+                <a:pos x="connsiteX0" y="connsiteY0"/>
+              </a:cxn>
+              <a:cxn ang="0">
+                <a:pos x="connsiteX1" y="connsiteY1"/>
+              </a:cxn>
+              <a:cxn ang="0">
+                <a:pos x="connsiteX2" y="connsiteY2"/>
+              </a:cxn>
+              <a:cxn ang="0">
+                <a:pos x="connsiteX3" y="connsiteY3"/>
+              </a:cxn>
+            </a:cxnLst>
+            <a:rect l="l" t="t" r="r" b="b"/>
+            <a:pathLst>
+              <a:path w="7092985" h="6858000">
+                <a:moveTo>
+                  <a:pt x="7092985" y="6858000"/>
+                </a:moveTo>
+                <a:lnTo>
+                  <a:pt x="0" y="6858000"/>
+                </a:lnTo>
+                <a:lnTo>
+                  <a:pt x="0" y="0"/>
+                </a:lnTo>
+                <a:lnTo>
+                  <a:pt x="3916831" y="0"/>
+                </a:lnTo>
+                <a:close/>
+              </a:path>
+            </a:pathLst>
+          </a:custGeom>
+          <a:solidFill>
+            <a:schemeClr val="bg1">
+              <a:lumMod val="85000"/>
+              <a:lumOff val="15000"/>
+            </a:schemeClr>
+          </a:solidFill>
+          <a:ln>
+            <a:noFill/>
+          </a:ln>
+        </p:spPr>
+        <p:style>
+          <a:lnRef idx="2">
+            <a:schemeClr val="accent1">
+              <a:shade val="50000"/>
+            </a:schemeClr>
+          </a:lnRef>
+          <a:fillRef idx="1">
+            <a:schemeClr val="accent1"/>
+          </a:fillRef>
+          <a:effectRef idx="0">
+            <a:schemeClr val="accent1"/>
+          </a:effectRef>
+          <a:fontRef idx="minor">
+            <a:schemeClr val="lt1"/>
+          </a:fontRef>
+        </p:style>
+        <p:txBody>
+          <a:bodyPr wrap="square" rtlCol="0" anchor="ctr">
+            <a:noAutofit/>
+          </a:bodyPr>
+          <a:lstStyle/>
+          <a:p>
+            <a:pPr algn="ctr"/>
+            <a:endParaRPr lang="en-US"/>
+          </a:p>
+        </p:txBody>
+      </p:sp>
+      <p:sp>
+        <p:nvSpPr>
+          <p:cNvPr id="2" name="Title 1">
+            <a:extLst>
+              <a:ext uri="{FF2B5EF4-FFF2-40B4-BE49-F238E27FC236}">
+                <a16:creationId xmlns:a16="http://schemas.microsoft.com/office/drawing/2014/main" id="{E6693D53-EB2A-4B85-A63B-2303AB000F37}"/>
+              </a:ext>
+            </a:extLst>
+          </p:cNvPr>
+          <p:cNvSpPr>
+            <a:spLocks noGrp="1"/>
+          </p:cNvSpPr>
+          <p:nvPr>
+            <p:ph type="title"/>
+          </p:nvPr>
+        </p:nvSpPr>
+        <p:spPr>
+          <a:xfrm>
+            <a:off x="838199" y="365125"/>
+            <a:ext cx="5529943" cy="1325563"/>
+          </a:xfrm>
+        </p:spPr>
+        <p:txBody>
+          <a:bodyPr vert="horz" lIns="91440" tIns="45720" rIns="91440" bIns="45720" rtlCol="0" anchor="ctr">
+            <a:normAutofit/>
+          </a:bodyPr>
+          <a:lstStyle/>
+          <a:p>
+            <a:r>
+              <a:rPr lang="en-US" kern="1200" dirty="0">
+                <a:solidFill>
+                  <a:schemeClr val="tx1"/>
+                </a:solidFill>
+                <a:latin typeface="+mj-lt"/>
+                <a:ea typeface="+mj-ea"/>
+                <a:cs typeface="+mj-cs"/>
+              </a:rPr>
+              <a:t>Heuristics - Corners</a:t>
+            </a:r>
+          </a:p>
+        </p:txBody>
+      </p:sp>
+      <mc:AlternateContent xmlns:mc="http://schemas.openxmlformats.org/markup-compatibility/2006" xmlns:a14="http://schemas.microsoft.com/office/drawing/2010/main">
+        <mc:Choice Requires="a14">
+          <p:sp>
+            <p:nvSpPr>
+              <p:cNvPr id="11" name="Content Placeholder 2">
+                <a:extLst>
+                  <a:ext uri="{FF2B5EF4-FFF2-40B4-BE49-F238E27FC236}">
+                    <a16:creationId xmlns:a16="http://schemas.microsoft.com/office/drawing/2014/main" id="{DBB69753-D718-47B1-A787-6B81A7B6ED4F}"/>
+                  </a:ext>
+                </a:extLst>
+              </p:cNvPr>
+              <p:cNvSpPr txBox="1">
+                <a:spLocks/>
+              </p:cNvSpPr>
+              <p:nvPr/>
+            </p:nvSpPr>
+            <p:spPr>
+              <a:xfrm>
+                <a:off x="516569" y="2360793"/>
+                <a:ext cx="8901706" cy="1546551"/>
+              </a:xfrm>
+              <a:prstGeom prst="rect">
+                <a:avLst/>
+              </a:prstGeom>
+            </p:spPr>
+            <p:txBody>
+              <a:bodyPr vert="horz" lIns="91440" tIns="45720" rIns="91440" bIns="45720" rtlCol="0">
+                <a:normAutofit/>
+              </a:bodyPr>
+              <a:lstStyle>
+                <a:lvl1pPr marL="228600" indent="-228600" algn="l" defTabSz="914400" rtl="0" eaLnBrk="1" latinLnBrk="0" hangingPunct="1">
+                  <a:lnSpc>
+                    <a:spcPct val="90000"/>
+                  </a:lnSpc>
+                  <a:spcBef>
+                    <a:spcPts val="1000"/>
+                  </a:spcBef>
+                  <a:buFont typeface="Arial" panose="020B0604020202020204" pitchFamily="34" charset="0"/>
+                  <a:buChar char="•"/>
+                  <a:defRPr sz="2800" kern="1200">
+                    <a:solidFill>
+                      <a:schemeClr val="tx1"/>
+                    </a:solidFill>
+                    <a:latin typeface="+mn-lt"/>
+                    <a:ea typeface="+mn-ea"/>
+                    <a:cs typeface="+mn-cs"/>
+                  </a:defRPr>
+                </a:lvl1pPr>
+                <a:lvl2pPr marL="685800" indent="-228600" algn="l" defTabSz="914400" rtl="0" eaLnBrk="1" latinLnBrk="0" hangingPunct="1">
+                  <a:lnSpc>
+                    <a:spcPct val="90000"/>
+                  </a:lnSpc>
+                  <a:spcBef>
+                    <a:spcPts val="500"/>
+                  </a:spcBef>
+                  <a:buFont typeface="Arial" panose="020B0604020202020204" pitchFamily="34" charset="0"/>
+                  <a:buChar char="•"/>
+                  <a:defRPr sz="2400" kern="1200">
+                    <a:solidFill>
+                      <a:schemeClr val="tx1"/>
+                    </a:solidFill>
+                    <a:latin typeface="+mn-lt"/>
+                    <a:ea typeface="+mn-ea"/>
+                    <a:cs typeface="+mn-cs"/>
+                  </a:defRPr>
+                </a:lvl2pPr>
+                <a:lvl3pPr marL="1143000" indent="-228600" algn="l" defTabSz="914400" rtl="0" eaLnBrk="1" latinLnBrk="0" hangingPunct="1">
+                  <a:lnSpc>
+                    <a:spcPct val="90000"/>
+                  </a:lnSpc>
+                  <a:spcBef>
+                    <a:spcPts val="500"/>
+                  </a:spcBef>
+                  <a:buFont typeface="Arial" panose="020B0604020202020204" pitchFamily="34" charset="0"/>
+                  <a:buChar char="•"/>
+                  <a:defRPr sz="2000" kern="1200">
+                    <a:solidFill>
+                      <a:schemeClr val="tx1"/>
+                    </a:solidFill>
+                    <a:latin typeface="+mn-lt"/>
+                    <a:ea typeface="+mn-ea"/>
+                    <a:cs typeface="+mn-cs"/>
+                  </a:defRPr>
+                </a:lvl3pPr>
+                <a:lvl4pPr marL="1600200" indent="-228600" algn="l" defTabSz="914400" rtl="0" eaLnBrk="1" latinLnBrk="0" hangingPunct="1">
+                  <a:lnSpc>
+                    <a:spcPct val="90000"/>
+                  </a:lnSpc>
+                  <a:spcBef>
+                    <a:spcPts val="500"/>
+                  </a:spcBef>
+                  <a:buFont typeface="Arial" panose="020B0604020202020204" pitchFamily="34" charset="0"/>
+                  <a:buChar char="•"/>
+                  <a:defRPr sz="1800" kern="1200">
+                    <a:solidFill>
+                      <a:schemeClr val="tx1"/>
+                    </a:solidFill>
+                    <a:latin typeface="+mn-lt"/>
+                    <a:ea typeface="+mn-ea"/>
+                    <a:cs typeface="+mn-cs"/>
+                  </a:defRPr>
+                </a:lvl4pPr>
+                <a:lvl5pPr marL="2057400" indent="-228600" algn="l" defTabSz="914400" rtl="0" eaLnBrk="1" latinLnBrk="0" hangingPunct="1">
+                  <a:lnSpc>
+                    <a:spcPct val="90000"/>
+                  </a:lnSpc>
+                  <a:spcBef>
+                    <a:spcPts val="500"/>
+                  </a:spcBef>
+                  <a:buFont typeface="Arial" panose="020B0604020202020204" pitchFamily="34" charset="0"/>
+                  <a:buChar char="•"/>
+                  <a:defRPr sz="1800" kern="1200">
+                    <a:solidFill>
+                      <a:schemeClr val="tx1"/>
+                    </a:solidFill>
+                    <a:latin typeface="+mn-lt"/>
+                    <a:ea typeface="+mn-ea"/>
+                    <a:cs typeface="+mn-cs"/>
+                  </a:defRPr>
+                </a:lvl5pPr>
+                <a:lvl6pPr marL="2514600" indent="-228600" algn="l" defTabSz="914400" rtl="0" eaLnBrk="1" latinLnBrk="0" hangingPunct="1">
+                  <a:lnSpc>
+                    <a:spcPct val="90000"/>
+                  </a:lnSpc>
+                  <a:spcBef>
+                    <a:spcPts val="500"/>
+                  </a:spcBef>
+                  <a:buFont typeface="Arial" panose="020B0604020202020204" pitchFamily="34" charset="0"/>
+                  <a:buChar char="•"/>
+                  <a:defRPr sz="1800" kern="1200">
+                    <a:solidFill>
+                      <a:schemeClr val="tx1"/>
+                    </a:solidFill>
+                    <a:latin typeface="+mn-lt"/>
+                    <a:ea typeface="+mn-ea"/>
+                    <a:cs typeface="+mn-cs"/>
+                  </a:defRPr>
+                </a:lvl6pPr>
+                <a:lvl7pPr marL="2971800" indent="-228600" algn="l" defTabSz="914400" rtl="0" eaLnBrk="1" latinLnBrk="0" hangingPunct="1">
+                  <a:lnSpc>
+                    <a:spcPct val="90000"/>
+                  </a:lnSpc>
+                  <a:spcBef>
+                    <a:spcPts val="500"/>
+                  </a:spcBef>
+                  <a:buFont typeface="Arial" panose="020B0604020202020204" pitchFamily="34" charset="0"/>
+                  <a:buChar char="•"/>
+                  <a:defRPr sz="1800" kern="1200">
+                    <a:solidFill>
+                      <a:schemeClr val="tx1"/>
+                    </a:solidFill>
+                    <a:latin typeface="+mn-lt"/>
+                    <a:ea typeface="+mn-ea"/>
+                    <a:cs typeface="+mn-cs"/>
+                  </a:defRPr>
+                </a:lvl7pPr>
+                <a:lvl8pPr marL="3429000" indent="-228600" algn="l" defTabSz="914400" rtl="0" eaLnBrk="1" latinLnBrk="0" hangingPunct="1">
+                  <a:lnSpc>
+                    <a:spcPct val="90000"/>
+                  </a:lnSpc>
+                  <a:spcBef>
+                    <a:spcPts val="500"/>
+                  </a:spcBef>
+                  <a:buFont typeface="Arial" panose="020B0604020202020204" pitchFamily="34" charset="0"/>
+                  <a:buChar char="•"/>
+                  <a:defRPr sz="1800" kern="1200">
+                    <a:solidFill>
+                      <a:schemeClr val="tx1"/>
+                    </a:solidFill>
+                    <a:latin typeface="+mn-lt"/>
+                    <a:ea typeface="+mn-ea"/>
+                    <a:cs typeface="+mn-cs"/>
+                  </a:defRPr>
+                </a:lvl8pPr>
+                <a:lvl9pPr marL="3886200" indent="-228600" algn="l" defTabSz="914400" rtl="0" eaLnBrk="1" latinLnBrk="0" hangingPunct="1">
+                  <a:lnSpc>
+                    <a:spcPct val="90000"/>
+                  </a:lnSpc>
+                  <a:spcBef>
+                    <a:spcPts val="500"/>
+                  </a:spcBef>
+                  <a:buFont typeface="Arial" panose="020B0604020202020204" pitchFamily="34" charset="0"/>
+                  <a:buChar char="•"/>
+                  <a:defRPr sz="1800" kern="1200">
+                    <a:solidFill>
+                      <a:schemeClr val="tx1"/>
+                    </a:solidFill>
+                    <a:latin typeface="+mn-lt"/>
+                    <a:ea typeface="+mn-ea"/>
+                    <a:cs typeface="+mn-cs"/>
+                  </a:defRPr>
+                </a:lvl9pPr>
+              </a:lstStyle>
+              <a:p>
+                <a:pPr marL="0" indent="0">
+                  <a:buFont typeface="Arial" panose="020B0604020202020204" pitchFamily="34" charset="0"/>
+                  <a:buNone/>
+                </a:pPr>
+                <a:r>
+                  <a:rPr lang="en-US" sz="1400" dirty="0">
+                    <a:solidFill>
+                      <a:srgbClr val="7030A0"/>
+                    </a:solidFill>
+                    <a:latin typeface="Courier New" panose="02070309020205020404" pitchFamily="49" charset="0"/>
+                    <a:cs typeface="Courier New" panose="02070309020205020404" pitchFamily="49" charset="0"/>
+                  </a:rPr>
+                  <a:t>if</a:t>
+                </a:r>
+                <a:r>
+                  <a:rPr lang="en-US" sz="1400" dirty="0">
+                    <a:latin typeface="Courier New" panose="02070309020205020404" pitchFamily="49" charset="0"/>
+                    <a:cs typeface="Courier New" panose="02070309020205020404" pitchFamily="49" charset="0"/>
+                  </a:rPr>
+                  <a:t> (Max Player Actual Mobility Value + Min Player Actual Mobility Value) </a:t>
+                </a:r>
+                <a14:m>
+                  <m:oMath xmlns:m="http://schemas.openxmlformats.org/officeDocument/2006/math">
+                    <m:box>
+                      <m:boxPr>
+                        <m:ctrlPr>
+                          <a:rPr lang="en-US" sz="1400" i="1" dirty="0" smtClean="0">
+                            <a:latin typeface="Cambria Math" panose="02040503050406030204" pitchFamily="18" charset="0"/>
+                            <a:cs typeface="Courier New" panose="02070309020205020404" pitchFamily="49" charset="0"/>
+                          </a:rPr>
+                        </m:ctrlPr>
+                      </m:boxPr>
+                      <m:e>
+                        <m:r>
+                          <a:rPr lang="en-US" sz="1400" i="1" dirty="0" smtClean="0">
+                            <a:latin typeface="Cambria Math" panose="02040503050406030204" pitchFamily="18" charset="0"/>
+                            <a:cs typeface="Courier New" panose="02070309020205020404" pitchFamily="49" charset="0"/>
+                          </a:rPr>
+                          <m:t>!=</m:t>
+                        </m:r>
+                      </m:e>
+                    </m:box>
+                  </m:oMath>
+                </a14:m>
+                <a:r>
+                  <a:rPr lang="en-US" sz="1400" dirty="0">
+                    <a:latin typeface="Courier New" panose="02070309020205020404" pitchFamily="49" charset="0"/>
+                    <a:cs typeface="Courier New" panose="02070309020205020404" pitchFamily="49" charset="0"/>
+                  </a:rPr>
+                  <a:t>0:</a:t>
+                </a:r>
+              </a:p>
+              <a:p>
+                <a:pPr marL="0" indent="0">
+                  <a:buFont typeface="Arial" panose="020B0604020202020204" pitchFamily="34" charset="0"/>
+                  <a:buNone/>
+                </a:pPr>
+                <a:r>
+                  <a:rPr lang="en-US" sz="1400" dirty="0">
+                    <a:latin typeface="Courier New" panose="02070309020205020404" pitchFamily="49" charset="0"/>
+                    <a:cs typeface="Courier New" panose="02070309020205020404" pitchFamily="49" charset="0"/>
+                  </a:rPr>
+                  <a:t>	Actual Mobility Heuristic Value = </a:t>
+                </a:r>
+                <a14:m>
+                  <m:oMath xmlns:m="http://schemas.openxmlformats.org/officeDocument/2006/math">
+                    <m:r>
+                      <a:rPr lang="en-US" sz="1400" i="1">
+                        <a:latin typeface="Cambria Math" panose="02040503050406030204" pitchFamily="18" charset="0"/>
+                        <a:cs typeface="Courier New" panose="02070309020205020404" pitchFamily="49" charset="0"/>
+                      </a:rPr>
+                      <m:t>100 </m:t>
+                    </m:r>
+                    <m:r>
+                      <a:rPr lang="en-US" sz="1400" i="1" smtClean="0">
+                        <a:latin typeface="Cambria Math" panose="02040503050406030204" pitchFamily="18" charset="0"/>
+                        <a:cs typeface="Courier New" panose="02070309020205020404" pitchFamily="49" charset="0"/>
+                      </a:rPr>
+                      <m:t>∗</m:t>
+                    </m:r>
+                    <m:f>
+                      <m:fPr>
+                        <m:ctrlPr>
+                          <a:rPr lang="en-US" sz="1400" i="1" smtClean="0">
+                            <a:latin typeface="Cambria Math" panose="02040503050406030204" pitchFamily="18" charset="0"/>
+                            <a:cs typeface="Courier New" panose="02070309020205020404" pitchFamily="49" charset="0"/>
+                          </a:rPr>
+                        </m:ctrlPr>
+                      </m:fPr>
+                      <m:num>
+                        <m:r>
+                          <a:rPr lang="en-US" sz="1400" i="1">
+                            <a:latin typeface="Cambria Math" panose="02040503050406030204" pitchFamily="18" charset="0"/>
+                            <a:cs typeface="Courier New" panose="02070309020205020404" pitchFamily="49" charset="0"/>
+                          </a:rPr>
+                          <m:t>𝑀𝑎𝑥</m:t>
+                        </m:r>
+                        <m:r>
+                          <a:rPr lang="en-US" sz="1400" i="1">
+                            <a:latin typeface="Cambria Math" panose="02040503050406030204" pitchFamily="18" charset="0"/>
+                            <a:cs typeface="Courier New" panose="02070309020205020404" pitchFamily="49" charset="0"/>
+                          </a:rPr>
+                          <m:t> </m:t>
+                        </m:r>
+                        <m:r>
+                          <a:rPr lang="en-US" sz="1400" i="1">
+                            <a:latin typeface="Cambria Math" panose="02040503050406030204" pitchFamily="18" charset="0"/>
+                            <a:cs typeface="Courier New" panose="02070309020205020404" pitchFamily="49" charset="0"/>
+                          </a:rPr>
+                          <m:t>𝑃𝑙𝑎𝑦𝑒𝑟</m:t>
+                        </m:r>
+                        <m:r>
+                          <a:rPr lang="en-US" sz="1400" i="1">
+                            <a:latin typeface="Cambria Math" panose="02040503050406030204" pitchFamily="18" charset="0"/>
+                            <a:cs typeface="Courier New" panose="02070309020205020404" pitchFamily="49" charset="0"/>
+                          </a:rPr>
+                          <m:t> </m:t>
+                        </m:r>
+                        <m:r>
+                          <a:rPr lang="en-US" sz="1400" i="1">
+                            <a:latin typeface="Cambria Math" panose="02040503050406030204" pitchFamily="18" charset="0"/>
+                            <a:cs typeface="Courier New" panose="02070309020205020404" pitchFamily="49" charset="0"/>
+                          </a:rPr>
+                          <m:t>𝐴𝑐𝑡𝑢𝑎𝑙</m:t>
+                        </m:r>
+                        <m:r>
+                          <a:rPr lang="en-US" sz="1400" i="1">
+                            <a:latin typeface="Cambria Math" panose="02040503050406030204" pitchFamily="18" charset="0"/>
+                            <a:cs typeface="Courier New" panose="02070309020205020404" pitchFamily="49" charset="0"/>
+                          </a:rPr>
+                          <m:t> </m:t>
+                        </m:r>
+                        <m:r>
+                          <a:rPr lang="en-US" sz="1400" i="1">
+                            <a:latin typeface="Cambria Math" panose="02040503050406030204" pitchFamily="18" charset="0"/>
+                            <a:cs typeface="Courier New" panose="02070309020205020404" pitchFamily="49" charset="0"/>
+                          </a:rPr>
+                          <m:t>𝑀𝑜𝑏𝑖𝑙𝑖𝑡𝑦</m:t>
+                        </m:r>
+                        <m:r>
+                          <a:rPr lang="en-US" sz="1400" i="1">
+                            <a:latin typeface="Cambria Math" panose="02040503050406030204" pitchFamily="18" charset="0"/>
+                            <a:cs typeface="Courier New" panose="02070309020205020404" pitchFamily="49" charset="0"/>
+                          </a:rPr>
+                          <m:t> −</m:t>
+                        </m:r>
+                        <m:r>
+                          <a:rPr lang="en-US" sz="1400" i="1">
+                            <a:latin typeface="Cambria Math" panose="02040503050406030204" pitchFamily="18" charset="0"/>
+                            <a:cs typeface="Courier New" panose="02070309020205020404" pitchFamily="49" charset="0"/>
+                          </a:rPr>
+                          <m:t>𝑀𝑖𝑛</m:t>
+                        </m:r>
+                        <m:r>
+                          <a:rPr lang="en-US" sz="1400" i="1">
+                            <a:latin typeface="Cambria Math" panose="02040503050406030204" pitchFamily="18" charset="0"/>
+                            <a:cs typeface="Courier New" panose="02070309020205020404" pitchFamily="49" charset="0"/>
+                          </a:rPr>
+                          <m:t> </m:t>
+                        </m:r>
+                        <m:r>
+                          <a:rPr lang="en-US" sz="1400" i="1">
+                            <a:latin typeface="Cambria Math" panose="02040503050406030204" pitchFamily="18" charset="0"/>
+                            <a:cs typeface="Courier New" panose="02070309020205020404" pitchFamily="49" charset="0"/>
+                          </a:rPr>
+                          <m:t>𝑃𝑙𝑎𝑦𝑒𝑟</m:t>
+                        </m:r>
+                        <m:r>
+                          <a:rPr lang="en-US" sz="1400" i="1">
+                            <a:latin typeface="Cambria Math" panose="02040503050406030204" pitchFamily="18" charset="0"/>
+                            <a:cs typeface="Courier New" panose="02070309020205020404" pitchFamily="49" charset="0"/>
+                          </a:rPr>
+                          <m:t> </m:t>
+                        </m:r>
+                        <m:r>
+                          <a:rPr lang="en-US" sz="1400" i="1">
+                            <a:latin typeface="Cambria Math" panose="02040503050406030204" pitchFamily="18" charset="0"/>
+                            <a:cs typeface="Courier New" panose="02070309020205020404" pitchFamily="49" charset="0"/>
+                          </a:rPr>
+                          <m:t>𝐴𝑐𝑡𝑢𝑎𝑙</m:t>
+                        </m:r>
+                        <m:r>
+                          <a:rPr lang="en-US" sz="1400" i="1">
+                            <a:latin typeface="Cambria Math" panose="02040503050406030204" pitchFamily="18" charset="0"/>
+                            <a:cs typeface="Courier New" panose="02070309020205020404" pitchFamily="49" charset="0"/>
+                          </a:rPr>
+                          <m:t> </m:t>
+                        </m:r>
+                        <m:r>
+                          <a:rPr lang="en-US" sz="1400" i="1">
+                            <a:latin typeface="Cambria Math" panose="02040503050406030204" pitchFamily="18" charset="0"/>
+                            <a:cs typeface="Courier New" panose="02070309020205020404" pitchFamily="49" charset="0"/>
+                          </a:rPr>
+                          <m:t>𝑀𝑜𝑏𝑖𝑙𝑖𝑡𝑦</m:t>
+                        </m:r>
+                      </m:num>
+                      <m:den>
+                        <m:r>
+                          <a:rPr lang="en-US" sz="1400" i="1">
+                            <a:latin typeface="Cambria Math" panose="02040503050406030204" pitchFamily="18" charset="0"/>
+                            <a:cs typeface="Courier New" panose="02070309020205020404" pitchFamily="49" charset="0"/>
+                          </a:rPr>
+                          <m:t>𝑀𝑎𝑥</m:t>
+                        </m:r>
+                        <m:r>
+                          <a:rPr lang="en-US" sz="1400" i="1">
+                            <a:latin typeface="Cambria Math" panose="02040503050406030204" pitchFamily="18" charset="0"/>
+                            <a:cs typeface="Courier New" panose="02070309020205020404" pitchFamily="49" charset="0"/>
+                          </a:rPr>
+                          <m:t> </m:t>
+                        </m:r>
+                        <m:r>
+                          <a:rPr lang="en-US" sz="1400" i="1">
+                            <a:latin typeface="Cambria Math" panose="02040503050406030204" pitchFamily="18" charset="0"/>
+                            <a:cs typeface="Courier New" panose="02070309020205020404" pitchFamily="49" charset="0"/>
+                          </a:rPr>
+                          <m:t>𝑃𝑙𝑎𝑦𝑒𝑟</m:t>
+                        </m:r>
+                        <m:r>
+                          <a:rPr lang="en-US" sz="1400" i="1">
+                            <a:latin typeface="Cambria Math" panose="02040503050406030204" pitchFamily="18" charset="0"/>
+                            <a:cs typeface="Courier New" panose="02070309020205020404" pitchFamily="49" charset="0"/>
+                          </a:rPr>
+                          <m:t> </m:t>
+                        </m:r>
+                        <m:r>
+                          <a:rPr lang="en-US" sz="1400" i="1">
+                            <a:latin typeface="Cambria Math" panose="02040503050406030204" pitchFamily="18" charset="0"/>
+                            <a:cs typeface="Courier New" panose="02070309020205020404" pitchFamily="49" charset="0"/>
+                          </a:rPr>
+                          <m:t>𝐴𝑐𝑡𝑢𝑎𝑙</m:t>
+                        </m:r>
+                        <m:r>
+                          <a:rPr lang="en-US" sz="1400" i="1">
+                            <a:latin typeface="Cambria Math" panose="02040503050406030204" pitchFamily="18" charset="0"/>
+                            <a:cs typeface="Courier New" panose="02070309020205020404" pitchFamily="49" charset="0"/>
+                          </a:rPr>
+                          <m:t> </m:t>
+                        </m:r>
+                        <m:r>
+                          <a:rPr lang="en-US" sz="1400" i="1">
+                            <a:latin typeface="Cambria Math" panose="02040503050406030204" pitchFamily="18" charset="0"/>
+                            <a:cs typeface="Courier New" panose="02070309020205020404" pitchFamily="49" charset="0"/>
+                          </a:rPr>
+                          <m:t>𝑀𝑜𝑏𝑖𝑙𝑖𝑡𝑦</m:t>
+                        </m:r>
+                        <m:r>
+                          <a:rPr lang="en-US" sz="1400" i="1">
+                            <a:latin typeface="Cambria Math" panose="02040503050406030204" pitchFamily="18" charset="0"/>
+                            <a:cs typeface="Courier New" panose="02070309020205020404" pitchFamily="49" charset="0"/>
+                          </a:rPr>
+                          <m:t> −</m:t>
+                        </m:r>
+                        <m:r>
+                          <a:rPr lang="en-US" sz="1400" i="1">
+                            <a:latin typeface="Cambria Math" panose="02040503050406030204" pitchFamily="18" charset="0"/>
+                            <a:cs typeface="Courier New" panose="02070309020205020404" pitchFamily="49" charset="0"/>
+                          </a:rPr>
+                          <m:t>𝑀𝑖𝑛</m:t>
+                        </m:r>
+                        <m:r>
+                          <a:rPr lang="en-US" sz="1400" i="1">
+                            <a:latin typeface="Cambria Math" panose="02040503050406030204" pitchFamily="18" charset="0"/>
+                            <a:cs typeface="Courier New" panose="02070309020205020404" pitchFamily="49" charset="0"/>
+                          </a:rPr>
+                          <m:t> </m:t>
+                        </m:r>
+                        <m:r>
+                          <a:rPr lang="en-US" sz="1400" i="1">
+                            <a:latin typeface="Cambria Math" panose="02040503050406030204" pitchFamily="18" charset="0"/>
+                            <a:cs typeface="Courier New" panose="02070309020205020404" pitchFamily="49" charset="0"/>
+                          </a:rPr>
+                          <m:t>𝑃𝑙𝑎𝑦𝑒𝑟</m:t>
+                        </m:r>
+                        <m:r>
+                          <a:rPr lang="en-US" sz="1400" i="1">
+                            <a:latin typeface="Cambria Math" panose="02040503050406030204" pitchFamily="18" charset="0"/>
+                            <a:cs typeface="Courier New" panose="02070309020205020404" pitchFamily="49" charset="0"/>
+                          </a:rPr>
+                          <m:t> </m:t>
+                        </m:r>
+                        <m:r>
+                          <a:rPr lang="en-US" sz="1400" i="1">
+                            <a:latin typeface="Cambria Math" panose="02040503050406030204" pitchFamily="18" charset="0"/>
+                            <a:cs typeface="Courier New" panose="02070309020205020404" pitchFamily="49" charset="0"/>
+                          </a:rPr>
+                          <m:t>𝐴𝑐𝑡𝑢𝑎𝑙</m:t>
+                        </m:r>
+                        <m:r>
+                          <a:rPr lang="en-US" sz="1400" i="1">
+                            <a:latin typeface="Cambria Math" panose="02040503050406030204" pitchFamily="18" charset="0"/>
+                            <a:cs typeface="Courier New" panose="02070309020205020404" pitchFamily="49" charset="0"/>
+                          </a:rPr>
+                          <m:t> </m:t>
+                        </m:r>
+                        <m:r>
+                          <a:rPr lang="en-US" sz="1400" i="1">
+                            <a:latin typeface="Cambria Math" panose="02040503050406030204" pitchFamily="18" charset="0"/>
+                            <a:cs typeface="Courier New" panose="02070309020205020404" pitchFamily="49" charset="0"/>
+                          </a:rPr>
+                          <m:t>𝑀𝑜𝑏𝑖𝑙𝑖𝑡𝑦</m:t>
+                        </m:r>
+                      </m:den>
+                    </m:f>
+                  </m:oMath>
+                </a14:m>
+                <a:endParaRPr lang="en-US" sz="1400" dirty="0">
+                  <a:latin typeface="Courier New" panose="02070309020205020404" pitchFamily="49" charset="0"/>
+                  <a:cs typeface="Courier New" panose="02070309020205020404" pitchFamily="49" charset="0"/>
+                </a:endParaRPr>
+              </a:p>
+              <a:p>
+                <a:pPr marL="0" indent="0">
+                  <a:buFont typeface="Arial" panose="020B0604020202020204" pitchFamily="34" charset="0"/>
+                  <a:buNone/>
+                </a:pPr>
+                <a:r>
+                  <a:rPr lang="en-US" sz="1400" dirty="0">
+                    <a:solidFill>
+                      <a:srgbClr val="7030A0"/>
+                    </a:solidFill>
+                    <a:latin typeface="Courier New" panose="02070309020205020404" pitchFamily="49" charset="0"/>
+                    <a:cs typeface="Courier New" panose="02070309020205020404" pitchFamily="49" charset="0"/>
+                  </a:rPr>
+                  <a:t>else</a:t>
+                </a:r>
+                <a:r>
+                  <a:rPr lang="en-US" sz="1400" dirty="0">
+                    <a:latin typeface="Courier New" panose="02070309020205020404" pitchFamily="49" charset="0"/>
+                    <a:cs typeface="Courier New" panose="02070309020205020404" pitchFamily="49" charset="0"/>
+                  </a:rPr>
+                  <a:t>: </a:t>
+                </a:r>
+              </a:p>
+              <a:p>
+                <a:pPr marL="0" indent="0">
+                  <a:buFont typeface="Arial" panose="020B0604020202020204" pitchFamily="34" charset="0"/>
+                  <a:buNone/>
+                </a:pPr>
+                <a:r>
+                  <a:rPr lang="en-US" sz="1400" dirty="0">
+                    <a:latin typeface="Courier New" panose="02070309020205020404" pitchFamily="49" charset="0"/>
+                    <a:cs typeface="Courier New" panose="02070309020205020404" pitchFamily="49" charset="0"/>
+                  </a:rPr>
+                  <a:t>	Actual Mobility Heuristic Value = 0</a:t>
+                </a:r>
+              </a:p>
+            </p:txBody>
+          </p:sp>
+        </mc:Choice>
+        <mc:Fallback xmlns="">
+          <p:sp>
+            <p:nvSpPr>
+              <p:cNvPr id="11" name="Content Placeholder 2">
+                <a:extLst>
+                  <a:ext uri="{FF2B5EF4-FFF2-40B4-BE49-F238E27FC236}">
+                    <a16:creationId xmlns:a16="http://schemas.microsoft.com/office/drawing/2014/main" id="{DBB69753-D718-47B1-A787-6B81A7B6ED4F}"/>
+                  </a:ext>
+                </a:extLst>
+              </p:cNvPr>
+              <p:cNvSpPr txBox="1">
+                <a:spLocks noRot="1" noChangeAspect="1" noMove="1" noResize="1" noEditPoints="1" noAdjustHandles="1" noChangeArrowheads="1" noChangeShapeType="1" noTextEdit="1"/>
+              </p:cNvSpPr>
+              <p:nvPr/>
+            </p:nvSpPr>
+            <p:spPr>
+              <a:xfrm>
+                <a:off x="516569" y="2360793"/>
+                <a:ext cx="8901706" cy="1546551"/>
+              </a:xfrm>
+              <a:prstGeom prst="rect">
+                <a:avLst/>
+              </a:prstGeom>
+              <a:blipFill>
+                <a:blip r:embed="rId3"/>
+                <a:stretch>
+                  <a:fillRect l="-205" t="-787"/>
+                </a:stretch>
+              </a:blipFill>
+            </p:spPr>
+            <p:txBody>
+              <a:bodyPr/>
+              <a:lstStyle/>
+              <a:p>
+                <a:r>
+                  <a:rPr lang="en-US">
+                    <a:noFill/>
+                  </a:rPr>
+                  <a:t> </a:t>
+                </a:r>
+              </a:p>
+            </p:txBody>
+          </p:sp>
+        </mc:Fallback>
+      </mc:AlternateContent>
+    </p:spTree>
+    <p:extLst>
+      <p:ext uri="{BB962C8B-B14F-4D97-AF65-F5344CB8AC3E}">
+        <p14:creationId xmlns:p14="http://schemas.microsoft.com/office/powerpoint/2010/main" val="125539493"/>
+      </p:ext>
+    </p:extLst>
+  </p:cSld>
+  <p:clrMapOvr>
+    <a:overrideClrMapping bg1="dk1" tx1="lt1" bg2="dk2" tx2="lt2" accent1="accent1" accent2="accent2" accent3="accent3" accent4="accent4" accent5="accent5" accent6="accent6" hlink="hlink" folHlink="folHlink"/>
   </p:clrMapOvr>
 </p:sld>
 </file>
